--- a/documents/React_FTP_화면설계서.pptx
+++ b/documents/React_FTP_화면설계서.pptx
@@ -654,7 +654,7 @@
           <a:p>
             <a:fld id="{9A5A18F9-9B40-4B5B-A537-79B901AE11ED}" type="datetime1">
               <a:rPr lang="ko-KR" altLang="en-US" smtClean="0"/>
-              <a:t>2021-05-03</a:t>
+              <a:t>2021-05-04</a:t>
             </a:fld>
             <a:endParaRPr lang="en-US" dirty="0"/>
           </a:p>
@@ -1319,7 +1319,7 @@
           <p:cNvPr id="2" name="제목 1">
             <a:extLst>
               <a:ext uri="{FF2B5EF4-FFF2-40B4-BE49-F238E27FC236}">
-                <a16:creationId xmlns:a16="http://schemas.microsoft.com/office/drawing/2014/main" id="{762B5D8A-DF49-4468-821F-C0B5E4ACA993}"/>
+                <a16:creationId xmlns:a16="http://schemas.microsoft.com/office/drawing/2014/main" xmlns="" id="{762B5D8A-DF49-4468-821F-C0B5E4ACA993}"/>
               </a:ext>
             </a:extLst>
           </p:cNvPr>
@@ -1347,7 +1347,7 @@
           <p:cNvPr id="3" name="텍스트 개체 틀 2">
             <a:extLst>
               <a:ext uri="{FF2B5EF4-FFF2-40B4-BE49-F238E27FC236}">
-                <a16:creationId xmlns:a16="http://schemas.microsoft.com/office/drawing/2014/main" id="{62C7F23F-76FC-401D-9805-2C94A67FDF5F}"/>
+                <a16:creationId xmlns:a16="http://schemas.microsoft.com/office/drawing/2014/main" xmlns="" id="{62C7F23F-76FC-401D-9805-2C94A67FDF5F}"/>
               </a:ext>
             </a:extLst>
           </p:cNvPr>
@@ -1454,14 +1454,14 @@
                 <a:gridCol w="5972175">
                   <a:extLst>
                     <a:ext uri="{9D8B030D-6E8A-4147-A177-3AD203B41FA5}">
-                      <a16:colId xmlns:a16="http://schemas.microsoft.com/office/drawing/2014/main" val="20000"/>
+                      <a16:colId xmlns:a16="http://schemas.microsoft.com/office/drawing/2014/main" xmlns="" val="20000"/>
                     </a:ext>
                   </a:extLst>
                 </a:gridCol>
                 <a:gridCol w="2670175">
                   <a:extLst>
                     <a:ext uri="{9D8B030D-6E8A-4147-A177-3AD203B41FA5}">
-                      <a16:colId xmlns:a16="http://schemas.microsoft.com/office/drawing/2014/main" val="20001"/>
+                      <a16:colId xmlns:a16="http://schemas.microsoft.com/office/drawing/2014/main" xmlns="" val="20001"/>
                     </a:ext>
                   </a:extLst>
                 </a:gridCol>
@@ -1603,7 +1603,7 @@
                 </a:tc>
                 <a:extLst>
                   <a:ext uri="{0D108BD9-81ED-4DB2-BD59-A6C34878D82A}">
-                    <a16:rowId xmlns:a16="http://schemas.microsoft.com/office/drawing/2014/main" val="10000"/>
+                    <a16:rowId xmlns:a16="http://schemas.microsoft.com/office/drawing/2014/main" xmlns="" val="10000"/>
                   </a:ext>
                 </a:extLst>
               </a:tr>
@@ -1726,7 +1726,7 @@
                 </a:tc>
                 <a:extLst>
                   <a:ext uri="{0D108BD9-81ED-4DB2-BD59-A6C34878D82A}">
-                    <a16:rowId xmlns:a16="http://schemas.microsoft.com/office/drawing/2014/main" val="10001"/>
+                    <a16:rowId xmlns:a16="http://schemas.microsoft.com/office/drawing/2014/main" xmlns="" val="10001"/>
                   </a:ext>
                 </a:extLst>
               </a:tr>
@@ -3105,7 +3105,7 @@
           <p:cNvPr id="36" name="cdtPicture 10 Id11">
             <a:extLst>
               <a:ext uri="{FF2B5EF4-FFF2-40B4-BE49-F238E27FC236}">
-                <a16:creationId xmlns:a16="http://schemas.microsoft.com/office/drawing/2014/main" id="{D1FABDAD-B259-4985-9510-7D97531DFC09}"/>
+                <a16:creationId xmlns:a16="http://schemas.microsoft.com/office/drawing/2014/main" xmlns="" id="{D1FABDAD-B259-4985-9510-7D97531DFC09}"/>
               </a:ext>
             </a:extLst>
           </p:cNvPr>
@@ -3139,7 +3139,7 @@
           <p:cNvPr id="42" name="cdtTextBox 12 Id13">
             <a:extLst>
               <a:ext uri="{FF2B5EF4-FFF2-40B4-BE49-F238E27FC236}">
-                <a16:creationId xmlns:a16="http://schemas.microsoft.com/office/drawing/2014/main" id="{D15DEFC4-A2DB-4155-94E2-F28944F8C7CB}"/>
+                <a16:creationId xmlns:a16="http://schemas.microsoft.com/office/drawing/2014/main" xmlns="" id="{D15DEFC4-A2DB-4155-94E2-F28944F8C7CB}"/>
               </a:ext>
             </a:extLst>
           </p:cNvPr>
@@ -3197,7 +3197,7 @@
           <p:cNvPr id="43" name="cdtTextBox 11 Id12">
             <a:extLst>
               <a:ext uri="{FF2B5EF4-FFF2-40B4-BE49-F238E27FC236}">
-                <a16:creationId xmlns:a16="http://schemas.microsoft.com/office/drawing/2014/main" id="{81ACEC07-D7AF-4275-9F71-CEFEC474269C}"/>
+                <a16:creationId xmlns:a16="http://schemas.microsoft.com/office/drawing/2014/main" xmlns="" id="{81ACEC07-D7AF-4275-9F71-CEFEC474269C}"/>
               </a:ext>
             </a:extLst>
           </p:cNvPr>
@@ -3269,7 +3269,7 @@
           <p:cNvPr id="44" name="cdtTextBox 13 Id14">
             <a:extLst>
               <a:ext uri="{FF2B5EF4-FFF2-40B4-BE49-F238E27FC236}">
-                <a16:creationId xmlns:a16="http://schemas.microsoft.com/office/drawing/2014/main" id="{D889A85A-BD9F-406F-A9F9-F06ABABCE172}"/>
+                <a16:creationId xmlns:a16="http://schemas.microsoft.com/office/drawing/2014/main" xmlns="" id="{D889A85A-BD9F-406F-A9F9-F06ABABCE172}"/>
               </a:ext>
             </a:extLst>
           </p:cNvPr>
@@ -3320,7 +3320,7 @@
           <p:cNvPr id="45" name="직사각형 44">
             <a:extLst>
               <a:ext uri="{FF2B5EF4-FFF2-40B4-BE49-F238E27FC236}">
-                <a16:creationId xmlns:a16="http://schemas.microsoft.com/office/drawing/2014/main" id="{F345304B-53CB-4870-A4EE-9300E34E77F6}"/>
+                <a16:creationId xmlns:a16="http://schemas.microsoft.com/office/drawing/2014/main" xmlns="" id="{F345304B-53CB-4870-A4EE-9300E34E77F6}"/>
               </a:ext>
             </a:extLst>
           </p:cNvPr>
@@ -3375,7 +3375,7 @@
           <p:cNvPr id="46" name="그림 45">
             <a:extLst>
               <a:ext uri="{FF2B5EF4-FFF2-40B4-BE49-F238E27FC236}">
-                <a16:creationId xmlns:a16="http://schemas.microsoft.com/office/drawing/2014/main" id="{0542956A-9451-4BCA-BD2C-6844B3675E1A}"/>
+                <a16:creationId xmlns:a16="http://schemas.microsoft.com/office/drawing/2014/main" xmlns="" id="{0542956A-9451-4BCA-BD2C-6844B3675E1A}"/>
               </a:ext>
             </a:extLst>
           </p:cNvPr>
@@ -3942,6 +3942,16 @@
               </a:rPr>
               <a:t>화면설계서</a:t>
             </a:r>
+            <a:r>
+              <a:rPr lang="en-US" altLang="ko-KR" sz="1000" b="0" strike="noStrike" cap="none" dirty="0">
+                <a:solidFill>
+                  <a:srgbClr val="FFFFFF"/>
+                </a:solidFill>
+                <a:latin typeface="Arial" charset="0"/>
+                <a:ea typeface="Arial" charset="0"/>
+              </a:rPr>
+              <a:t/>
+            </a:r>
             <a:br>
               <a:rPr lang="en-US" altLang="ko-KR" sz="1000" b="0" strike="noStrike" cap="none" dirty="0">
                 <a:solidFill>
@@ -4014,7 +4024,7 @@
           <p:cNvPr id="2" name="제목 1">
             <a:extLst>
               <a:ext uri="{FF2B5EF4-FFF2-40B4-BE49-F238E27FC236}">
-                <a16:creationId xmlns:a16="http://schemas.microsoft.com/office/drawing/2014/main" id="{5DD2DB19-3D36-4B7F-BA0A-E14876695B67}"/>
+                <a16:creationId xmlns:a16="http://schemas.microsoft.com/office/drawing/2014/main" xmlns="" id="{5DD2DB19-3D36-4B7F-BA0A-E14876695B67}"/>
               </a:ext>
             </a:extLst>
           </p:cNvPr>
@@ -4042,7 +4052,7 @@
           <p:cNvPr id="5" name="그림 4">
             <a:extLst>
               <a:ext uri="{FF2B5EF4-FFF2-40B4-BE49-F238E27FC236}">
-                <a16:creationId xmlns:a16="http://schemas.microsoft.com/office/drawing/2014/main" id="{A0A2F071-8E36-4478-B3DB-1D509837AC09}"/>
+                <a16:creationId xmlns:a16="http://schemas.microsoft.com/office/drawing/2014/main" xmlns="" id="{A0A2F071-8E36-4478-B3DB-1D509837AC09}"/>
               </a:ext>
             </a:extLst>
           </p:cNvPr>
@@ -4072,7 +4082,7 @@
           <p:cNvPr id="7" name="그림 6">
             <a:extLst>
               <a:ext uri="{FF2B5EF4-FFF2-40B4-BE49-F238E27FC236}">
-                <a16:creationId xmlns:a16="http://schemas.microsoft.com/office/drawing/2014/main" id="{1291279B-582B-4DD8-A56E-E722B436B016}"/>
+                <a16:creationId xmlns:a16="http://schemas.microsoft.com/office/drawing/2014/main" xmlns="" id="{1291279B-582B-4DD8-A56E-E722B436B016}"/>
               </a:ext>
             </a:extLst>
           </p:cNvPr>
@@ -4102,7 +4112,7 @@
           <p:cNvPr id="9" name="그림 8">
             <a:extLst>
               <a:ext uri="{FF2B5EF4-FFF2-40B4-BE49-F238E27FC236}">
-                <a16:creationId xmlns:a16="http://schemas.microsoft.com/office/drawing/2014/main" id="{BEA3BFA8-8B2D-42EB-B457-8AF35AD7C4A0}"/>
+                <a16:creationId xmlns:a16="http://schemas.microsoft.com/office/drawing/2014/main" xmlns="" id="{BEA3BFA8-8B2D-42EB-B457-8AF35AD7C4A0}"/>
               </a:ext>
             </a:extLst>
           </p:cNvPr>
@@ -4132,7 +4142,7 @@
           <p:cNvPr id="11" name="그림 10">
             <a:extLst>
               <a:ext uri="{FF2B5EF4-FFF2-40B4-BE49-F238E27FC236}">
-                <a16:creationId xmlns:a16="http://schemas.microsoft.com/office/drawing/2014/main" id="{9C5F3BA5-223C-427D-930C-162DC40B342C}"/>
+                <a16:creationId xmlns:a16="http://schemas.microsoft.com/office/drawing/2014/main" xmlns="" id="{9C5F3BA5-223C-427D-930C-162DC40B342C}"/>
               </a:ext>
             </a:extLst>
           </p:cNvPr>
@@ -4162,7 +4172,7 @@
           <p:cNvPr id="12" name="순서도: 연결자 11">
             <a:extLst>
               <a:ext uri="{FF2B5EF4-FFF2-40B4-BE49-F238E27FC236}">
-                <a16:creationId xmlns:a16="http://schemas.microsoft.com/office/drawing/2014/main" id="{041A6F25-1AB8-4F06-83EA-2AA09BE38741}"/>
+                <a16:creationId xmlns:a16="http://schemas.microsoft.com/office/drawing/2014/main" xmlns="" id="{041A6F25-1AB8-4F06-83EA-2AA09BE38741}"/>
               </a:ext>
             </a:extLst>
           </p:cNvPr>
@@ -4215,7 +4225,7 @@
           <p:cNvPr id="13" name="순서도: 연결자 12">
             <a:extLst>
               <a:ext uri="{FF2B5EF4-FFF2-40B4-BE49-F238E27FC236}">
-                <a16:creationId xmlns:a16="http://schemas.microsoft.com/office/drawing/2014/main" id="{E9B742AE-0B5D-497F-B108-43C6C90A57BE}"/>
+                <a16:creationId xmlns:a16="http://schemas.microsoft.com/office/drawing/2014/main" xmlns="" id="{E9B742AE-0B5D-497F-B108-43C6C90A57BE}"/>
               </a:ext>
             </a:extLst>
           </p:cNvPr>
@@ -4268,7 +4278,7 @@
           <p:cNvPr id="14" name="순서도: 연결자 13">
             <a:extLst>
               <a:ext uri="{FF2B5EF4-FFF2-40B4-BE49-F238E27FC236}">
-                <a16:creationId xmlns:a16="http://schemas.microsoft.com/office/drawing/2014/main" id="{AE0986E1-27FF-4148-88F9-9A1DE0F19953}"/>
+                <a16:creationId xmlns:a16="http://schemas.microsoft.com/office/drawing/2014/main" xmlns="" id="{AE0986E1-27FF-4148-88F9-9A1DE0F19953}"/>
               </a:ext>
             </a:extLst>
           </p:cNvPr>
@@ -4321,7 +4331,7 @@
           <p:cNvPr id="16" name="직선 화살표 연결선 15">
             <a:extLst>
               <a:ext uri="{FF2B5EF4-FFF2-40B4-BE49-F238E27FC236}">
-                <a16:creationId xmlns:a16="http://schemas.microsoft.com/office/drawing/2014/main" id="{A024F654-5343-416D-9478-DE32B63B6D0E}"/>
+                <a16:creationId xmlns:a16="http://schemas.microsoft.com/office/drawing/2014/main" xmlns="" id="{A024F654-5343-416D-9478-DE32B63B6D0E}"/>
               </a:ext>
             </a:extLst>
           </p:cNvPr>
@@ -4367,7 +4377,7 @@
           <p:cNvPr id="19" name="직선 화살표 연결선 18">
             <a:extLst>
               <a:ext uri="{FF2B5EF4-FFF2-40B4-BE49-F238E27FC236}">
-                <a16:creationId xmlns:a16="http://schemas.microsoft.com/office/drawing/2014/main" id="{D609A05D-CD91-4C5E-B7C6-F34DC534CC54}"/>
+                <a16:creationId xmlns:a16="http://schemas.microsoft.com/office/drawing/2014/main" xmlns="" id="{D609A05D-CD91-4C5E-B7C6-F34DC534CC54}"/>
               </a:ext>
             </a:extLst>
           </p:cNvPr>
@@ -4413,7 +4423,7 @@
           <p:cNvPr id="24" name="직선 화살표 연결선 23">
             <a:extLst>
               <a:ext uri="{FF2B5EF4-FFF2-40B4-BE49-F238E27FC236}">
-                <a16:creationId xmlns:a16="http://schemas.microsoft.com/office/drawing/2014/main" id="{ED504124-5143-4380-9CA6-F6B7A6F2EC6E}"/>
+                <a16:creationId xmlns:a16="http://schemas.microsoft.com/office/drawing/2014/main" xmlns="" id="{ED504124-5143-4380-9CA6-F6B7A6F2EC6E}"/>
               </a:ext>
             </a:extLst>
           </p:cNvPr>
@@ -4459,7 +4469,7 @@
           <p:cNvPr id="26" name="텍스트 개체 틀 2">
             <a:extLst>
               <a:ext uri="{FF2B5EF4-FFF2-40B4-BE49-F238E27FC236}">
-                <a16:creationId xmlns:a16="http://schemas.microsoft.com/office/drawing/2014/main" id="{59EC2A41-1034-4A99-8F44-D1F8FAECF46D}"/>
+                <a16:creationId xmlns:a16="http://schemas.microsoft.com/office/drawing/2014/main" xmlns="" id="{59EC2A41-1034-4A99-8F44-D1F8FAECF46D}"/>
               </a:ext>
             </a:extLst>
           </p:cNvPr>
@@ -4608,7 +4618,7 @@
           <p:cNvPr id="2" name="제목 1">
             <a:extLst>
               <a:ext uri="{FF2B5EF4-FFF2-40B4-BE49-F238E27FC236}">
-                <a16:creationId xmlns:a16="http://schemas.microsoft.com/office/drawing/2014/main" id="{D2325EAF-CC32-4DFD-9B7C-EC5ECE9C1934}"/>
+                <a16:creationId xmlns:a16="http://schemas.microsoft.com/office/drawing/2014/main" xmlns="" id="{D2325EAF-CC32-4DFD-9B7C-EC5ECE9C1934}"/>
               </a:ext>
             </a:extLst>
           </p:cNvPr>
@@ -4636,7 +4646,7 @@
           <p:cNvPr id="5" name="그림 4">
             <a:extLst>
               <a:ext uri="{FF2B5EF4-FFF2-40B4-BE49-F238E27FC236}">
-                <a16:creationId xmlns:a16="http://schemas.microsoft.com/office/drawing/2014/main" id="{397FD9E0-62AA-4898-9C67-39EDEE0A7611}"/>
+                <a16:creationId xmlns:a16="http://schemas.microsoft.com/office/drawing/2014/main" xmlns="" id="{397FD9E0-62AA-4898-9C67-39EDEE0A7611}"/>
               </a:ext>
             </a:extLst>
           </p:cNvPr>
@@ -4666,7 +4676,7 @@
           <p:cNvPr id="7" name="그림 6">
             <a:extLst>
               <a:ext uri="{FF2B5EF4-FFF2-40B4-BE49-F238E27FC236}">
-                <a16:creationId xmlns:a16="http://schemas.microsoft.com/office/drawing/2014/main" id="{172C8FC6-01BE-4F58-8AD7-74509EA7B302}"/>
+                <a16:creationId xmlns:a16="http://schemas.microsoft.com/office/drawing/2014/main" xmlns="" id="{172C8FC6-01BE-4F58-8AD7-74509EA7B302}"/>
               </a:ext>
             </a:extLst>
           </p:cNvPr>
@@ -4696,7 +4706,7 @@
           <p:cNvPr id="9" name="그림 8">
             <a:extLst>
               <a:ext uri="{FF2B5EF4-FFF2-40B4-BE49-F238E27FC236}">
-                <a16:creationId xmlns:a16="http://schemas.microsoft.com/office/drawing/2014/main" id="{25E34900-5A02-43C1-A39F-9ECD0EBE418F}"/>
+                <a16:creationId xmlns:a16="http://schemas.microsoft.com/office/drawing/2014/main" xmlns="" id="{25E34900-5A02-43C1-A39F-9ECD0EBE418F}"/>
               </a:ext>
             </a:extLst>
           </p:cNvPr>
@@ -4726,7 +4736,7 @@
           <p:cNvPr id="11" name="직선 화살표 연결선 10">
             <a:extLst>
               <a:ext uri="{FF2B5EF4-FFF2-40B4-BE49-F238E27FC236}">
-                <a16:creationId xmlns:a16="http://schemas.microsoft.com/office/drawing/2014/main" id="{82FA703F-05C5-4EB1-B680-BE9CA9F0B881}"/>
+                <a16:creationId xmlns:a16="http://schemas.microsoft.com/office/drawing/2014/main" xmlns="" id="{82FA703F-05C5-4EB1-B680-BE9CA9F0B881}"/>
               </a:ext>
             </a:extLst>
           </p:cNvPr>
@@ -4774,7 +4784,7 @@
           <p:cNvPr id="13" name="직선 화살표 연결선 12">
             <a:extLst>
               <a:ext uri="{FF2B5EF4-FFF2-40B4-BE49-F238E27FC236}">
-                <a16:creationId xmlns:a16="http://schemas.microsoft.com/office/drawing/2014/main" id="{E8385E36-6D18-47D8-821C-C993EF80B7BF}"/>
+                <a16:creationId xmlns:a16="http://schemas.microsoft.com/office/drawing/2014/main" xmlns="" id="{E8385E36-6D18-47D8-821C-C993EF80B7BF}"/>
               </a:ext>
             </a:extLst>
           </p:cNvPr>
@@ -4820,7 +4830,7 @@
           <p:cNvPr id="14" name="텍스트 개체 틀 2">
             <a:extLst>
               <a:ext uri="{FF2B5EF4-FFF2-40B4-BE49-F238E27FC236}">
-                <a16:creationId xmlns:a16="http://schemas.microsoft.com/office/drawing/2014/main" id="{CD5DF9FD-BF31-41FA-9A5F-585E79073DB6}"/>
+                <a16:creationId xmlns:a16="http://schemas.microsoft.com/office/drawing/2014/main" xmlns="" id="{CD5DF9FD-BF31-41FA-9A5F-585E79073DB6}"/>
               </a:ext>
             </a:extLst>
           </p:cNvPr>
@@ -4932,7 +4942,7 @@
           <p:cNvPr id="18" name="순서도: 연결자 17">
             <a:extLst>
               <a:ext uri="{FF2B5EF4-FFF2-40B4-BE49-F238E27FC236}">
-                <a16:creationId xmlns:a16="http://schemas.microsoft.com/office/drawing/2014/main" id="{24A03933-98DB-42AD-B57B-371395D2D900}"/>
+                <a16:creationId xmlns:a16="http://schemas.microsoft.com/office/drawing/2014/main" xmlns="" id="{24A03933-98DB-42AD-B57B-371395D2D900}"/>
               </a:ext>
             </a:extLst>
           </p:cNvPr>
@@ -4985,7 +4995,7 @@
           <p:cNvPr id="19" name="순서도: 연결자 18">
             <a:extLst>
               <a:ext uri="{FF2B5EF4-FFF2-40B4-BE49-F238E27FC236}">
-                <a16:creationId xmlns:a16="http://schemas.microsoft.com/office/drawing/2014/main" id="{42802FC0-8336-4514-AE84-C4DA90D6939E}"/>
+                <a16:creationId xmlns:a16="http://schemas.microsoft.com/office/drawing/2014/main" xmlns="" id="{42802FC0-8336-4514-AE84-C4DA90D6939E}"/>
               </a:ext>
             </a:extLst>
           </p:cNvPr>
@@ -5033,12 +5043,36 @@
           </a:p>
         </p:txBody>
       </p:sp>
+      <p:pic>
+        <p:nvPicPr>
+          <p:cNvPr id="3" name="그림 2"/>
+          <p:cNvPicPr>
+            <a:picLocks noChangeAspect="1"/>
+          </p:cNvPicPr>
+          <p:nvPr/>
+        </p:nvPicPr>
+        <p:blipFill>
+          <a:blip r:embed="rId5"/>
+          <a:stretch>
+            <a:fillRect/>
+          </a:stretch>
+        </p:blipFill>
+        <p:spPr>
+          <a:xfrm>
+            <a:off x="3363936" y="5323021"/>
+            <a:ext cx="2737159" cy="548651"/>
+          </a:xfrm>
+          <a:prstGeom prst="rect">
+            <a:avLst/>
+          </a:prstGeom>
+        </p:spPr>
+      </p:pic>
       <p:sp>
         <p:nvSpPr>
           <p:cNvPr id="20" name="순서도: 연결자 19">
             <a:extLst>
               <a:ext uri="{FF2B5EF4-FFF2-40B4-BE49-F238E27FC236}">
-                <a16:creationId xmlns:a16="http://schemas.microsoft.com/office/drawing/2014/main" id="{16F9C893-4D18-4229-8957-CF27F27F49E3}"/>
+                <a16:creationId xmlns:a16="http://schemas.microsoft.com/office/drawing/2014/main" xmlns="" id="{16F9C893-4D18-4229-8957-CF27F27F49E3}"/>
               </a:ext>
             </a:extLst>
           </p:cNvPr>
@@ -5047,7 +5081,7 @@
         </p:nvSpPr>
         <p:spPr>
           <a:xfrm>
-            <a:off x="3192891" y="5217186"/>
+            <a:off x="3213597" y="5261384"/>
             <a:ext cx="216024" cy="216024"/>
           </a:xfrm>
           <a:prstGeom prst="flowChartConnector">
@@ -5121,7 +5155,7 @@
           <p:cNvPr id="2" name="제목 1">
             <a:extLst>
               <a:ext uri="{FF2B5EF4-FFF2-40B4-BE49-F238E27FC236}">
-                <a16:creationId xmlns:a16="http://schemas.microsoft.com/office/drawing/2014/main" id="{47F7F48A-4547-43A7-B87D-FCE0E23AC8D0}"/>
+                <a16:creationId xmlns:a16="http://schemas.microsoft.com/office/drawing/2014/main" xmlns="" id="{47F7F48A-4547-43A7-B87D-FCE0E23AC8D0}"/>
               </a:ext>
             </a:extLst>
           </p:cNvPr>
@@ -5149,7 +5183,7 @@
           <p:cNvPr id="5" name="그림 4">
             <a:extLst>
               <a:ext uri="{FF2B5EF4-FFF2-40B4-BE49-F238E27FC236}">
-                <a16:creationId xmlns:a16="http://schemas.microsoft.com/office/drawing/2014/main" id="{0272123D-3C20-4B5C-9A9C-2CEE173C80EC}"/>
+                <a16:creationId xmlns:a16="http://schemas.microsoft.com/office/drawing/2014/main" xmlns="" id="{0272123D-3C20-4B5C-9A9C-2CEE173C80EC}"/>
               </a:ext>
             </a:extLst>
           </p:cNvPr>
@@ -5179,7 +5213,7 @@
           <p:cNvPr id="6" name="텍스트 개체 틀 2">
             <a:extLst>
               <a:ext uri="{FF2B5EF4-FFF2-40B4-BE49-F238E27FC236}">
-                <a16:creationId xmlns:a16="http://schemas.microsoft.com/office/drawing/2014/main" id="{986A7DC2-9492-4CE9-A61B-8DCA00C0BE10}"/>
+                <a16:creationId xmlns:a16="http://schemas.microsoft.com/office/drawing/2014/main" xmlns="" id="{986A7DC2-9492-4CE9-A61B-8DCA00C0BE10}"/>
               </a:ext>
             </a:extLst>
           </p:cNvPr>
@@ -5314,7 +5348,7 @@
           <p:cNvPr id="2" name="제목 1">
             <a:extLst>
               <a:ext uri="{FF2B5EF4-FFF2-40B4-BE49-F238E27FC236}">
-                <a16:creationId xmlns:a16="http://schemas.microsoft.com/office/drawing/2014/main" id="{769E0E3B-C104-4F34-BCB7-5D64627B970E}"/>
+                <a16:creationId xmlns:a16="http://schemas.microsoft.com/office/drawing/2014/main" xmlns="" id="{769E0E3B-C104-4F34-BCB7-5D64627B970E}"/>
               </a:ext>
             </a:extLst>
           </p:cNvPr>
@@ -5342,7 +5376,7 @@
           <p:cNvPr id="5" name="그림 4">
             <a:extLst>
               <a:ext uri="{FF2B5EF4-FFF2-40B4-BE49-F238E27FC236}">
-                <a16:creationId xmlns:a16="http://schemas.microsoft.com/office/drawing/2014/main" id="{8A840B19-B216-4618-82F3-3028925F4A73}"/>
+                <a16:creationId xmlns:a16="http://schemas.microsoft.com/office/drawing/2014/main" xmlns="" id="{8A840B19-B216-4618-82F3-3028925F4A73}"/>
               </a:ext>
             </a:extLst>
           </p:cNvPr>
@@ -5372,7 +5406,7 @@
           <p:cNvPr id="8" name="순서도: 연결자 7">
             <a:extLst>
               <a:ext uri="{FF2B5EF4-FFF2-40B4-BE49-F238E27FC236}">
-                <a16:creationId xmlns:a16="http://schemas.microsoft.com/office/drawing/2014/main" id="{43199052-4926-4454-BAA3-5FF46813C03A}"/>
+                <a16:creationId xmlns:a16="http://schemas.microsoft.com/office/drawing/2014/main" xmlns="" id="{43199052-4926-4454-BAA3-5FF46813C03A}"/>
               </a:ext>
             </a:extLst>
           </p:cNvPr>
@@ -5425,7 +5459,7 @@
           <p:cNvPr id="9" name="순서도: 연결자 8">
             <a:extLst>
               <a:ext uri="{FF2B5EF4-FFF2-40B4-BE49-F238E27FC236}">
-                <a16:creationId xmlns:a16="http://schemas.microsoft.com/office/drawing/2014/main" id="{6200760B-10EF-4176-ABAD-9EB450AE1E5C}"/>
+                <a16:creationId xmlns:a16="http://schemas.microsoft.com/office/drawing/2014/main" xmlns="" id="{6200760B-10EF-4176-ABAD-9EB450AE1E5C}"/>
               </a:ext>
             </a:extLst>
           </p:cNvPr>
@@ -5478,7 +5512,7 @@
           <p:cNvPr id="10" name="순서도: 연결자 9">
             <a:extLst>
               <a:ext uri="{FF2B5EF4-FFF2-40B4-BE49-F238E27FC236}">
-                <a16:creationId xmlns:a16="http://schemas.microsoft.com/office/drawing/2014/main" id="{643D1E85-F4C0-4286-A2FE-AFFF5FE8818D}"/>
+                <a16:creationId xmlns:a16="http://schemas.microsoft.com/office/drawing/2014/main" xmlns="" id="{643D1E85-F4C0-4286-A2FE-AFFF5FE8818D}"/>
               </a:ext>
             </a:extLst>
           </p:cNvPr>
@@ -5531,7 +5565,7 @@
           <p:cNvPr id="11" name="순서도: 연결자 10">
             <a:extLst>
               <a:ext uri="{FF2B5EF4-FFF2-40B4-BE49-F238E27FC236}">
-                <a16:creationId xmlns:a16="http://schemas.microsoft.com/office/drawing/2014/main" id="{4616F926-29C8-4050-A948-8B11C18E406B}"/>
+                <a16:creationId xmlns:a16="http://schemas.microsoft.com/office/drawing/2014/main" xmlns="" id="{4616F926-29C8-4050-A948-8B11C18E406B}"/>
               </a:ext>
             </a:extLst>
           </p:cNvPr>
@@ -5584,7 +5618,7 @@
           <p:cNvPr id="12" name="순서도: 연결자 11">
             <a:extLst>
               <a:ext uri="{FF2B5EF4-FFF2-40B4-BE49-F238E27FC236}">
-                <a16:creationId xmlns:a16="http://schemas.microsoft.com/office/drawing/2014/main" id="{8674368E-F8E0-4AC4-9DF8-A3CB72AE581E}"/>
+                <a16:creationId xmlns:a16="http://schemas.microsoft.com/office/drawing/2014/main" xmlns="" id="{8674368E-F8E0-4AC4-9DF8-A3CB72AE581E}"/>
               </a:ext>
             </a:extLst>
           </p:cNvPr>
@@ -5637,7 +5671,7 @@
           <p:cNvPr id="13" name="순서도: 연결자 12">
             <a:extLst>
               <a:ext uri="{FF2B5EF4-FFF2-40B4-BE49-F238E27FC236}">
-                <a16:creationId xmlns:a16="http://schemas.microsoft.com/office/drawing/2014/main" id="{3D68D3A4-8152-472E-8FBB-6C6F9196DC8F}"/>
+                <a16:creationId xmlns:a16="http://schemas.microsoft.com/office/drawing/2014/main" xmlns="" id="{3D68D3A4-8152-472E-8FBB-6C6F9196DC8F}"/>
               </a:ext>
             </a:extLst>
           </p:cNvPr>
@@ -5690,7 +5724,7 @@
           <p:cNvPr id="14" name="텍스트 개체 틀 2">
             <a:extLst>
               <a:ext uri="{FF2B5EF4-FFF2-40B4-BE49-F238E27FC236}">
-                <a16:creationId xmlns:a16="http://schemas.microsoft.com/office/drawing/2014/main" id="{2F8B85A0-FC71-40FE-AB44-D316BF37BE20}"/>
+                <a16:creationId xmlns:a16="http://schemas.microsoft.com/office/drawing/2014/main" xmlns="" id="{2F8B85A0-FC71-40FE-AB44-D316BF37BE20}"/>
               </a:ext>
             </a:extLst>
           </p:cNvPr>
@@ -5885,7 +5919,7 @@
           <p:cNvPr id="2" name="제목 1">
             <a:extLst>
               <a:ext uri="{FF2B5EF4-FFF2-40B4-BE49-F238E27FC236}">
-                <a16:creationId xmlns:a16="http://schemas.microsoft.com/office/drawing/2014/main" id="{DEDE6F3A-EC3E-4E85-B0A9-23324CF07607}"/>
+                <a16:creationId xmlns:a16="http://schemas.microsoft.com/office/drawing/2014/main" xmlns="" id="{DEDE6F3A-EC3E-4E85-B0A9-23324CF07607}"/>
               </a:ext>
             </a:extLst>
           </p:cNvPr>
@@ -5918,7 +5952,7 @@
           <p:cNvPr id="5" name="그림 4">
             <a:extLst>
               <a:ext uri="{FF2B5EF4-FFF2-40B4-BE49-F238E27FC236}">
-                <a16:creationId xmlns:a16="http://schemas.microsoft.com/office/drawing/2014/main" id="{3292FAC1-6119-4914-82DF-9D9EC514B330}"/>
+                <a16:creationId xmlns:a16="http://schemas.microsoft.com/office/drawing/2014/main" xmlns="" id="{3292FAC1-6119-4914-82DF-9D9EC514B330}"/>
               </a:ext>
             </a:extLst>
           </p:cNvPr>
@@ -5948,7 +5982,7 @@
           <p:cNvPr id="6" name="텍스트 개체 틀 2">
             <a:extLst>
               <a:ext uri="{FF2B5EF4-FFF2-40B4-BE49-F238E27FC236}">
-                <a16:creationId xmlns:a16="http://schemas.microsoft.com/office/drawing/2014/main" id="{9E7CAA9C-F383-4ECA-8DC6-E54BB719A587}"/>
+                <a16:creationId xmlns:a16="http://schemas.microsoft.com/office/drawing/2014/main" xmlns="" id="{9E7CAA9C-F383-4ECA-8DC6-E54BB719A587}"/>
               </a:ext>
             </a:extLst>
           </p:cNvPr>
@@ -6082,7 +6116,7 @@
           <p:cNvPr id="8" name="순서도: 연결자 7">
             <a:extLst>
               <a:ext uri="{FF2B5EF4-FFF2-40B4-BE49-F238E27FC236}">
-                <a16:creationId xmlns:a16="http://schemas.microsoft.com/office/drawing/2014/main" id="{8AA96327-9488-4A41-83FD-28E271C2DE66}"/>
+                <a16:creationId xmlns:a16="http://schemas.microsoft.com/office/drawing/2014/main" xmlns="" id="{8AA96327-9488-4A41-83FD-28E271C2DE66}"/>
               </a:ext>
             </a:extLst>
           </p:cNvPr>
@@ -6135,7 +6169,7 @@
           <p:cNvPr id="9" name="순서도: 연결자 8">
             <a:extLst>
               <a:ext uri="{FF2B5EF4-FFF2-40B4-BE49-F238E27FC236}">
-                <a16:creationId xmlns:a16="http://schemas.microsoft.com/office/drawing/2014/main" id="{63045C65-9C32-4CE0-A4E0-AA3B276B634C}"/>
+                <a16:creationId xmlns:a16="http://schemas.microsoft.com/office/drawing/2014/main" xmlns="" id="{63045C65-9C32-4CE0-A4E0-AA3B276B634C}"/>
               </a:ext>
             </a:extLst>
           </p:cNvPr>
@@ -6188,7 +6222,7 @@
           <p:cNvPr id="10" name="순서도: 연결자 9">
             <a:extLst>
               <a:ext uri="{FF2B5EF4-FFF2-40B4-BE49-F238E27FC236}">
-                <a16:creationId xmlns:a16="http://schemas.microsoft.com/office/drawing/2014/main" id="{7D00F83C-34FB-4028-A6BF-364406F4EF97}"/>
+                <a16:creationId xmlns:a16="http://schemas.microsoft.com/office/drawing/2014/main" xmlns="" id="{7D00F83C-34FB-4028-A6BF-364406F4EF97}"/>
               </a:ext>
             </a:extLst>
           </p:cNvPr>
@@ -6241,7 +6275,7 @@
           <p:cNvPr id="11" name="순서도: 연결자 10">
             <a:extLst>
               <a:ext uri="{FF2B5EF4-FFF2-40B4-BE49-F238E27FC236}">
-                <a16:creationId xmlns:a16="http://schemas.microsoft.com/office/drawing/2014/main" id="{CB08A760-485F-4264-8949-95B3F4C8171F}"/>
+                <a16:creationId xmlns:a16="http://schemas.microsoft.com/office/drawing/2014/main" xmlns="" id="{CB08A760-485F-4264-8949-95B3F4C8171F}"/>
               </a:ext>
             </a:extLst>
           </p:cNvPr>
@@ -6324,7 +6358,7 @@
           <p:cNvPr id="12" name="Picture 3">
             <a:extLst>
               <a:ext uri="{FF2B5EF4-FFF2-40B4-BE49-F238E27FC236}">
-                <a16:creationId xmlns:a16="http://schemas.microsoft.com/office/drawing/2014/main" id="{C85968B7-8C1B-497F-AF3E-E3D7C80E4F92}"/>
+                <a16:creationId xmlns:a16="http://schemas.microsoft.com/office/drawing/2014/main" xmlns="" id="{C85968B7-8C1B-497F-AF3E-E3D7C80E4F92}"/>
               </a:ext>
             </a:extLst>
           </p:cNvPr>
@@ -6394,7 +6428,7 @@
           <p:cNvPr id="2" name="제목 1">
             <a:extLst>
               <a:ext uri="{FF2B5EF4-FFF2-40B4-BE49-F238E27FC236}">
-                <a16:creationId xmlns:a16="http://schemas.microsoft.com/office/drawing/2014/main" id="{DEDE6F3A-EC3E-4E85-B0A9-23324CF07607}"/>
+                <a16:creationId xmlns:a16="http://schemas.microsoft.com/office/drawing/2014/main" xmlns="" id="{DEDE6F3A-EC3E-4E85-B0A9-23324CF07607}"/>
               </a:ext>
             </a:extLst>
           </p:cNvPr>
@@ -6427,7 +6461,7 @@
           <p:cNvPr id="6" name="텍스트 개체 틀 2">
             <a:extLst>
               <a:ext uri="{FF2B5EF4-FFF2-40B4-BE49-F238E27FC236}">
-                <a16:creationId xmlns:a16="http://schemas.microsoft.com/office/drawing/2014/main" id="{9E7CAA9C-F383-4ECA-8DC6-E54BB719A587}"/>
+                <a16:creationId xmlns:a16="http://schemas.microsoft.com/office/drawing/2014/main" xmlns="" id="{9E7CAA9C-F383-4ECA-8DC6-E54BB719A587}"/>
               </a:ext>
             </a:extLst>
           </p:cNvPr>
@@ -6542,7 +6576,7 @@
           <p:cNvPr id="8" name="순서도: 연결자 7">
             <a:extLst>
               <a:ext uri="{FF2B5EF4-FFF2-40B4-BE49-F238E27FC236}">
-                <a16:creationId xmlns:a16="http://schemas.microsoft.com/office/drawing/2014/main" id="{8AA96327-9488-4A41-83FD-28E271C2DE66}"/>
+                <a16:creationId xmlns:a16="http://schemas.microsoft.com/office/drawing/2014/main" xmlns="" id="{8AA96327-9488-4A41-83FD-28E271C2DE66}"/>
               </a:ext>
             </a:extLst>
           </p:cNvPr>
@@ -6595,7 +6629,7 @@
           <p:cNvPr id="10" name="순서도: 연결자 9">
             <a:extLst>
               <a:ext uri="{FF2B5EF4-FFF2-40B4-BE49-F238E27FC236}">
-                <a16:creationId xmlns:a16="http://schemas.microsoft.com/office/drawing/2014/main" id="{7D00F83C-34FB-4028-A6BF-364406F4EF97}"/>
+                <a16:creationId xmlns:a16="http://schemas.microsoft.com/office/drawing/2014/main" xmlns="" id="{7D00F83C-34FB-4028-A6BF-364406F4EF97}"/>
               </a:ext>
             </a:extLst>
           </p:cNvPr>
@@ -6648,7 +6682,7 @@
           <p:cNvPr id="11" name="순서도: 연결자 10">
             <a:extLst>
               <a:ext uri="{FF2B5EF4-FFF2-40B4-BE49-F238E27FC236}">
-                <a16:creationId xmlns:a16="http://schemas.microsoft.com/office/drawing/2014/main" id="{CB08A760-485F-4264-8949-95B3F4C8171F}"/>
+                <a16:creationId xmlns:a16="http://schemas.microsoft.com/office/drawing/2014/main" xmlns="" id="{CB08A760-485F-4264-8949-95B3F4C8171F}"/>
               </a:ext>
             </a:extLst>
           </p:cNvPr>
@@ -6731,7 +6765,7 @@
           <p:cNvPr id="2" name="제목 1">
             <a:extLst>
               <a:ext uri="{FF2B5EF4-FFF2-40B4-BE49-F238E27FC236}">
-                <a16:creationId xmlns:a16="http://schemas.microsoft.com/office/drawing/2014/main" id="{0904BB74-7F77-4EB7-ACC6-C108D9EEADD1}"/>
+                <a16:creationId xmlns:a16="http://schemas.microsoft.com/office/drawing/2014/main" xmlns="" id="{0904BB74-7F77-4EB7-ACC6-C108D9EEADD1}"/>
               </a:ext>
             </a:extLst>
           </p:cNvPr>
@@ -6759,7 +6793,7 @@
           <p:cNvPr id="5" name="그림 4">
             <a:extLst>
               <a:ext uri="{FF2B5EF4-FFF2-40B4-BE49-F238E27FC236}">
-                <a16:creationId xmlns:a16="http://schemas.microsoft.com/office/drawing/2014/main" id="{24A1D106-4726-4F94-A41D-4DE1758A2376}"/>
+                <a16:creationId xmlns:a16="http://schemas.microsoft.com/office/drawing/2014/main" xmlns="" id="{24A1D106-4726-4F94-A41D-4DE1758A2376}"/>
               </a:ext>
             </a:extLst>
           </p:cNvPr>
@@ -6789,7 +6823,7 @@
           <p:cNvPr id="6" name="텍스트 개체 틀 2">
             <a:extLst>
               <a:ext uri="{FF2B5EF4-FFF2-40B4-BE49-F238E27FC236}">
-                <a16:creationId xmlns:a16="http://schemas.microsoft.com/office/drawing/2014/main" id="{24154AAF-576D-4757-AE49-5310334BE705}"/>
+                <a16:creationId xmlns:a16="http://schemas.microsoft.com/office/drawing/2014/main" xmlns="" id="{24154AAF-576D-4757-AE49-5310334BE705}"/>
               </a:ext>
             </a:extLst>
           </p:cNvPr>
@@ -6880,7 +6914,7 @@
           <p:cNvPr id="8" name="그림 7">
             <a:extLst>
               <a:ext uri="{FF2B5EF4-FFF2-40B4-BE49-F238E27FC236}">
-                <a16:creationId xmlns:a16="http://schemas.microsoft.com/office/drawing/2014/main" id="{7A092B99-F286-4A09-B6A8-90828DA7B277}"/>
+                <a16:creationId xmlns:a16="http://schemas.microsoft.com/office/drawing/2014/main" xmlns="" id="{7A092B99-F286-4A09-B6A8-90828DA7B277}"/>
               </a:ext>
             </a:extLst>
           </p:cNvPr>
@@ -6910,7 +6944,7 @@
           <p:cNvPr id="9" name="순서도: 연결자 8">
             <a:extLst>
               <a:ext uri="{FF2B5EF4-FFF2-40B4-BE49-F238E27FC236}">
-                <a16:creationId xmlns:a16="http://schemas.microsoft.com/office/drawing/2014/main" id="{54932116-685C-48B8-9B4F-4B3BD62A25F2}"/>
+                <a16:creationId xmlns:a16="http://schemas.microsoft.com/office/drawing/2014/main" xmlns="" id="{54932116-685C-48B8-9B4F-4B3BD62A25F2}"/>
               </a:ext>
             </a:extLst>
           </p:cNvPr>
@@ -6963,7 +6997,7 @@
           <p:cNvPr id="10" name="직사각형 9">
             <a:extLst>
               <a:ext uri="{FF2B5EF4-FFF2-40B4-BE49-F238E27FC236}">
-                <a16:creationId xmlns:a16="http://schemas.microsoft.com/office/drawing/2014/main" id="{6FF81515-F4A6-405F-A2E4-DA84F75E5E98}"/>
+                <a16:creationId xmlns:a16="http://schemas.microsoft.com/office/drawing/2014/main" xmlns="" id="{6FF81515-F4A6-405F-A2E4-DA84F75E5E98}"/>
               </a:ext>
             </a:extLst>
           </p:cNvPr>
@@ -7054,7 +7088,7 @@
           <p:cNvPr id="2" name="제목 1">
             <a:extLst>
               <a:ext uri="{FF2B5EF4-FFF2-40B4-BE49-F238E27FC236}">
-                <a16:creationId xmlns:a16="http://schemas.microsoft.com/office/drawing/2014/main" id="{016A7DE5-DA7A-4220-97ED-01CB86317746}"/>
+                <a16:creationId xmlns:a16="http://schemas.microsoft.com/office/drawing/2014/main" xmlns="" id="{016A7DE5-DA7A-4220-97ED-01CB86317746}"/>
               </a:ext>
             </a:extLst>
           </p:cNvPr>
@@ -7082,7 +7116,7 @@
           <p:cNvPr id="5" name="그림 4">
             <a:extLst>
               <a:ext uri="{FF2B5EF4-FFF2-40B4-BE49-F238E27FC236}">
-                <a16:creationId xmlns:a16="http://schemas.microsoft.com/office/drawing/2014/main" id="{9C36C8B4-3A15-4EB2-BBA3-36D8B87F63A7}"/>
+                <a16:creationId xmlns:a16="http://schemas.microsoft.com/office/drawing/2014/main" xmlns="" id="{9C36C8B4-3A15-4EB2-BBA3-36D8B87F63A7}"/>
               </a:ext>
             </a:extLst>
           </p:cNvPr>
@@ -7112,7 +7146,7 @@
           <p:cNvPr id="6" name="텍스트 개체 틀 2">
             <a:extLst>
               <a:ext uri="{FF2B5EF4-FFF2-40B4-BE49-F238E27FC236}">
-                <a16:creationId xmlns:a16="http://schemas.microsoft.com/office/drawing/2014/main" id="{41D84B3F-2802-478A-8200-FF98C899B3A9}"/>
+                <a16:creationId xmlns:a16="http://schemas.microsoft.com/office/drawing/2014/main" xmlns="" id="{41D84B3F-2802-478A-8200-FF98C899B3A9}"/>
               </a:ext>
             </a:extLst>
           </p:cNvPr>
@@ -7262,7 +7296,7 @@
           <p:cNvPr id="2" name="제목 1">
             <a:extLst>
               <a:ext uri="{FF2B5EF4-FFF2-40B4-BE49-F238E27FC236}">
-                <a16:creationId xmlns:a16="http://schemas.microsoft.com/office/drawing/2014/main" id="{B985675C-853F-4B2E-AA5E-32E8A9C27C8F}"/>
+                <a16:creationId xmlns:a16="http://schemas.microsoft.com/office/drawing/2014/main" xmlns="" id="{B985675C-853F-4B2E-AA5E-32E8A9C27C8F}"/>
               </a:ext>
             </a:extLst>
           </p:cNvPr>
@@ -7290,7 +7324,7 @@
           <p:cNvPr id="5" name="그림 4">
             <a:extLst>
               <a:ext uri="{FF2B5EF4-FFF2-40B4-BE49-F238E27FC236}">
-                <a16:creationId xmlns:a16="http://schemas.microsoft.com/office/drawing/2014/main" id="{B1DA5CDF-374F-4739-94C5-0FF6425E91C3}"/>
+                <a16:creationId xmlns:a16="http://schemas.microsoft.com/office/drawing/2014/main" xmlns="" id="{B1DA5CDF-374F-4739-94C5-0FF6425E91C3}"/>
               </a:ext>
             </a:extLst>
           </p:cNvPr>
@@ -7320,7 +7354,7 @@
           <p:cNvPr id="6" name="텍스트 개체 틀 2">
             <a:extLst>
               <a:ext uri="{FF2B5EF4-FFF2-40B4-BE49-F238E27FC236}">
-                <a16:creationId xmlns:a16="http://schemas.microsoft.com/office/drawing/2014/main" id="{71CAEE6B-92C1-48E7-970B-6C2F7EF83946}"/>
+                <a16:creationId xmlns:a16="http://schemas.microsoft.com/office/drawing/2014/main" xmlns="" id="{71CAEE6B-92C1-48E7-970B-6C2F7EF83946}"/>
               </a:ext>
             </a:extLst>
           </p:cNvPr>
@@ -7413,7 +7447,7 @@
           <p:cNvPr id="2" name="제목 1">
             <a:extLst>
               <a:ext uri="{FF2B5EF4-FFF2-40B4-BE49-F238E27FC236}">
-                <a16:creationId xmlns:a16="http://schemas.microsoft.com/office/drawing/2014/main" id="{EA41EEEF-CA99-4B73-BC4E-76F3F55BC592}"/>
+                <a16:creationId xmlns:a16="http://schemas.microsoft.com/office/drawing/2014/main" xmlns="" id="{EA41EEEF-CA99-4B73-BC4E-76F3F55BC592}"/>
               </a:ext>
             </a:extLst>
           </p:cNvPr>
@@ -7446,7 +7480,7 @@
           <p:cNvPr id="5" name="그림 4">
             <a:extLst>
               <a:ext uri="{FF2B5EF4-FFF2-40B4-BE49-F238E27FC236}">
-                <a16:creationId xmlns:a16="http://schemas.microsoft.com/office/drawing/2014/main" id="{3A34AB33-B010-4006-845A-EC27B0C4A044}"/>
+                <a16:creationId xmlns:a16="http://schemas.microsoft.com/office/drawing/2014/main" xmlns="" id="{3A34AB33-B010-4006-845A-EC27B0C4A044}"/>
               </a:ext>
             </a:extLst>
           </p:cNvPr>
@@ -7476,7 +7510,7 @@
           <p:cNvPr id="6" name="텍스트 개체 틀 2">
             <a:extLst>
               <a:ext uri="{FF2B5EF4-FFF2-40B4-BE49-F238E27FC236}">
-                <a16:creationId xmlns:a16="http://schemas.microsoft.com/office/drawing/2014/main" id="{CCA34DB5-2DBE-4BFB-B2F9-6059BA59D730}"/>
+                <a16:creationId xmlns:a16="http://schemas.microsoft.com/office/drawing/2014/main" xmlns="" id="{CCA34DB5-2DBE-4BFB-B2F9-6059BA59D730}"/>
               </a:ext>
             </a:extLst>
           </p:cNvPr>
@@ -7782,7 +7816,7 @@
           <p:cNvPr id="18" name="그림 17">
             <a:extLst>
               <a:ext uri="{FF2B5EF4-FFF2-40B4-BE49-F238E27FC236}">
-                <a16:creationId xmlns:a16="http://schemas.microsoft.com/office/drawing/2014/main" id="{CB35D70A-25EC-4D6B-93D3-115A53D33F3D}"/>
+                <a16:creationId xmlns:a16="http://schemas.microsoft.com/office/drawing/2014/main" xmlns="" id="{CB35D70A-25EC-4D6B-93D3-115A53D33F3D}"/>
               </a:ext>
             </a:extLst>
           </p:cNvPr>
@@ -7842,7 +7876,7 @@
           <p:cNvPr id="2" name="제목 1">
             <a:extLst>
               <a:ext uri="{FF2B5EF4-FFF2-40B4-BE49-F238E27FC236}">
-                <a16:creationId xmlns:a16="http://schemas.microsoft.com/office/drawing/2014/main" id="{F33065C2-2C39-479C-90DD-25BF1F51C095}"/>
+                <a16:creationId xmlns:a16="http://schemas.microsoft.com/office/drawing/2014/main" xmlns="" id="{F33065C2-2C39-479C-90DD-25BF1F51C095}"/>
               </a:ext>
             </a:extLst>
           </p:cNvPr>
@@ -7870,7 +7904,7 @@
           <p:cNvPr id="5" name="그림 4">
             <a:extLst>
               <a:ext uri="{FF2B5EF4-FFF2-40B4-BE49-F238E27FC236}">
-                <a16:creationId xmlns:a16="http://schemas.microsoft.com/office/drawing/2014/main" id="{546D8AF1-7F9C-489F-92EE-1B05EC3DCEC5}"/>
+                <a16:creationId xmlns:a16="http://schemas.microsoft.com/office/drawing/2014/main" xmlns="" id="{546D8AF1-7F9C-489F-92EE-1B05EC3DCEC5}"/>
               </a:ext>
             </a:extLst>
           </p:cNvPr>
@@ -7900,7 +7934,7 @@
           <p:cNvPr id="10" name="순서도: 연결자 9">
             <a:extLst>
               <a:ext uri="{FF2B5EF4-FFF2-40B4-BE49-F238E27FC236}">
-                <a16:creationId xmlns:a16="http://schemas.microsoft.com/office/drawing/2014/main" id="{6168439A-90E9-475E-B396-D68764698F8C}"/>
+                <a16:creationId xmlns:a16="http://schemas.microsoft.com/office/drawing/2014/main" xmlns="" id="{6168439A-90E9-475E-B396-D68764698F8C}"/>
               </a:ext>
             </a:extLst>
           </p:cNvPr>
@@ -7953,7 +7987,7 @@
           <p:cNvPr id="11" name="순서도: 연결자 10">
             <a:extLst>
               <a:ext uri="{FF2B5EF4-FFF2-40B4-BE49-F238E27FC236}">
-                <a16:creationId xmlns:a16="http://schemas.microsoft.com/office/drawing/2014/main" id="{3DE847BB-8416-4EB1-A51C-BC9C1951DA23}"/>
+                <a16:creationId xmlns:a16="http://schemas.microsoft.com/office/drawing/2014/main" xmlns="" id="{3DE847BB-8416-4EB1-A51C-BC9C1951DA23}"/>
               </a:ext>
             </a:extLst>
           </p:cNvPr>
@@ -8006,7 +8040,7 @@
           <p:cNvPr id="12" name="순서도: 연결자 11">
             <a:extLst>
               <a:ext uri="{FF2B5EF4-FFF2-40B4-BE49-F238E27FC236}">
-                <a16:creationId xmlns:a16="http://schemas.microsoft.com/office/drawing/2014/main" id="{A405BE6D-1190-4040-8422-9841374BBA8A}"/>
+                <a16:creationId xmlns:a16="http://schemas.microsoft.com/office/drawing/2014/main" xmlns="" id="{A405BE6D-1190-4040-8422-9841374BBA8A}"/>
               </a:ext>
             </a:extLst>
           </p:cNvPr>
@@ -8059,7 +8093,7 @@
           <p:cNvPr id="13" name="순서도: 연결자 12">
             <a:extLst>
               <a:ext uri="{FF2B5EF4-FFF2-40B4-BE49-F238E27FC236}">
-                <a16:creationId xmlns:a16="http://schemas.microsoft.com/office/drawing/2014/main" id="{A3B58A2D-0133-4EA9-B17F-9399E7AA0BE4}"/>
+                <a16:creationId xmlns:a16="http://schemas.microsoft.com/office/drawing/2014/main" xmlns="" id="{A3B58A2D-0133-4EA9-B17F-9399E7AA0BE4}"/>
               </a:ext>
             </a:extLst>
           </p:cNvPr>
@@ -8112,7 +8146,7 @@
           <p:cNvPr id="14" name="순서도: 연결자 13">
             <a:extLst>
               <a:ext uri="{FF2B5EF4-FFF2-40B4-BE49-F238E27FC236}">
-                <a16:creationId xmlns:a16="http://schemas.microsoft.com/office/drawing/2014/main" id="{ACA524FF-2857-4F02-8F7B-130EBE7CCA55}"/>
+                <a16:creationId xmlns:a16="http://schemas.microsoft.com/office/drawing/2014/main" xmlns="" id="{ACA524FF-2857-4F02-8F7B-130EBE7CCA55}"/>
               </a:ext>
             </a:extLst>
           </p:cNvPr>
@@ -8165,7 +8199,7 @@
           <p:cNvPr id="15" name="순서도: 연결자 14">
             <a:extLst>
               <a:ext uri="{FF2B5EF4-FFF2-40B4-BE49-F238E27FC236}">
-                <a16:creationId xmlns:a16="http://schemas.microsoft.com/office/drawing/2014/main" id="{AE79903B-9E4E-40DC-85E9-FB29BBAF7121}"/>
+                <a16:creationId xmlns:a16="http://schemas.microsoft.com/office/drawing/2014/main" xmlns="" id="{AE79903B-9E4E-40DC-85E9-FB29BBAF7121}"/>
               </a:ext>
             </a:extLst>
           </p:cNvPr>
@@ -8218,7 +8252,7 @@
           <p:cNvPr id="16" name="텍스트 개체 틀 2">
             <a:extLst>
               <a:ext uri="{FF2B5EF4-FFF2-40B4-BE49-F238E27FC236}">
-                <a16:creationId xmlns:a16="http://schemas.microsoft.com/office/drawing/2014/main" id="{4B152EA8-C8AF-4AA8-8EE6-9F49786D9B4B}"/>
+                <a16:creationId xmlns:a16="http://schemas.microsoft.com/office/drawing/2014/main" xmlns="" id="{4B152EA8-C8AF-4AA8-8EE6-9F49786D9B4B}"/>
               </a:ext>
             </a:extLst>
           </p:cNvPr>
@@ -8309,7 +8343,7 @@
           <p:cNvPr id="2" name="제목 1">
             <a:extLst>
               <a:ext uri="{FF2B5EF4-FFF2-40B4-BE49-F238E27FC236}">
-                <a16:creationId xmlns:a16="http://schemas.microsoft.com/office/drawing/2014/main" id="{B8C21604-0C89-4597-AA34-B1036F3887D4}"/>
+                <a16:creationId xmlns:a16="http://schemas.microsoft.com/office/drawing/2014/main" xmlns="" id="{B8C21604-0C89-4597-AA34-B1036F3887D4}"/>
               </a:ext>
             </a:extLst>
           </p:cNvPr>
@@ -8337,7 +8371,7 @@
           <p:cNvPr id="7" name="그림 6">
             <a:extLst>
               <a:ext uri="{FF2B5EF4-FFF2-40B4-BE49-F238E27FC236}">
-                <a16:creationId xmlns:a16="http://schemas.microsoft.com/office/drawing/2014/main" id="{B7132451-88F5-4375-A80E-ED561B64C793}"/>
+                <a16:creationId xmlns:a16="http://schemas.microsoft.com/office/drawing/2014/main" xmlns="" id="{B7132451-88F5-4375-A80E-ED561B64C793}"/>
               </a:ext>
             </a:extLst>
           </p:cNvPr>
@@ -8367,7 +8401,7 @@
           <p:cNvPr id="5" name="그림 4">
             <a:extLst>
               <a:ext uri="{FF2B5EF4-FFF2-40B4-BE49-F238E27FC236}">
-                <a16:creationId xmlns:a16="http://schemas.microsoft.com/office/drawing/2014/main" id="{67498541-AAA2-4F72-848D-06BBD933880D}"/>
+                <a16:creationId xmlns:a16="http://schemas.microsoft.com/office/drawing/2014/main" xmlns="" id="{67498541-AAA2-4F72-848D-06BBD933880D}"/>
               </a:ext>
             </a:extLst>
           </p:cNvPr>
@@ -8397,7 +8431,7 @@
           <p:cNvPr id="9" name="순서도: 연결자 8">
             <a:extLst>
               <a:ext uri="{FF2B5EF4-FFF2-40B4-BE49-F238E27FC236}">
-                <a16:creationId xmlns:a16="http://schemas.microsoft.com/office/drawing/2014/main" id="{872563E9-ADAC-40DA-BAB1-4FBE1DBDDFAD}"/>
+                <a16:creationId xmlns:a16="http://schemas.microsoft.com/office/drawing/2014/main" xmlns="" id="{872563E9-ADAC-40DA-BAB1-4FBE1DBDDFAD}"/>
               </a:ext>
             </a:extLst>
           </p:cNvPr>
@@ -8450,7 +8484,7 @@
           <p:cNvPr id="10" name="순서도: 연결자 9">
             <a:extLst>
               <a:ext uri="{FF2B5EF4-FFF2-40B4-BE49-F238E27FC236}">
-                <a16:creationId xmlns:a16="http://schemas.microsoft.com/office/drawing/2014/main" id="{9461BFC5-912E-40B7-9F41-737F3D7770BE}"/>
+                <a16:creationId xmlns:a16="http://schemas.microsoft.com/office/drawing/2014/main" xmlns="" id="{9461BFC5-912E-40B7-9F41-737F3D7770BE}"/>
               </a:ext>
             </a:extLst>
           </p:cNvPr>
@@ -8503,7 +8537,7 @@
           <p:cNvPr id="14" name="텍스트 개체 틀 2">
             <a:extLst>
               <a:ext uri="{FF2B5EF4-FFF2-40B4-BE49-F238E27FC236}">
-                <a16:creationId xmlns:a16="http://schemas.microsoft.com/office/drawing/2014/main" id="{B7EDE290-1E4D-411A-8C3A-1668B3DCF240}"/>
+                <a16:creationId xmlns:a16="http://schemas.microsoft.com/office/drawing/2014/main" xmlns="" id="{B7EDE290-1E4D-411A-8C3A-1668B3DCF240}"/>
               </a:ext>
             </a:extLst>
           </p:cNvPr>
@@ -8614,7 +8648,7 @@
           <p:cNvPr id="2" name="제목 1">
             <a:extLst>
               <a:ext uri="{FF2B5EF4-FFF2-40B4-BE49-F238E27FC236}">
-                <a16:creationId xmlns:a16="http://schemas.microsoft.com/office/drawing/2014/main" id="{89796A6F-C947-4A64-8183-2BC5BEF14D1D}"/>
+                <a16:creationId xmlns:a16="http://schemas.microsoft.com/office/drawing/2014/main" xmlns="" id="{89796A6F-C947-4A64-8183-2BC5BEF14D1D}"/>
               </a:ext>
             </a:extLst>
           </p:cNvPr>
@@ -8642,7 +8676,7 @@
           <p:cNvPr id="5" name="그림 4">
             <a:extLst>
               <a:ext uri="{FF2B5EF4-FFF2-40B4-BE49-F238E27FC236}">
-                <a16:creationId xmlns:a16="http://schemas.microsoft.com/office/drawing/2014/main" id="{2EFF57D1-F584-4C84-8136-514092AD6494}"/>
+                <a16:creationId xmlns:a16="http://schemas.microsoft.com/office/drawing/2014/main" xmlns="" id="{2EFF57D1-F584-4C84-8136-514092AD6494}"/>
               </a:ext>
             </a:extLst>
           </p:cNvPr>
@@ -8672,7 +8706,7 @@
           <p:cNvPr id="11" name="텍스트 개체 틀 2">
             <a:extLst>
               <a:ext uri="{FF2B5EF4-FFF2-40B4-BE49-F238E27FC236}">
-                <a16:creationId xmlns:a16="http://schemas.microsoft.com/office/drawing/2014/main" id="{83C1248A-7127-4EE5-A98C-D37750A4202B}"/>
+                <a16:creationId xmlns:a16="http://schemas.microsoft.com/office/drawing/2014/main" xmlns="" id="{83C1248A-7127-4EE5-A98C-D37750A4202B}"/>
               </a:ext>
             </a:extLst>
           </p:cNvPr>
@@ -9092,7 +9126,7 @@
           <p:cNvPr id="2" name="제목 1">
             <a:extLst>
               <a:ext uri="{FF2B5EF4-FFF2-40B4-BE49-F238E27FC236}">
-                <a16:creationId xmlns:a16="http://schemas.microsoft.com/office/drawing/2014/main" id="{5B280C3E-2AAB-42D1-8BCD-60E4ACEAD2AB}"/>
+                <a16:creationId xmlns:a16="http://schemas.microsoft.com/office/drawing/2014/main" xmlns="" id="{5B280C3E-2AAB-42D1-8BCD-60E4ACEAD2AB}"/>
               </a:ext>
             </a:extLst>
           </p:cNvPr>
@@ -9125,7 +9159,7 @@
           <p:cNvPr id="5" name="그림 4">
             <a:extLst>
               <a:ext uri="{FF2B5EF4-FFF2-40B4-BE49-F238E27FC236}">
-                <a16:creationId xmlns:a16="http://schemas.microsoft.com/office/drawing/2014/main" id="{6C453F45-8733-400D-9E79-5FB14F0CC955}"/>
+                <a16:creationId xmlns:a16="http://schemas.microsoft.com/office/drawing/2014/main" xmlns="" id="{6C453F45-8733-400D-9E79-5FB14F0CC955}"/>
               </a:ext>
             </a:extLst>
           </p:cNvPr>
@@ -9155,7 +9189,7 @@
           <p:cNvPr id="8" name="텍스트 개체 틀 2">
             <a:extLst>
               <a:ext uri="{FF2B5EF4-FFF2-40B4-BE49-F238E27FC236}">
-                <a16:creationId xmlns:a16="http://schemas.microsoft.com/office/drawing/2014/main" id="{E14A1B88-5FCF-42DF-AD5B-B92A0FC1DF7B}"/>
+                <a16:creationId xmlns:a16="http://schemas.microsoft.com/office/drawing/2014/main" xmlns="" id="{E14A1B88-5FCF-42DF-AD5B-B92A0FC1DF7B}"/>
               </a:ext>
             </a:extLst>
           </p:cNvPr>
@@ -9272,7 +9306,7 @@
           <p:cNvPr id="2" name="제목 1">
             <a:extLst>
               <a:ext uri="{FF2B5EF4-FFF2-40B4-BE49-F238E27FC236}">
-                <a16:creationId xmlns:a16="http://schemas.microsoft.com/office/drawing/2014/main" id="{267F36B7-AC36-439D-A7B5-165220856369}"/>
+                <a16:creationId xmlns:a16="http://schemas.microsoft.com/office/drawing/2014/main" xmlns="" id="{267F36B7-AC36-439D-A7B5-165220856369}"/>
               </a:ext>
             </a:extLst>
           </p:cNvPr>
@@ -9304,7 +9338,7 @@
           <p:cNvPr id="5" name="그림 4">
             <a:extLst>
               <a:ext uri="{FF2B5EF4-FFF2-40B4-BE49-F238E27FC236}">
-                <a16:creationId xmlns:a16="http://schemas.microsoft.com/office/drawing/2014/main" id="{00B25D7C-0E7C-482B-A4FF-12F2EE91DB39}"/>
+                <a16:creationId xmlns:a16="http://schemas.microsoft.com/office/drawing/2014/main" xmlns="" id="{00B25D7C-0E7C-482B-A4FF-12F2EE91DB39}"/>
               </a:ext>
             </a:extLst>
           </p:cNvPr>
@@ -9334,7 +9368,7 @@
           <p:cNvPr id="6" name="텍스트 개체 틀 2">
             <a:extLst>
               <a:ext uri="{FF2B5EF4-FFF2-40B4-BE49-F238E27FC236}">
-                <a16:creationId xmlns:a16="http://schemas.microsoft.com/office/drawing/2014/main" id="{0313ACD3-B8BC-4DF4-9758-0CD791594910}"/>
+                <a16:creationId xmlns:a16="http://schemas.microsoft.com/office/drawing/2014/main" xmlns="" id="{0313ACD3-B8BC-4DF4-9758-0CD791594910}"/>
               </a:ext>
             </a:extLst>
           </p:cNvPr>
@@ -9527,7 +9561,7 @@
           <p:cNvPr id="2" name="제목 1">
             <a:extLst>
               <a:ext uri="{FF2B5EF4-FFF2-40B4-BE49-F238E27FC236}">
-                <a16:creationId xmlns:a16="http://schemas.microsoft.com/office/drawing/2014/main" id="{21F1613A-904A-4305-95A6-AEA9393517D9}"/>
+                <a16:creationId xmlns:a16="http://schemas.microsoft.com/office/drawing/2014/main" xmlns="" id="{21F1613A-904A-4305-95A6-AEA9393517D9}"/>
               </a:ext>
             </a:extLst>
           </p:cNvPr>
@@ -9560,7 +9594,7 @@
           <p:cNvPr id="5" name="그림 4">
             <a:extLst>
               <a:ext uri="{FF2B5EF4-FFF2-40B4-BE49-F238E27FC236}">
-                <a16:creationId xmlns:a16="http://schemas.microsoft.com/office/drawing/2014/main" id="{0670F964-A544-405F-9E3A-F7D8A6A42B0D}"/>
+                <a16:creationId xmlns:a16="http://schemas.microsoft.com/office/drawing/2014/main" xmlns="" id="{0670F964-A544-405F-9E3A-F7D8A6A42B0D}"/>
               </a:ext>
             </a:extLst>
           </p:cNvPr>
@@ -9590,7 +9624,7 @@
           <p:cNvPr id="6" name="텍스트 개체 틀 2">
             <a:extLst>
               <a:ext uri="{FF2B5EF4-FFF2-40B4-BE49-F238E27FC236}">
-                <a16:creationId xmlns:a16="http://schemas.microsoft.com/office/drawing/2014/main" id="{86D19284-A7D4-4E73-99CD-875532A34645}"/>
+                <a16:creationId xmlns:a16="http://schemas.microsoft.com/office/drawing/2014/main" xmlns="" id="{86D19284-A7D4-4E73-99CD-875532A34645}"/>
               </a:ext>
             </a:extLst>
           </p:cNvPr>
@@ -9769,7 +9803,7 @@
           <p:cNvPr id="2" name="제목 1">
             <a:extLst>
               <a:ext uri="{FF2B5EF4-FFF2-40B4-BE49-F238E27FC236}">
-                <a16:creationId xmlns:a16="http://schemas.microsoft.com/office/drawing/2014/main" id="{03C71206-850F-4394-862A-26519730AE1D}"/>
+                <a16:creationId xmlns:a16="http://schemas.microsoft.com/office/drawing/2014/main" xmlns="" id="{03C71206-850F-4394-862A-26519730AE1D}"/>
               </a:ext>
             </a:extLst>
           </p:cNvPr>
@@ -9802,7 +9836,7 @@
           <p:cNvPr id="5" name="그림 4">
             <a:extLst>
               <a:ext uri="{FF2B5EF4-FFF2-40B4-BE49-F238E27FC236}">
-                <a16:creationId xmlns:a16="http://schemas.microsoft.com/office/drawing/2014/main" id="{1183C6B4-1C25-4222-B69B-541EC4EEED41}"/>
+                <a16:creationId xmlns:a16="http://schemas.microsoft.com/office/drawing/2014/main" xmlns="" id="{1183C6B4-1C25-4222-B69B-541EC4EEED41}"/>
               </a:ext>
             </a:extLst>
           </p:cNvPr>
@@ -9832,7 +9866,7 @@
           <p:cNvPr id="6" name="텍스트 개체 틀 2">
             <a:extLst>
               <a:ext uri="{FF2B5EF4-FFF2-40B4-BE49-F238E27FC236}">
-                <a16:creationId xmlns:a16="http://schemas.microsoft.com/office/drawing/2014/main" id="{5532DBA0-A376-4BC1-9645-3E225536B6CF}"/>
+                <a16:creationId xmlns:a16="http://schemas.microsoft.com/office/drawing/2014/main" xmlns="" id="{5532DBA0-A376-4BC1-9645-3E225536B6CF}"/>
               </a:ext>
             </a:extLst>
           </p:cNvPr>
@@ -10011,7 +10045,7 @@
           <p:cNvPr id="2" name="제목 1">
             <a:extLst>
               <a:ext uri="{FF2B5EF4-FFF2-40B4-BE49-F238E27FC236}">
-                <a16:creationId xmlns:a16="http://schemas.microsoft.com/office/drawing/2014/main" id="{5C47CB45-705A-4EA5-995E-0C3EA1533542}"/>
+                <a16:creationId xmlns:a16="http://schemas.microsoft.com/office/drawing/2014/main" xmlns="" id="{5C47CB45-705A-4EA5-995E-0C3EA1533542}"/>
               </a:ext>
             </a:extLst>
           </p:cNvPr>
@@ -10044,7 +10078,7 @@
           <p:cNvPr id="5" name="그림 4">
             <a:extLst>
               <a:ext uri="{FF2B5EF4-FFF2-40B4-BE49-F238E27FC236}">
-                <a16:creationId xmlns:a16="http://schemas.microsoft.com/office/drawing/2014/main" id="{3B92F080-CDDC-40B3-96B7-77EDEFCDC1EA}"/>
+                <a16:creationId xmlns:a16="http://schemas.microsoft.com/office/drawing/2014/main" xmlns="" id="{3B92F080-CDDC-40B3-96B7-77EDEFCDC1EA}"/>
               </a:ext>
             </a:extLst>
           </p:cNvPr>
@@ -10074,7 +10108,7 @@
           <p:cNvPr id="6" name="텍스트 개체 틀 2">
             <a:extLst>
               <a:ext uri="{FF2B5EF4-FFF2-40B4-BE49-F238E27FC236}">
-                <a16:creationId xmlns:a16="http://schemas.microsoft.com/office/drawing/2014/main" id="{93C3C7FB-1951-4584-839F-143B43E323B4}"/>
+                <a16:creationId xmlns:a16="http://schemas.microsoft.com/office/drawing/2014/main" xmlns="" id="{93C3C7FB-1951-4584-839F-143B43E323B4}"/>
               </a:ext>
             </a:extLst>
           </p:cNvPr>
@@ -11301,33 +11335,29 @@
 
 <file path=customXml/item1.xml><?xml version="1.0" encoding="utf-8"?>
 <p4ppTags>
+  <Name>Chapter title (big bar down)</Name>
+  <PpLayout>1</PpLayout>
+  <Index>5</Index>
+</p4ppTags>
+</file>
+
+<file path=customXml/item2.xml><?xml version="1.0" encoding="utf-8"?>
+<p4ppTags>
   <Name>Title fullscreen (big bar down)</Name>
   <PpLayout>1</PpLayout>
   <Index>3</Index>
 </p4ppTags>
 </file>
 
-<file path=customXml/item2.xml><?xml version="1.0" encoding="utf-8"?>
-<p4ppTags>
-  <Name>Chapter title (big bar down)</Name>
-  <PpLayout>1</PpLayout>
-  <Index>5</Index>
-</p4ppTags>
-</file>
-
 <file path=customXml/item3.xml><?xml version="1.0" encoding="utf-8"?>
 <p4ppTags>
-  <Name>Title fullscreen (big bar up)</Name>
+  <Name>Chapter title (big bar up)</Name>
   <PpLayout>1</PpLayout>
-  <Index>4</Index>
+  <Index>6</Index>
 </p4ppTags>
 </file>
 
 <file path=customXml/item4.xml><?xml version="1.0" encoding="utf-8"?>
-<p4ppTags/>
-</file>
-
-<file path=customXml/item5.xml><?xml version="1.0" encoding="utf-8"?>
 <p4ppTags>
   <Name>Title (big bar down)</Name>
   <PpLayout>1</PpLayout>
@@ -11335,11 +11365,15 @@
 </p4ppTags>
 </file>
 
+<file path=customXml/item5.xml><?xml version="1.0" encoding="utf-8"?>
+<p4ppTags/>
+</file>
+
 <file path=customXml/item6.xml><?xml version="1.0" encoding="utf-8"?>
 <p4ppTags>
-  <Name>Chapter title (big bar up)</Name>
+  <Name>Title fullscreen (big bar up)</Name>
   <PpLayout>1</PpLayout>
-  <Index>6</Index>
+  <Index>4</Index>
 </p4ppTags>
 </file>
 
@@ -11352,37 +11386,37 @@
 </file>
 
 <file path=customXml/itemProps1.xml><?xml version="1.0" encoding="utf-8"?>
+<ds:datastoreItem xmlns:ds="http://schemas.openxmlformats.org/officeDocument/2006/customXml" ds:itemID="{B842808A-63C4-4809-A3FE-CB9BAEDB5518}">
+  <ds:schemaRefs/>
+</ds:datastoreItem>
+</file>
+
+<file path=customXml/itemProps2.xml><?xml version="1.0" encoding="utf-8"?>
 <ds:datastoreItem xmlns:ds="http://schemas.openxmlformats.org/officeDocument/2006/customXml" ds:itemID="{3C3C200F-7A0F-43B4-89A2-7EAC51E146B8}">
   <ds:schemaRefs/>
 </ds:datastoreItem>
 </file>
 
-<file path=customXml/itemProps2.xml><?xml version="1.0" encoding="utf-8"?>
-<ds:datastoreItem xmlns:ds="http://schemas.openxmlformats.org/officeDocument/2006/customXml" ds:itemID="{B842808A-63C4-4809-A3FE-CB9BAEDB5518}">
-  <ds:schemaRefs/>
-</ds:datastoreItem>
-</file>
-
 <file path=customXml/itemProps3.xml><?xml version="1.0" encoding="utf-8"?>
-<ds:datastoreItem xmlns:ds="http://schemas.openxmlformats.org/officeDocument/2006/customXml" ds:itemID="{B3B1D281-6C65-4D54-B219-770FC4DAB8FD}">
+<ds:datastoreItem xmlns:ds="http://schemas.openxmlformats.org/officeDocument/2006/customXml" ds:itemID="{EFCAE600-FA5F-4AE5-B732-F9AB03D51820}">
   <ds:schemaRefs/>
 </ds:datastoreItem>
 </file>
 
 <file path=customXml/itemProps4.xml><?xml version="1.0" encoding="utf-8"?>
+<ds:datastoreItem xmlns:ds="http://schemas.openxmlformats.org/officeDocument/2006/customXml" ds:itemID="{A5111100-98EE-4A20-AE7B-BF136EFD1435}">
+  <ds:schemaRefs/>
+</ds:datastoreItem>
+</file>
+
+<file path=customXml/itemProps5.xml><?xml version="1.0" encoding="utf-8"?>
 <ds:datastoreItem xmlns:ds="http://schemas.openxmlformats.org/officeDocument/2006/customXml" ds:itemID="{EB8A4E2E-2B8F-4B71-A368-F18362B0C85F}">
   <ds:schemaRefs/>
 </ds:datastoreItem>
 </file>
 
-<file path=customXml/itemProps5.xml><?xml version="1.0" encoding="utf-8"?>
-<ds:datastoreItem xmlns:ds="http://schemas.openxmlformats.org/officeDocument/2006/customXml" ds:itemID="{A5111100-98EE-4A20-AE7B-BF136EFD1435}">
-  <ds:schemaRefs/>
-</ds:datastoreItem>
-</file>
-
 <file path=customXml/itemProps6.xml><?xml version="1.0" encoding="utf-8"?>
-<ds:datastoreItem xmlns:ds="http://schemas.openxmlformats.org/officeDocument/2006/customXml" ds:itemID="{EFCAE600-FA5F-4AE5-B732-F9AB03D51820}">
+<ds:datastoreItem xmlns:ds="http://schemas.openxmlformats.org/officeDocument/2006/customXml" ds:itemID="{B3B1D281-6C65-4D54-B219-770FC4DAB8FD}">
   <ds:schemaRefs/>
 </ds:datastoreItem>
 </file>

--- a/documents/React_FTP_화면설계서.pptx
+++ b/documents/React_FTP_화면설계서.pptx
@@ -1319,7 +1319,7 @@
           <p:cNvPr id="2" name="제목 1">
             <a:extLst>
               <a:ext uri="{FF2B5EF4-FFF2-40B4-BE49-F238E27FC236}">
-                <a16:creationId xmlns:a16="http://schemas.microsoft.com/office/drawing/2014/main" xmlns="" id="{762B5D8A-DF49-4468-821F-C0B5E4ACA993}"/>
+                <a16:creationId xmlns="" xmlns:a16="http://schemas.microsoft.com/office/drawing/2014/main" id="{762B5D8A-DF49-4468-821F-C0B5E4ACA993}"/>
               </a:ext>
             </a:extLst>
           </p:cNvPr>
@@ -1347,7 +1347,7 @@
           <p:cNvPr id="3" name="텍스트 개체 틀 2">
             <a:extLst>
               <a:ext uri="{FF2B5EF4-FFF2-40B4-BE49-F238E27FC236}">
-                <a16:creationId xmlns:a16="http://schemas.microsoft.com/office/drawing/2014/main" xmlns="" id="{62C7F23F-76FC-401D-9805-2C94A67FDF5F}"/>
+                <a16:creationId xmlns="" xmlns:a16="http://schemas.microsoft.com/office/drawing/2014/main" id="{62C7F23F-76FC-401D-9805-2C94A67FDF5F}"/>
               </a:ext>
             </a:extLst>
           </p:cNvPr>
@@ -1454,14 +1454,14 @@
                 <a:gridCol w="5972175">
                   <a:extLst>
                     <a:ext uri="{9D8B030D-6E8A-4147-A177-3AD203B41FA5}">
-                      <a16:colId xmlns:a16="http://schemas.microsoft.com/office/drawing/2014/main" xmlns="" val="20000"/>
+                      <a16:colId xmlns="" xmlns:a16="http://schemas.microsoft.com/office/drawing/2014/main" val="20000"/>
                     </a:ext>
                   </a:extLst>
                 </a:gridCol>
                 <a:gridCol w="2670175">
                   <a:extLst>
                     <a:ext uri="{9D8B030D-6E8A-4147-A177-3AD203B41FA5}">
-                      <a16:colId xmlns:a16="http://schemas.microsoft.com/office/drawing/2014/main" xmlns="" val="20001"/>
+                      <a16:colId xmlns="" xmlns:a16="http://schemas.microsoft.com/office/drawing/2014/main" val="20001"/>
                     </a:ext>
                   </a:extLst>
                 </a:gridCol>
@@ -1603,7 +1603,7 @@
                 </a:tc>
                 <a:extLst>
                   <a:ext uri="{0D108BD9-81ED-4DB2-BD59-A6C34878D82A}">
-                    <a16:rowId xmlns:a16="http://schemas.microsoft.com/office/drawing/2014/main" xmlns="" val="10000"/>
+                    <a16:rowId xmlns="" xmlns:a16="http://schemas.microsoft.com/office/drawing/2014/main" val="10000"/>
                   </a:ext>
                 </a:extLst>
               </a:tr>
@@ -1726,7 +1726,7 @@
                 </a:tc>
                 <a:extLst>
                   <a:ext uri="{0D108BD9-81ED-4DB2-BD59-A6C34878D82A}">
-                    <a16:rowId xmlns:a16="http://schemas.microsoft.com/office/drawing/2014/main" xmlns="" val="10001"/>
+                    <a16:rowId xmlns="" xmlns:a16="http://schemas.microsoft.com/office/drawing/2014/main" val="10001"/>
                   </a:ext>
                 </a:extLst>
               </a:tr>
@@ -3105,7 +3105,7 @@
           <p:cNvPr id="36" name="cdtPicture 10 Id11">
             <a:extLst>
               <a:ext uri="{FF2B5EF4-FFF2-40B4-BE49-F238E27FC236}">
-                <a16:creationId xmlns:a16="http://schemas.microsoft.com/office/drawing/2014/main" xmlns="" id="{D1FABDAD-B259-4985-9510-7D97531DFC09}"/>
+                <a16:creationId xmlns="" xmlns:a16="http://schemas.microsoft.com/office/drawing/2014/main" id="{D1FABDAD-B259-4985-9510-7D97531DFC09}"/>
               </a:ext>
             </a:extLst>
           </p:cNvPr>
@@ -3139,7 +3139,7 @@
           <p:cNvPr id="42" name="cdtTextBox 12 Id13">
             <a:extLst>
               <a:ext uri="{FF2B5EF4-FFF2-40B4-BE49-F238E27FC236}">
-                <a16:creationId xmlns:a16="http://schemas.microsoft.com/office/drawing/2014/main" xmlns="" id="{D15DEFC4-A2DB-4155-94E2-F28944F8C7CB}"/>
+                <a16:creationId xmlns="" xmlns:a16="http://schemas.microsoft.com/office/drawing/2014/main" id="{D15DEFC4-A2DB-4155-94E2-F28944F8C7CB}"/>
               </a:ext>
             </a:extLst>
           </p:cNvPr>
@@ -3197,7 +3197,7 @@
           <p:cNvPr id="43" name="cdtTextBox 11 Id12">
             <a:extLst>
               <a:ext uri="{FF2B5EF4-FFF2-40B4-BE49-F238E27FC236}">
-                <a16:creationId xmlns:a16="http://schemas.microsoft.com/office/drawing/2014/main" xmlns="" id="{81ACEC07-D7AF-4275-9F71-CEFEC474269C}"/>
+                <a16:creationId xmlns="" xmlns:a16="http://schemas.microsoft.com/office/drawing/2014/main" id="{81ACEC07-D7AF-4275-9F71-CEFEC474269C}"/>
               </a:ext>
             </a:extLst>
           </p:cNvPr>
@@ -3269,7 +3269,7 @@
           <p:cNvPr id="44" name="cdtTextBox 13 Id14">
             <a:extLst>
               <a:ext uri="{FF2B5EF4-FFF2-40B4-BE49-F238E27FC236}">
-                <a16:creationId xmlns:a16="http://schemas.microsoft.com/office/drawing/2014/main" xmlns="" id="{D889A85A-BD9F-406F-A9F9-F06ABABCE172}"/>
+                <a16:creationId xmlns="" xmlns:a16="http://schemas.microsoft.com/office/drawing/2014/main" id="{D889A85A-BD9F-406F-A9F9-F06ABABCE172}"/>
               </a:ext>
             </a:extLst>
           </p:cNvPr>
@@ -3320,7 +3320,7 @@
           <p:cNvPr id="45" name="직사각형 44">
             <a:extLst>
               <a:ext uri="{FF2B5EF4-FFF2-40B4-BE49-F238E27FC236}">
-                <a16:creationId xmlns:a16="http://schemas.microsoft.com/office/drawing/2014/main" xmlns="" id="{F345304B-53CB-4870-A4EE-9300E34E77F6}"/>
+                <a16:creationId xmlns="" xmlns:a16="http://schemas.microsoft.com/office/drawing/2014/main" id="{F345304B-53CB-4870-A4EE-9300E34E77F6}"/>
               </a:ext>
             </a:extLst>
           </p:cNvPr>
@@ -3375,7 +3375,7 @@
           <p:cNvPr id="46" name="그림 45">
             <a:extLst>
               <a:ext uri="{FF2B5EF4-FFF2-40B4-BE49-F238E27FC236}">
-                <a16:creationId xmlns:a16="http://schemas.microsoft.com/office/drawing/2014/main" xmlns="" id="{0542956A-9451-4BCA-BD2C-6844B3675E1A}"/>
+                <a16:creationId xmlns="" xmlns:a16="http://schemas.microsoft.com/office/drawing/2014/main" id="{0542956A-9451-4BCA-BD2C-6844B3675E1A}"/>
               </a:ext>
             </a:extLst>
           </p:cNvPr>
@@ -4024,7 +4024,7 @@
           <p:cNvPr id="2" name="제목 1">
             <a:extLst>
               <a:ext uri="{FF2B5EF4-FFF2-40B4-BE49-F238E27FC236}">
-                <a16:creationId xmlns:a16="http://schemas.microsoft.com/office/drawing/2014/main" xmlns="" id="{5DD2DB19-3D36-4B7F-BA0A-E14876695B67}"/>
+                <a16:creationId xmlns="" xmlns:a16="http://schemas.microsoft.com/office/drawing/2014/main" id="{5DD2DB19-3D36-4B7F-BA0A-E14876695B67}"/>
               </a:ext>
             </a:extLst>
           </p:cNvPr>
@@ -4052,7 +4052,7 @@
           <p:cNvPr id="5" name="그림 4">
             <a:extLst>
               <a:ext uri="{FF2B5EF4-FFF2-40B4-BE49-F238E27FC236}">
-                <a16:creationId xmlns:a16="http://schemas.microsoft.com/office/drawing/2014/main" xmlns="" id="{A0A2F071-8E36-4478-B3DB-1D509837AC09}"/>
+                <a16:creationId xmlns="" xmlns:a16="http://schemas.microsoft.com/office/drawing/2014/main" id="{A0A2F071-8E36-4478-B3DB-1D509837AC09}"/>
               </a:ext>
             </a:extLst>
           </p:cNvPr>
@@ -4082,7 +4082,7 @@
           <p:cNvPr id="7" name="그림 6">
             <a:extLst>
               <a:ext uri="{FF2B5EF4-FFF2-40B4-BE49-F238E27FC236}">
-                <a16:creationId xmlns:a16="http://schemas.microsoft.com/office/drawing/2014/main" xmlns="" id="{1291279B-582B-4DD8-A56E-E722B436B016}"/>
+                <a16:creationId xmlns="" xmlns:a16="http://schemas.microsoft.com/office/drawing/2014/main" id="{1291279B-582B-4DD8-A56E-E722B436B016}"/>
               </a:ext>
             </a:extLst>
           </p:cNvPr>
@@ -4112,7 +4112,7 @@
           <p:cNvPr id="9" name="그림 8">
             <a:extLst>
               <a:ext uri="{FF2B5EF4-FFF2-40B4-BE49-F238E27FC236}">
-                <a16:creationId xmlns:a16="http://schemas.microsoft.com/office/drawing/2014/main" xmlns="" id="{BEA3BFA8-8B2D-42EB-B457-8AF35AD7C4A0}"/>
+                <a16:creationId xmlns="" xmlns:a16="http://schemas.microsoft.com/office/drawing/2014/main" id="{BEA3BFA8-8B2D-42EB-B457-8AF35AD7C4A0}"/>
               </a:ext>
             </a:extLst>
           </p:cNvPr>
@@ -4142,7 +4142,7 @@
           <p:cNvPr id="11" name="그림 10">
             <a:extLst>
               <a:ext uri="{FF2B5EF4-FFF2-40B4-BE49-F238E27FC236}">
-                <a16:creationId xmlns:a16="http://schemas.microsoft.com/office/drawing/2014/main" xmlns="" id="{9C5F3BA5-223C-427D-930C-162DC40B342C}"/>
+                <a16:creationId xmlns="" xmlns:a16="http://schemas.microsoft.com/office/drawing/2014/main" id="{9C5F3BA5-223C-427D-930C-162DC40B342C}"/>
               </a:ext>
             </a:extLst>
           </p:cNvPr>
@@ -4172,7 +4172,7 @@
           <p:cNvPr id="12" name="순서도: 연결자 11">
             <a:extLst>
               <a:ext uri="{FF2B5EF4-FFF2-40B4-BE49-F238E27FC236}">
-                <a16:creationId xmlns:a16="http://schemas.microsoft.com/office/drawing/2014/main" xmlns="" id="{041A6F25-1AB8-4F06-83EA-2AA09BE38741}"/>
+                <a16:creationId xmlns="" xmlns:a16="http://schemas.microsoft.com/office/drawing/2014/main" id="{041A6F25-1AB8-4F06-83EA-2AA09BE38741}"/>
               </a:ext>
             </a:extLst>
           </p:cNvPr>
@@ -4225,7 +4225,7 @@
           <p:cNvPr id="13" name="순서도: 연결자 12">
             <a:extLst>
               <a:ext uri="{FF2B5EF4-FFF2-40B4-BE49-F238E27FC236}">
-                <a16:creationId xmlns:a16="http://schemas.microsoft.com/office/drawing/2014/main" xmlns="" id="{E9B742AE-0B5D-497F-B108-43C6C90A57BE}"/>
+                <a16:creationId xmlns="" xmlns:a16="http://schemas.microsoft.com/office/drawing/2014/main" id="{E9B742AE-0B5D-497F-B108-43C6C90A57BE}"/>
               </a:ext>
             </a:extLst>
           </p:cNvPr>
@@ -4278,7 +4278,7 @@
           <p:cNvPr id="14" name="순서도: 연결자 13">
             <a:extLst>
               <a:ext uri="{FF2B5EF4-FFF2-40B4-BE49-F238E27FC236}">
-                <a16:creationId xmlns:a16="http://schemas.microsoft.com/office/drawing/2014/main" xmlns="" id="{AE0986E1-27FF-4148-88F9-9A1DE0F19953}"/>
+                <a16:creationId xmlns="" xmlns:a16="http://schemas.microsoft.com/office/drawing/2014/main" id="{AE0986E1-27FF-4148-88F9-9A1DE0F19953}"/>
               </a:ext>
             </a:extLst>
           </p:cNvPr>
@@ -4331,7 +4331,7 @@
           <p:cNvPr id="16" name="직선 화살표 연결선 15">
             <a:extLst>
               <a:ext uri="{FF2B5EF4-FFF2-40B4-BE49-F238E27FC236}">
-                <a16:creationId xmlns:a16="http://schemas.microsoft.com/office/drawing/2014/main" xmlns="" id="{A024F654-5343-416D-9478-DE32B63B6D0E}"/>
+                <a16:creationId xmlns="" xmlns:a16="http://schemas.microsoft.com/office/drawing/2014/main" id="{A024F654-5343-416D-9478-DE32B63B6D0E}"/>
               </a:ext>
             </a:extLst>
           </p:cNvPr>
@@ -4377,7 +4377,7 @@
           <p:cNvPr id="19" name="직선 화살표 연결선 18">
             <a:extLst>
               <a:ext uri="{FF2B5EF4-FFF2-40B4-BE49-F238E27FC236}">
-                <a16:creationId xmlns:a16="http://schemas.microsoft.com/office/drawing/2014/main" xmlns="" id="{D609A05D-CD91-4C5E-B7C6-F34DC534CC54}"/>
+                <a16:creationId xmlns="" xmlns:a16="http://schemas.microsoft.com/office/drawing/2014/main" id="{D609A05D-CD91-4C5E-B7C6-F34DC534CC54}"/>
               </a:ext>
             </a:extLst>
           </p:cNvPr>
@@ -4423,7 +4423,7 @@
           <p:cNvPr id="24" name="직선 화살표 연결선 23">
             <a:extLst>
               <a:ext uri="{FF2B5EF4-FFF2-40B4-BE49-F238E27FC236}">
-                <a16:creationId xmlns:a16="http://schemas.microsoft.com/office/drawing/2014/main" xmlns="" id="{ED504124-5143-4380-9CA6-F6B7A6F2EC6E}"/>
+                <a16:creationId xmlns="" xmlns:a16="http://schemas.microsoft.com/office/drawing/2014/main" id="{ED504124-5143-4380-9CA6-F6B7A6F2EC6E}"/>
               </a:ext>
             </a:extLst>
           </p:cNvPr>
@@ -4469,7 +4469,7 @@
           <p:cNvPr id="26" name="텍스트 개체 틀 2">
             <a:extLst>
               <a:ext uri="{FF2B5EF4-FFF2-40B4-BE49-F238E27FC236}">
-                <a16:creationId xmlns:a16="http://schemas.microsoft.com/office/drawing/2014/main" xmlns="" id="{59EC2A41-1034-4A99-8F44-D1F8FAECF46D}"/>
+                <a16:creationId xmlns="" xmlns:a16="http://schemas.microsoft.com/office/drawing/2014/main" id="{59EC2A41-1034-4A99-8F44-D1F8FAECF46D}"/>
               </a:ext>
             </a:extLst>
           </p:cNvPr>
@@ -4618,7 +4618,7 @@
           <p:cNvPr id="2" name="제목 1">
             <a:extLst>
               <a:ext uri="{FF2B5EF4-FFF2-40B4-BE49-F238E27FC236}">
-                <a16:creationId xmlns:a16="http://schemas.microsoft.com/office/drawing/2014/main" xmlns="" id="{D2325EAF-CC32-4DFD-9B7C-EC5ECE9C1934}"/>
+                <a16:creationId xmlns="" xmlns:a16="http://schemas.microsoft.com/office/drawing/2014/main" id="{D2325EAF-CC32-4DFD-9B7C-EC5ECE9C1934}"/>
               </a:ext>
             </a:extLst>
           </p:cNvPr>
@@ -4646,7 +4646,7 @@
           <p:cNvPr id="5" name="그림 4">
             <a:extLst>
               <a:ext uri="{FF2B5EF4-FFF2-40B4-BE49-F238E27FC236}">
-                <a16:creationId xmlns:a16="http://schemas.microsoft.com/office/drawing/2014/main" xmlns="" id="{397FD9E0-62AA-4898-9C67-39EDEE0A7611}"/>
+                <a16:creationId xmlns="" xmlns:a16="http://schemas.microsoft.com/office/drawing/2014/main" id="{397FD9E0-62AA-4898-9C67-39EDEE0A7611}"/>
               </a:ext>
             </a:extLst>
           </p:cNvPr>
@@ -4676,7 +4676,7 @@
           <p:cNvPr id="7" name="그림 6">
             <a:extLst>
               <a:ext uri="{FF2B5EF4-FFF2-40B4-BE49-F238E27FC236}">
-                <a16:creationId xmlns:a16="http://schemas.microsoft.com/office/drawing/2014/main" xmlns="" id="{172C8FC6-01BE-4F58-8AD7-74509EA7B302}"/>
+                <a16:creationId xmlns="" xmlns:a16="http://schemas.microsoft.com/office/drawing/2014/main" id="{172C8FC6-01BE-4F58-8AD7-74509EA7B302}"/>
               </a:ext>
             </a:extLst>
           </p:cNvPr>
@@ -4706,7 +4706,7 @@
           <p:cNvPr id="9" name="그림 8">
             <a:extLst>
               <a:ext uri="{FF2B5EF4-FFF2-40B4-BE49-F238E27FC236}">
-                <a16:creationId xmlns:a16="http://schemas.microsoft.com/office/drawing/2014/main" xmlns="" id="{25E34900-5A02-43C1-A39F-9ECD0EBE418F}"/>
+                <a16:creationId xmlns="" xmlns:a16="http://schemas.microsoft.com/office/drawing/2014/main" id="{25E34900-5A02-43C1-A39F-9ECD0EBE418F}"/>
               </a:ext>
             </a:extLst>
           </p:cNvPr>
@@ -4736,7 +4736,7 @@
           <p:cNvPr id="11" name="직선 화살표 연결선 10">
             <a:extLst>
               <a:ext uri="{FF2B5EF4-FFF2-40B4-BE49-F238E27FC236}">
-                <a16:creationId xmlns:a16="http://schemas.microsoft.com/office/drawing/2014/main" xmlns="" id="{82FA703F-05C5-4EB1-B680-BE9CA9F0B881}"/>
+                <a16:creationId xmlns="" xmlns:a16="http://schemas.microsoft.com/office/drawing/2014/main" id="{82FA703F-05C5-4EB1-B680-BE9CA9F0B881}"/>
               </a:ext>
             </a:extLst>
           </p:cNvPr>
@@ -4784,7 +4784,7 @@
           <p:cNvPr id="13" name="직선 화살표 연결선 12">
             <a:extLst>
               <a:ext uri="{FF2B5EF4-FFF2-40B4-BE49-F238E27FC236}">
-                <a16:creationId xmlns:a16="http://schemas.microsoft.com/office/drawing/2014/main" xmlns="" id="{E8385E36-6D18-47D8-821C-C993EF80B7BF}"/>
+                <a16:creationId xmlns="" xmlns:a16="http://schemas.microsoft.com/office/drawing/2014/main" id="{E8385E36-6D18-47D8-821C-C993EF80B7BF}"/>
               </a:ext>
             </a:extLst>
           </p:cNvPr>
@@ -4830,7 +4830,7 @@
           <p:cNvPr id="14" name="텍스트 개체 틀 2">
             <a:extLst>
               <a:ext uri="{FF2B5EF4-FFF2-40B4-BE49-F238E27FC236}">
-                <a16:creationId xmlns:a16="http://schemas.microsoft.com/office/drawing/2014/main" xmlns="" id="{CD5DF9FD-BF31-41FA-9A5F-585E79073DB6}"/>
+                <a16:creationId xmlns="" xmlns:a16="http://schemas.microsoft.com/office/drawing/2014/main" id="{CD5DF9FD-BF31-41FA-9A5F-585E79073DB6}"/>
               </a:ext>
             </a:extLst>
           </p:cNvPr>
@@ -4942,7 +4942,7 @@
           <p:cNvPr id="18" name="순서도: 연결자 17">
             <a:extLst>
               <a:ext uri="{FF2B5EF4-FFF2-40B4-BE49-F238E27FC236}">
-                <a16:creationId xmlns:a16="http://schemas.microsoft.com/office/drawing/2014/main" xmlns="" id="{24A03933-98DB-42AD-B57B-371395D2D900}"/>
+                <a16:creationId xmlns="" xmlns:a16="http://schemas.microsoft.com/office/drawing/2014/main" id="{24A03933-98DB-42AD-B57B-371395D2D900}"/>
               </a:ext>
             </a:extLst>
           </p:cNvPr>
@@ -4995,7 +4995,7 @@
           <p:cNvPr id="19" name="순서도: 연결자 18">
             <a:extLst>
               <a:ext uri="{FF2B5EF4-FFF2-40B4-BE49-F238E27FC236}">
-                <a16:creationId xmlns:a16="http://schemas.microsoft.com/office/drawing/2014/main" xmlns="" id="{42802FC0-8336-4514-AE84-C4DA90D6939E}"/>
+                <a16:creationId xmlns="" xmlns:a16="http://schemas.microsoft.com/office/drawing/2014/main" id="{42802FC0-8336-4514-AE84-C4DA90D6939E}"/>
               </a:ext>
             </a:extLst>
           </p:cNvPr>
@@ -5072,7 +5072,7 @@
           <p:cNvPr id="20" name="순서도: 연결자 19">
             <a:extLst>
               <a:ext uri="{FF2B5EF4-FFF2-40B4-BE49-F238E27FC236}">
-                <a16:creationId xmlns:a16="http://schemas.microsoft.com/office/drawing/2014/main" xmlns="" id="{16F9C893-4D18-4229-8957-CF27F27F49E3}"/>
+                <a16:creationId xmlns="" xmlns:a16="http://schemas.microsoft.com/office/drawing/2014/main" id="{16F9C893-4D18-4229-8957-CF27F27F49E3}"/>
               </a:ext>
             </a:extLst>
           </p:cNvPr>
@@ -5120,6 +5120,54 @@
           </a:p>
         </p:txBody>
       </p:sp>
+      <p:cxnSp>
+        <p:nvCxnSpPr>
+          <p:cNvPr id="16" name="직선 화살표 연결선 15">
+            <a:extLst>
+              <a:ext uri="{FF2B5EF4-FFF2-40B4-BE49-F238E27FC236}">
+                <a16:creationId xmlns="" xmlns:a16="http://schemas.microsoft.com/office/drawing/2014/main" id="{82FA703F-05C5-4EB1-B680-BE9CA9F0B881}"/>
+              </a:ext>
+            </a:extLst>
+          </p:cNvPr>
+          <p:cNvCxnSpPr>
+            <a:endCxn id="3" idx="1"/>
+          </p:cNvCxnSpPr>
+          <p:nvPr/>
+        </p:nvCxnSpPr>
+        <p:spPr bwMode="auto">
+          <a:xfrm>
+            <a:off x="2202322" y="4465667"/>
+            <a:ext cx="1161614" cy="1131680"/>
+          </a:xfrm>
+          <a:prstGeom prst="straightConnector1">
+            <a:avLst/>
+          </a:prstGeom>
+          <a:solidFill>
+            <a:schemeClr val="tx2"/>
+          </a:solidFill>
+          <a:ln w="9525" cap="flat" cmpd="sng" algn="ctr">
+            <a:solidFill>
+              <a:schemeClr val="tx1"/>
+            </a:solidFill>
+            <a:prstDash val="solid"/>
+            <a:round/>
+            <a:headEnd type="none" w="med" len="med"/>
+            <a:tailEnd type="triangle"/>
+          </a:ln>
+          <a:effectLst/>
+          <a:extLst>
+            <a:ext uri="{AF507438-7753-43E0-B8FC-AC1667EBCBE1}">
+              <a14:hiddenEffects xmlns:a14="http://schemas.microsoft.com/office/drawing/2010/main">
+                <a:effectLst>
+                  <a:outerShdw blurRad="63500" dist="35921" dir="2700000" algn="ctr" rotWithShape="0">
+                    <a:schemeClr val="bg2"/>
+                  </a:outerShdw>
+                </a:effectLst>
+              </a14:hiddenEffects>
+            </a:ext>
+          </a:extLst>
+        </p:spPr>
+      </p:cxnSp>
     </p:spTree>
     <p:extLst>
       <p:ext uri="{BB962C8B-B14F-4D97-AF65-F5344CB8AC3E}">
@@ -5155,7 +5203,7 @@
           <p:cNvPr id="2" name="제목 1">
             <a:extLst>
               <a:ext uri="{FF2B5EF4-FFF2-40B4-BE49-F238E27FC236}">
-                <a16:creationId xmlns:a16="http://schemas.microsoft.com/office/drawing/2014/main" xmlns="" id="{47F7F48A-4547-43A7-B87D-FCE0E23AC8D0}"/>
+                <a16:creationId xmlns="" xmlns:a16="http://schemas.microsoft.com/office/drawing/2014/main" id="{47F7F48A-4547-43A7-B87D-FCE0E23AC8D0}"/>
               </a:ext>
             </a:extLst>
           </p:cNvPr>
@@ -5183,7 +5231,7 @@
           <p:cNvPr id="5" name="그림 4">
             <a:extLst>
               <a:ext uri="{FF2B5EF4-FFF2-40B4-BE49-F238E27FC236}">
-                <a16:creationId xmlns:a16="http://schemas.microsoft.com/office/drawing/2014/main" xmlns="" id="{0272123D-3C20-4B5C-9A9C-2CEE173C80EC}"/>
+                <a16:creationId xmlns="" xmlns:a16="http://schemas.microsoft.com/office/drawing/2014/main" id="{0272123D-3C20-4B5C-9A9C-2CEE173C80EC}"/>
               </a:ext>
             </a:extLst>
           </p:cNvPr>
@@ -5213,7 +5261,7 @@
           <p:cNvPr id="6" name="텍스트 개체 틀 2">
             <a:extLst>
               <a:ext uri="{FF2B5EF4-FFF2-40B4-BE49-F238E27FC236}">
-                <a16:creationId xmlns:a16="http://schemas.microsoft.com/office/drawing/2014/main" xmlns="" id="{986A7DC2-9492-4CE9-A61B-8DCA00C0BE10}"/>
+                <a16:creationId xmlns="" xmlns:a16="http://schemas.microsoft.com/office/drawing/2014/main" id="{986A7DC2-9492-4CE9-A61B-8DCA00C0BE10}"/>
               </a:ext>
             </a:extLst>
           </p:cNvPr>
@@ -5348,7 +5396,7 @@
           <p:cNvPr id="2" name="제목 1">
             <a:extLst>
               <a:ext uri="{FF2B5EF4-FFF2-40B4-BE49-F238E27FC236}">
-                <a16:creationId xmlns:a16="http://schemas.microsoft.com/office/drawing/2014/main" xmlns="" id="{769E0E3B-C104-4F34-BCB7-5D64627B970E}"/>
+                <a16:creationId xmlns="" xmlns:a16="http://schemas.microsoft.com/office/drawing/2014/main" id="{769E0E3B-C104-4F34-BCB7-5D64627B970E}"/>
               </a:ext>
             </a:extLst>
           </p:cNvPr>
@@ -5376,7 +5424,7 @@
           <p:cNvPr id="5" name="그림 4">
             <a:extLst>
               <a:ext uri="{FF2B5EF4-FFF2-40B4-BE49-F238E27FC236}">
-                <a16:creationId xmlns:a16="http://schemas.microsoft.com/office/drawing/2014/main" xmlns="" id="{8A840B19-B216-4618-82F3-3028925F4A73}"/>
+                <a16:creationId xmlns="" xmlns:a16="http://schemas.microsoft.com/office/drawing/2014/main" id="{8A840B19-B216-4618-82F3-3028925F4A73}"/>
               </a:ext>
             </a:extLst>
           </p:cNvPr>
@@ -5406,7 +5454,7 @@
           <p:cNvPr id="8" name="순서도: 연결자 7">
             <a:extLst>
               <a:ext uri="{FF2B5EF4-FFF2-40B4-BE49-F238E27FC236}">
-                <a16:creationId xmlns:a16="http://schemas.microsoft.com/office/drawing/2014/main" xmlns="" id="{43199052-4926-4454-BAA3-5FF46813C03A}"/>
+                <a16:creationId xmlns="" xmlns:a16="http://schemas.microsoft.com/office/drawing/2014/main" id="{43199052-4926-4454-BAA3-5FF46813C03A}"/>
               </a:ext>
             </a:extLst>
           </p:cNvPr>
@@ -5459,7 +5507,7 @@
           <p:cNvPr id="9" name="순서도: 연결자 8">
             <a:extLst>
               <a:ext uri="{FF2B5EF4-FFF2-40B4-BE49-F238E27FC236}">
-                <a16:creationId xmlns:a16="http://schemas.microsoft.com/office/drawing/2014/main" xmlns="" id="{6200760B-10EF-4176-ABAD-9EB450AE1E5C}"/>
+                <a16:creationId xmlns="" xmlns:a16="http://schemas.microsoft.com/office/drawing/2014/main" id="{6200760B-10EF-4176-ABAD-9EB450AE1E5C}"/>
               </a:ext>
             </a:extLst>
           </p:cNvPr>
@@ -5512,7 +5560,7 @@
           <p:cNvPr id="10" name="순서도: 연결자 9">
             <a:extLst>
               <a:ext uri="{FF2B5EF4-FFF2-40B4-BE49-F238E27FC236}">
-                <a16:creationId xmlns:a16="http://schemas.microsoft.com/office/drawing/2014/main" xmlns="" id="{643D1E85-F4C0-4286-A2FE-AFFF5FE8818D}"/>
+                <a16:creationId xmlns="" xmlns:a16="http://schemas.microsoft.com/office/drawing/2014/main" id="{643D1E85-F4C0-4286-A2FE-AFFF5FE8818D}"/>
               </a:ext>
             </a:extLst>
           </p:cNvPr>
@@ -5565,7 +5613,7 @@
           <p:cNvPr id="11" name="순서도: 연결자 10">
             <a:extLst>
               <a:ext uri="{FF2B5EF4-FFF2-40B4-BE49-F238E27FC236}">
-                <a16:creationId xmlns:a16="http://schemas.microsoft.com/office/drawing/2014/main" xmlns="" id="{4616F926-29C8-4050-A948-8B11C18E406B}"/>
+                <a16:creationId xmlns="" xmlns:a16="http://schemas.microsoft.com/office/drawing/2014/main" id="{4616F926-29C8-4050-A948-8B11C18E406B}"/>
               </a:ext>
             </a:extLst>
           </p:cNvPr>
@@ -5618,7 +5666,7 @@
           <p:cNvPr id="12" name="순서도: 연결자 11">
             <a:extLst>
               <a:ext uri="{FF2B5EF4-FFF2-40B4-BE49-F238E27FC236}">
-                <a16:creationId xmlns:a16="http://schemas.microsoft.com/office/drawing/2014/main" xmlns="" id="{8674368E-F8E0-4AC4-9DF8-A3CB72AE581E}"/>
+                <a16:creationId xmlns="" xmlns:a16="http://schemas.microsoft.com/office/drawing/2014/main" id="{8674368E-F8E0-4AC4-9DF8-A3CB72AE581E}"/>
               </a:ext>
             </a:extLst>
           </p:cNvPr>
@@ -5671,7 +5719,7 @@
           <p:cNvPr id="13" name="순서도: 연결자 12">
             <a:extLst>
               <a:ext uri="{FF2B5EF4-FFF2-40B4-BE49-F238E27FC236}">
-                <a16:creationId xmlns:a16="http://schemas.microsoft.com/office/drawing/2014/main" xmlns="" id="{3D68D3A4-8152-472E-8FBB-6C6F9196DC8F}"/>
+                <a16:creationId xmlns="" xmlns:a16="http://schemas.microsoft.com/office/drawing/2014/main" id="{3D68D3A4-8152-472E-8FBB-6C6F9196DC8F}"/>
               </a:ext>
             </a:extLst>
           </p:cNvPr>
@@ -5724,7 +5772,7 @@
           <p:cNvPr id="14" name="텍스트 개체 틀 2">
             <a:extLst>
               <a:ext uri="{FF2B5EF4-FFF2-40B4-BE49-F238E27FC236}">
-                <a16:creationId xmlns:a16="http://schemas.microsoft.com/office/drawing/2014/main" xmlns="" id="{2F8B85A0-FC71-40FE-AB44-D316BF37BE20}"/>
+                <a16:creationId xmlns="" xmlns:a16="http://schemas.microsoft.com/office/drawing/2014/main" id="{2F8B85A0-FC71-40FE-AB44-D316BF37BE20}"/>
               </a:ext>
             </a:extLst>
           </p:cNvPr>
@@ -5919,7 +5967,7 @@
           <p:cNvPr id="2" name="제목 1">
             <a:extLst>
               <a:ext uri="{FF2B5EF4-FFF2-40B4-BE49-F238E27FC236}">
-                <a16:creationId xmlns:a16="http://schemas.microsoft.com/office/drawing/2014/main" xmlns="" id="{DEDE6F3A-EC3E-4E85-B0A9-23324CF07607}"/>
+                <a16:creationId xmlns="" xmlns:a16="http://schemas.microsoft.com/office/drawing/2014/main" id="{DEDE6F3A-EC3E-4E85-B0A9-23324CF07607}"/>
               </a:ext>
             </a:extLst>
           </p:cNvPr>
@@ -5952,7 +6000,7 @@
           <p:cNvPr id="5" name="그림 4">
             <a:extLst>
               <a:ext uri="{FF2B5EF4-FFF2-40B4-BE49-F238E27FC236}">
-                <a16:creationId xmlns:a16="http://schemas.microsoft.com/office/drawing/2014/main" xmlns="" id="{3292FAC1-6119-4914-82DF-9D9EC514B330}"/>
+                <a16:creationId xmlns="" xmlns:a16="http://schemas.microsoft.com/office/drawing/2014/main" id="{3292FAC1-6119-4914-82DF-9D9EC514B330}"/>
               </a:ext>
             </a:extLst>
           </p:cNvPr>
@@ -5982,7 +6030,7 @@
           <p:cNvPr id="6" name="텍스트 개체 틀 2">
             <a:extLst>
               <a:ext uri="{FF2B5EF4-FFF2-40B4-BE49-F238E27FC236}">
-                <a16:creationId xmlns:a16="http://schemas.microsoft.com/office/drawing/2014/main" xmlns="" id="{9E7CAA9C-F383-4ECA-8DC6-E54BB719A587}"/>
+                <a16:creationId xmlns="" xmlns:a16="http://schemas.microsoft.com/office/drawing/2014/main" id="{9E7CAA9C-F383-4ECA-8DC6-E54BB719A587}"/>
               </a:ext>
             </a:extLst>
           </p:cNvPr>
@@ -6116,7 +6164,7 @@
           <p:cNvPr id="8" name="순서도: 연결자 7">
             <a:extLst>
               <a:ext uri="{FF2B5EF4-FFF2-40B4-BE49-F238E27FC236}">
-                <a16:creationId xmlns:a16="http://schemas.microsoft.com/office/drawing/2014/main" xmlns="" id="{8AA96327-9488-4A41-83FD-28E271C2DE66}"/>
+                <a16:creationId xmlns="" xmlns:a16="http://schemas.microsoft.com/office/drawing/2014/main" id="{8AA96327-9488-4A41-83FD-28E271C2DE66}"/>
               </a:ext>
             </a:extLst>
           </p:cNvPr>
@@ -6169,7 +6217,7 @@
           <p:cNvPr id="9" name="순서도: 연결자 8">
             <a:extLst>
               <a:ext uri="{FF2B5EF4-FFF2-40B4-BE49-F238E27FC236}">
-                <a16:creationId xmlns:a16="http://schemas.microsoft.com/office/drawing/2014/main" xmlns="" id="{63045C65-9C32-4CE0-A4E0-AA3B276B634C}"/>
+                <a16:creationId xmlns="" xmlns:a16="http://schemas.microsoft.com/office/drawing/2014/main" id="{63045C65-9C32-4CE0-A4E0-AA3B276B634C}"/>
               </a:ext>
             </a:extLst>
           </p:cNvPr>
@@ -6222,7 +6270,7 @@
           <p:cNvPr id="10" name="순서도: 연결자 9">
             <a:extLst>
               <a:ext uri="{FF2B5EF4-FFF2-40B4-BE49-F238E27FC236}">
-                <a16:creationId xmlns:a16="http://schemas.microsoft.com/office/drawing/2014/main" xmlns="" id="{7D00F83C-34FB-4028-A6BF-364406F4EF97}"/>
+                <a16:creationId xmlns="" xmlns:a16="http://schemas.microsoft.com/office/drawing/2014/main" id="{7D00F83C-34FB-4028-A6BF-364406F4EF97}"/>
               </a:ext>
             </a:extLst>
           </p:cNvPr>
@@ -6275,7 +6323,7 @@
           <p:cNvPr id="11" name="순서도: 연결자 10">
             <a:extLst>
               <a:ext uri="{FF2B5EF4-FFF2-40B4-BE49-F238E27FC236}">
-                <a16:creationId xmlns:a16="http://schemas.microsoft.com/office/drawing/2014/main" xmlns="" id="{CB08A760-485F-4264-8949-95B3F4C8171F}"/>
+                <a16:creationId xmlns="" xmlns:a16="http://schemas.microsoft.com/office/drawing/2014/main" id="{CB08A760-485F-4264-8949-95B3F4C8171F}"/>
               </a:ext>
             </a:extLst>
           </p:cNvPr>
@@ -6358,7 +6406,7 @@
           <p:cNvPr id="12" name="Picture 3">
             <a:extLst>
               <a:ext uri="{FF2B5EF4-FFF2-40B4-BE49-F238E27FC236}">
-                <a16:creationId xmlns:a16="http://schemas.microsoft.com/office/drawing/2014/main" xmlns="" id="{C85968B7-8C1B-497F-AF3E-E3D7C80E4F92}"/>
+                <a16:creationId xmlns="" xmlns:a16="http://schemas.microsoft.com/office/drawing/2014/main" id="{C85968B7-8C1B-497F-AF3E-E3D7C80E4F92}"/>
               </a:ext>
             </a:extLst>
           </p:cNvPr>
@@ -6428,7 +6476,7 @@
           <p:cNvPr id="2" name="제목 1">
             <a:extLst>
               <a:ext uri="{FF2B5EF4-FFF2-40B4-BE49-F238E27FC236}">
-                <a16:creationId xmlns:a16="http://schemas.microsoft.com/office/drawing/2014/main" xmlns="" id="{DEDE6F3A-EC3E-4E85-B0A9-23324CF07607}"/>
+                <a16:creationId xmlns="" xmlns:a16="http://schemas.microsoft.com/office/drawing/2014/main" id="{DEDE6F3A-EC3E-4E85-B0A9-23324CF07607}"/>
               </a:ext>
             </a:extLst>
           </p:cNvPr>
@@ -6461,7 +6509,7 @@
           <p:cNvPr id="6" name="텍스트 개체 틀 2">
             <a:extLst>
               <a:ext uri="{FF2B5EF4-FFF2-40B4-BE49-F238E27FC236}">
-                <a16:creationId xmlns:a16="http://schemas.microsoft.com/office/drawing/2014/main" xmlns="" id="{9E7CAA9C-F383-4ECA-8DC6-E54BB719A587}"/>
+                <a16:creationId xmlns="" xmlns:a16="http://schemas.microsoft.com/office/drawing/2014/main" id="{9E7CAA9C-F383-4ECA-8DC6-E54BB719A587}"/>
               </a:ext>
             </a:extLst>
           </p:cNvPr>
@@ -6576,7 +6624,7 @@
           <p:cNvPr id="8" name="순서도: 연결자 7">
             <a:extLst>
               <a:ext uri="{FF2B5EF4-FFF2-40B4-BE49-F238E27FC236}">
-                <a16:creationId xmlns:a16="http://schemas.microsoft.com/office/drawing/2014/main" xmlns="" id="{8AA96327-9488-4A41-83FD-28E271C2DE66}"/>
+                <a16:creationId xmlns="" xmlns:a16="http://schemas.microsoft.com/office/drawing/2014/main" id="{8AA96327-9488-4A41-83FD-28E271C2DE66}"/>
               </a:ext>
             </a:extLst>
           </p:cNvPr>
@@ -6629,7 +6677,7 @@
           <p:cNvPr id="10" name="순서도: 연결자 9">
             <a:extLst>
               <a:ext uri="{FF2B5EF4-FFF2-40B4-BE49-F238E27FC236}">
-                <a16:creationId xmlns:a16="http://schemas.microsoft.com/office/drawing/2014/main" xmlns="" id="{7D00F83C-34FB-4028-A6BF-364406F4EF97}"/>
+                <a16:creationId xmlns="" xmlns:a16="http://schemas.microsoft.com/office/drawing/2014/main" id="{7D00F83C-34FB-4028-A6BF-364406F4EF97}"/>
               </a:ext>
             </a:extLst>
           </p:cNvPr>
@@ -6682,7 +6730,7 @@
           <p:cNvPr id="11" name="순서도: 연결자 10">
             <a:extLst>
               <a:ext uri="{FF2B5EF4-FFF2-40B4-BE49-F238E27FC236}">
-                <a16:creationId xmlns:a16="http://schemas.microsoft.com/office/drawing/2014/main" xmlns="" id="{CB08A760-485F-4264-8949-95B3F4C8171F}"/>
+                <a16:creationId xmlns="" xmlns:a16="http://schemas.microsoft.com/office/drawing/2014/main" id="{CB08A760-485F-4264-8949-95B3F4C8171F}"/>
               </a:ext>
             </a:extLst>
           </p:cNvPr>
@@ -6765,7 +6813,7 @@
           <p:cNvPr id="2" name="제목 1">
             <a:extLst>
               <a:ext uri="{FF2B5EF4-FFF2-40B4-BE49-F238E27FC236}">
-                <a16:creationId xmlns:a16="http://schemas.microsoft.com/office/drawing/2014/main" xmlns="" id="{0904BB74-7F77-4EB7-ACC6-C108D9EEADD1}"/>
+                <a16:creationId xmlns="" xmlns:a16="http://schemas.microsoft.com/office/drawing/2014/main" id="{0904BB74-7F77-4EB7-ACC6-C108D9EEADD1}"/>
               </a:ext>
             </a:extLst>
           </p:cNvPr>
@@ -6793,7 +6841,7 @@
           <p:cNvPr id="5" name="그림 4">
             <a:extLst>
               <a:ext uri="{FF2B5EF4-FFF2-40B4-BE49-F238E27FC236}">
-                <a16:creationId xmlns:a16="http://schemas.microsoft.com/office/drawing/2014/main" xmlns="" id="{24A1D106-4726-4F94-A41D-4DE1758A2376}"/>
+                <a16:creationId xmlns="" xmlns:a16="http://schemas.microsoft.com/office/drawing/2014/main" id="{24A1D106-4726-4F94-A41D-4DE1758A2376}"/>
               </a:ext>
             </a:extLst>
           </p:cNvPr>
@@ -6823,7 +6871,7 @@
           <p:cNvPr id="6" name="텍스트 개체 틀 2">
             <a:extLst>
               <a:ext uri="{FF2B5EF4-FFF2-40B4-BE49-F238E27FC236}">
-                <a16:creationId xmlns:a16="http://schemas.microsoft.com/office/drawing/2014/main" xmlns="" id="{24154AAF-576D-4757-AE49-5310334BE705}"/>
+                <a16:creationId xmlns="" xmlns:a16="http://schemas.microsoft.com/office/drawing/2014/main" id="{24154AAF-576D-4757-AE49-5310334BE705}"/>
               </a:ext>
             </a:extLst>
           </p:cNvPr>
@@ -6914,7 +6962,7 @@
           <p:cNvPr id="8" name="그림 7">
             <a:extLst>
               <a:ext uri="{FF2B5EF4-FFF2-40B4-BE49-F238E27FC236}">
-                <a16:creationId xmlns:a16="http://schemas.microsoft.com/office/drawing/2014/main" xmlns="" id="{7A092B99-F286-4A09-B6A8-90828DA7B277}"/>
+                <a16:creationId xmlns="" xmlns:a16="http://schemas.microsoft.com/office/drawing/2014/main" id="{7A092B99-F286-4A09-B6A8-90828DA7B277}"/>
               </a:ext>
             </a:extLst>
           </p:cNvPr>
@@ -6944,7 +6992,7 @@
           <p:cNvPr id="9" name="순서도: 연결자 8">
             <a:extLst>
               <a:ext uri="{FF2B5EF4-FFF2-40B4-BE49-F238E27FC236}">
-                <a16:creationId xmlns:a16="http://schemas.microsoft.com/office/drawing/2014/main" xmlns="" id="{54932116-685C-48B8-9B4F-4B3BD62A25F2}"/>
+                <a16:creationId xmlns="" xmlns:a16="http://schemas.microsoft.com/office/drawing/2014/main" id="{54932116-685C-48B8-9B4F-4B3BD62A25F2}"/>
               </a:ext>
             </a:extLst>
           </p:cNvPr>
@@ -6997,7 +7045,7 @@
           <p:cNvPr id="10" name="직사각형 9">
             <a:extLst>
               <a:ext uri="{FF2B5EF4-FFF2-40B4-BE49-F238E27FC236}">
-                <a16:creationId xmlns:a16="http://schemas.microsoft.com/office/drawing/2014/main" xmlns="" id="{6FF81515-F4A6-405F-A2E4-DA84F75E5E98}"/>
+                <a16:creationId xmlns="" xmlns:a16="http://schemas.microsoft.com/office/drawing/2014/main" id="{6FF81515-F4A6-405F-A2E4-DA84F75E5E98}"/>
               </a:ext>
             </a:extLst>
           </p:cNvPr>
@@ -7088,7 +7136,7 @@
           <p:cNvPr id="2" name="제목 1">
             <a:extLst>
               <a:ext uri="{FF2B5EF4-FFF2-40B4-BE49-F238E27FC236}">
-                <a16:creationId xmlns:a16="http://schemas.microsoft.com/office/drawing/2014/main" xmlns="" id="{016A7DE5-DA7A-4220-97ED-01CB86317746}"/>
+                <a16:creationId xmlns="" xmlns:a16="http://schemas.microsoft.com/office/drawing/2014/main" id="{016A7DE5-DA7A-4220-97ED-01CB86317746}"/>
               </a:ext>
             </a:extLst>
           </p:cNvPr>
@@ -7116,7 +7164,7 @@
           <p:cNvPr id="5" name="그림 4">
             <a:extLst>
               <a:ext uri="{FF2B5EF4-FFF2-40B4-BE49-F238E27FC236}">
-                <a16:creationId xmlns:a16="http://schemas.microsoft.com/office/drawing/2014/main" xmlns="" id="{9C36C8B4-3A15-4EB2-BBA3-36D8B87F63A7}"/>
+                <a16:creationId xmlns="" xmlns:a16="http://schemas.microsoft.com/office/drawing/2014/main" id="{9C36C8B4-3A15-4EB2-BBA3-36D8B87F63A7}"/>
               </a:ext>
             </a:extLst>
           </p:cNvPr>
@@ -7146,7 +7194,7 @@
           <p:cNvPr id="6" name="텍스트 개체 틀 2">
             <a:extLst>
               <a:ext uri="{FF2B5EF4-FFF2-40B4-BE49-F238E27FC236}">
-                <a16:creationId xmlns:a16="http://schemas.microsoft.com/office/drawing/2014/main" xmlns="" id="{41D84B3F-2802-478A-8200-FF98C899B3A9}"/>
+                <a16:creationId xmlns="" xmlns:a16="http://schemas.microsoft.com/office/drawing/2014/main" id="{41D84B3F-2802-478A-8200-FF98C899B3A9}"/>
               </a:ext>
             </a:extLst>
           </p:cNvPr>
@@ -7296,7 +7344,7 @@
           <p:cNvPr id="2" name="제목 1">
             <a:extLst>
               <a:ext uri="{FF2B5EF4-FFF2-40B4-BE49-F238E27FC236}">
-                <a16:creationId xmlns:a16="http://schemas.microsoft.com/office/drawing/2014/main" xmlns="" id="{B985675C-853F-4B2E-AA5E-32E8A9C27C8F}"/>
+                <a16:creationId xmlns="" xmlns:a16="http://schemas.microsoft.com/office/drawing/2014/main" id="{B985675C-853F-4B2E-AA5E-32E8A9C27C8F}"/>
               </a:ext>
             </a:extLst>
           </p:cNvPr>
@@ -7324,7 +7372,7 @@
           <p:cNvPr id="5" name="그림 4">
             <a:extLst>
               <a:ext uri="{FF2B5EF4-FFF2-40B4-BE49-F238E27FC236}">
-                <a16:creationId xmlns:a16="http://schemas.microsoft.com/office/drawing/2014/main" xmlns="" id="{B1DA5CDF-374F-4739-94C5-0FF6425E91C3}"/>
+                <a16:creationId xmlns="" xmlns:a16="http://schemas.microsoft.com/office/drawing/2014/main" id="{B1DA5CDF-374F-4739-94C5-0FF6425E91C3}"/>
               </a:ext>
             </a:extLst>
           </p:cNvPr>
@@ -7354,7 +7402,7 @@
           <p:cNvPr id="6" name="텍스트 개체 틀 2">
             <a:extLst>
               <a:ext uri="{FF2B5EF4-FFF2-40B4-BE49-F238E27FC236}">
-                <a16:creationId xmlns:a16="http://schemas.microsoft.com/office/drawing/2014/main" xmlns="" id="{71CAEE6B-92C1-48E7-970B-6C2F7EF83946}"/>
+                <a16:creationId xmlns="" xmlns:a16="http://schemas.microsoft.com/office/drawing/2014/main" id="{71CAEE6B-92C1-48E7-970B-6C2F7EF83946}"/>
               </a:ext>
             </a:extLst>
           </p:cNvPr>
@@ -7447,7 +7495,7 @@
           <p:cNvPr id="2" name="제목 1">
             <a:extLst>
               <a:ext uri="{FF2B5EF4-FFF2-40B4-BE49-F238E27FC236}">
-                <a16:creationId xmlns:a16="http://schemas.microsoft.com/office/drawing/2014/main" xmlns="" id="{EA41EEEF-CA99-4B73-BC4E-76F3F55BC592}"/>
+                <a16:creationId xmlns="" xmlns:a16="http://schemas.microsoft.com/office/drawing/2014/main" id="{EA41EEEF-CA99-4B73-BC4E-76F3F55BC592}"/>
               </a:ext>
             </a:extLst>
           </p:cNvPr>
@@ -7480,7 +7528,7 @@
           <p:cNvPr id="5" name="그림 4">
             <a:extLst>
               <a:ext uri="{FF2B5EF4-FFF2-40B4-BE49-F238E27FC236}">
-                <a16:creationId xmlns:a16="http://schemas.microsoft.com/office/drawing/2014/main" xmlns="" id="{3A34AB33-B010-4006-845A-EC27B0C4A044}"/>
+                <a16:creationId xmlns="" xmlns:a16="http://schemas.microsoft.com/office/drawing/2014/main" id="{3A34AB33-B010-4006-845A-EC27B0C4A044}"/>
               </a:ext>
             </a:extLst>
           </p:cNvPr>
@@ -7510,7 +7558,7 @@
           <p:cNvPr id="6" name="텍스트 개체 틀 2">
             <a:extLst>
               <a:ext uri="{FF2B5EF4-FFF2-40B4-BE49-F238E27FC236}">
-                <a16:creationId xmlns:a16="http://schemas.microsoft.com/office/drawing/2014/main" xmlns="" id="{CCA34DB5-2DBE-4BFB-B2F9-6059BA59D730}"/>
+                <a16:creationId xmlns="" xmlns:a16="http://schemas.microsoft.com/office/drawing/2014/main" id="{CCA34DB5-2DBE-4BFB-B2F9-6059BA59D730}"/>
               </a:ext>
             </a:extLst>
           </p:cNvPr>
@@ -7816,7 +7864,7 @@
           <p:cNvPr id="18" name="그림 17">
             <a:extLst>
               <a:ext uri="{FF2B5EF4-FFF2-40B4-BE49-F238E27FC236}">
-                <a16:creationId xmlns:a16="http://schemas.microsoft.com/office/drawing/2014/main" xmlns="" id="{CB35D70A-25EC-4D6B-93D3-115A53D33F3D}"/>
+                <a16:creationId xmlns="" xmlns:a16="http://schemas.microsoft.com/office/drawing/2014/main" id="{CB35D70A-25EC-4D6B-93D3-115A53D33F3D}"/>
               </a:ext>
             </a:extLst>
           </p:cNvPr>
@@ -7876,7 +7924,7 @@
           <p:cNvPr id="2" name="제목 1">
             <a:extLst>
               <a:ext uri="{FF2B5EF4-FFF2-40B4-BE49-F238E27FC236}">
-                <a16:creationId xmlns:a16="http://schemas.microsoft.com/office/drawing/2014/main" xmlns="" id="{F33065C2-2C39-479C-90DD-25BF1F51C095}"/>
+                <a16:creationId xmlns="" xmlns:a16="http://schemas.microsoft.com/office/drawing/2014/main" id="{F33065C2-2C39-479C-90DD-25BF1F51C095}"/>
               </a:ext>
             </a:extLst>
           </p:cNvPr>
@@ -7904,7 +7952,7 @@
           <p:cNvPr id="5" name="그림 4">
             <a:extLst>
               <a:ext uri="{FF2B5EF4-FFF2-40B4-BE49-F238E27FC236}">
-                <a16:creationId xmlns:a16="http://schemas.microsoft.com/office/drawing/2014/main" xmlns="" id="{546D8AF1-7F9C-489F-92EE-1B05EC3DCEC5}"/>
+                <a16:creationId xmlns="" xmlns:a16="http://schemas.microsoft.com/office/drawing/2014/main" id="{546D8AF1-7F9C-489F-92EE-1B05EC3DCEC5}"/>
               </a:ext>
             </a:extLst>
           </p:cNvPr>
@@ -7934,7 +7982,7 @@
           <p:cNvPr id="10" name="순서도: 연결자 9">
             <a:extLst>
               <a:ext uri="{FF2B5EF4-FFF2-40B4-BE49-F238E27FC236}">
-                <a16:creationId xmlns:a16="http://schemas.microsoft.com/office/drawing/2014/main" xmlns="" id="{6168439A-90E9-475E-B396-D68764698F8C}"/>
+                <a16:creationId xmlns="" xmlns:a16="http://schemas.microsoft.com/office/drawing/2014/main" id="{6168439A-90E9-475E-B396-D68764698F8C}"/>
               </a:ext>
             </a:extLst>
           </p:cNvPr>
@@ -7987,7 +8035,7 @@
           <p:cNvPr id="11" name="순서도: 연결자 10">
             <a:extLst>
               <a:ext uri="{FF2B5EF4-FFF2-40B4-BE49-F238E27FC236}">
-                <a16:creationId xmlns:a16="http://schemas.microsoft.com/office/drawing/2014/main" xmlns="" id="{3DE847BB-8416-4EB1-A51C-BC9C1951DA23}"/>
+                <a16:creationId xmlns="" xmlns:a16="http://schemas.microsoft.com/office/drawing/2014/main" id="{3DE847BB-8416-4EB1-A51C-BC9C1951DA23}"/>
               </a:ext>
             </a:extLst>
           </p:cNvPr>
@@ -8040,7 +8088,7 @@
           <p:cNvPr id="12" name="순서도: 연결자 11">
             <a:extLst>
               <a:ext uri="{FF2B5EF4-FFF2-40B4-BE49-F238E27FC236}">
-                <a16:creationId xmlns:a16="http://schemas.microsoft.com/office/drawing/2014/main" xmlns="" id="{A405BE6D-1190-4040-8422-9841374BBA8A}"/>
+                <a16:creationId xmlns="" xmlns:a16="http://schemas.microsoft.com/office/drawing/2014/main" id="{A405BE6D-1190-4040-8422-9841374BBA8A}"/>
               </a:ext>
             </a:extLst>
           </p:cNvPr>
@@ -8093,7 +8141,7 @@
           <p:cNvPr id="13" name="순서도: 연결자 12">
             <a:extLst>
               <a:ext uri="{FF2B5EF4-FFF2-40B4-BE49-F238E27FC236}">
-                <a16:creationId xmlns:a16="http://schemas.microsoft.com/office/drawing/2014/main" xmlns="" id="{A3B58A2D-0133-4EA9-B17F-9399E7AA0BE4}"/>
+                <a16:creationId xmlns="" xmlns:a16="http://schemas.microsoft.com/office/drawing/2014/main" id="{A3B58A2D-0133-4EA9-B17F-9399E7AA0BE4}"/>
               </a:ext>
             </a:extLst>
           </p:cNvPr>
@@ -8146,7 +8194,7 @@
           <p:cNvPr id="14" name="순서도: 연결자 13">
             <a:extLst>
               <a:ext uri="{FF2B5EF4-FFF2-40B4-BE49-F238E27FC236}">
-                <a16:creationId xmlns:a16="http://schemas.microsoft.com/office/drawing/2014/main" xmlns="" id="{ACA524FF-2857-4F02-8F7B-130EBE7CCA55}"/>
+                <a16:creationId xmlns="" xmlns:a16="http://schemas.microsoft.com/office/drawing/2014/main" id="{ACA524FF-2857-4F02-8F7B-130EBE7CCA55}"/>
               </a:ext>
             </a:extLst>
           </p:cNvPr>
@@ -8199,7 +8247,7 @@
           <p:cNvPr id="15" name="순서도: 연결자 14">
             <a:extLst>
               <a:ext uri="{FF2B5EF4-FFF2-40B4-BE49-F238E27FC236}">
-                <a16:creationId xmlns:a16="http://schemas.microsoft.com/office/drawing/2014/main" xmlns="" id="{AE79903B-9E4E-40DC-85E9-FB29BBAF7121}"/>
+                <a16:creationId xmlns="" xmlns:a16="http://schemas.microsoft.com/office/drawing/2014/main" id="{AE79903B-9E4E-40DC-85E9-FB29BBAF7121}"/>
               </a:ext>
             </a:extLst>
           </p:cNvPr>
@@ -8252,7 +8300,7 @@
           <p:cNvPr id="16" name="텍스트 개체 틀 2">
             <a:extLst>
               <a:ext uri="{FF2B5EF4-FFF2-40B4-BE49-F238E27FC236}">
-                <a16:creationId xmlns:a16="http://schemas.microsoft.com/office/drawing/2014/main" xmlns="" id="{4B152EA8-C8AF-4AA8-8EE6-9F49786D9B4B}"/>
+                <a16:creationId xmlns="" xmlns:a16="http://schemas.microsoft.com/office/drawing/2014/main" id="{4B152EA8-C8AF-4AA8-8EE6-9F49786D9B4B}"/>
               </a:ext>
             </a:extLst>
           </p:cNvPr>
@@ -8343,7 +8391,7 @@
           <p:cNvPr id="2" name="제목 1">
             <a:extLst>
               <a:ext uri="{FF2B5EF4-FFF2-40B4-BE49-F238E27FC236}">
-                <a16:creationId xmlns:a16="http://schemas.microsoft.com/office/drawing/2014/main" xmlns="" id="{B8C21604-0C89-4597-AA34-B1036F3887D4}"/>
+                <a16:creationId xmlns="" xmlns:a16="http://schemas.microsoft.com/office/drawing/2014/main" id="{B8C21604-0C89-4597-AA34-B1036F3887D4}"/>
               </a:ext>
             </a:extLst>
           </p:cNvPr>
@@ -8371,7 +8419,7 @@
           <p:cNvPr id="7" name="그림 6">
             <a:extLst>
               <a:ext uri="{FF2B5EF4-FFF2-40B4-BE49-F238E27FC236}">
-                <a16:creationId xmlns:a16="http://schemas.microsoft.com/office/drawing/2014/main" xmlns="" id="{B7132451-88F5-4375-A80E-ED561B64C793}"/>
+                <a16:creationId xmlns="" xmlns:a16="http://schemas.microsoft.com/office/drawing/2014/main" id="{B7132451-88F5-4375-A80E-ED561B64C793}"/>
               </a:ext>
             </a:extLst>
           </p:cNvPr>
@@ -8401,7 +8449,7 @@
           <p:cNvPr id="5" name="그림 4">
             <a:extLst>
               <a:ext uri="{FF2B5EF4-FFF2-40B4-BE49-F238E27FC236}">
-                <a16:creationId xmlns:a16="http://schemas.microsoft.com/office/drawing/2014/main" xmlns="" id="{67498541-AAA2-4F72-848D-06BBD933880D}"/>
+                <a16:creationId xmlns="" xmlns:a16="http://schemas.microsoft.com/office/drawing/2014/main" id="{67498541-AAA2-4F72-848D-06BBD933880D}"/>
               </a:ext>
             </a:extLst>
           </p:cNvPr>
@@ -8431,7 +8479,7 @@
           <p:cNvPr id="9" name="순서도: 연결자 8">
             <a:extLst>
               <a:ext uri="{FF2B5EF4-FFF2-40B4-BE49-F238E27FC236}">
-                <a16:creationId xmlns:a16="http://schemas.microsoft.com/office/drawing/2014/main" xmlns="" id="{872563E9-ADAC-40DA-BAB1-4FBE1DBDDFAD}"/>
+                <a16:creationId xmlns="" xmlns:a16="http://schemas.microsoft.com/office/drawing/2014/main" id="{872563E9-ADAC-40DA-BAB1-4FBE1DBDDFAD}"/>
               </a:ext>
             </a:extLst>
           </p:cNvPr>
@@ -8484,7 +8532,7 @@
           <p:cNvPr id="10" name="순서도: 연결자 9">
             <a:extLst>
               <a:ext uri="{FF2B5EF4-FFF2-40B4-BE49-F238E27FC236}">
-                <a16:creationId xmlns:a16="http://schemas.microsoft.com/office/drawing/2014/main" xmlns="" id="{9461BFC5-912E-40B7-9F41-737F3D7770BE}"/>
+                <a16:creationId xmlns="" xmlns:a16="http://schemas.microsoft.com/office/drawing/2014/main" id="{9461BFC5-912E-40B7-9F41-737F3D7770BE}"/>
               </a:ext>
             </a:extLst>
           </p:cNvPr>
@@ -8537,7 +8585,7 @@
           <p:cNvPr id="14" name="텍스트 개체 틀 2">
             <a:extLst>
               <a:ext uri="{FF2B5EF4-FFF2-40B4-BE49-F238E27FC236}">
-                <a16:creationId xmlns:a16="http://schemas.microsoft.com/office/drawing/2014/main" xmlns="" id="{B7EDE290-1E4D-411A-8C3A-1668B3DCF240}"/>
+                <a16:creationId xmlns="" xmlns:a16="http://schemas.microsoft.com/office/drawing/2014/main" id="{B7EDE290-1E4D-411A-8C3A-1668B3DCF240}"/>
               </a:ext>
             </a:extLst>
           </p:cNvPr>
@@ -8648,7 +8696,7 @@
           <p:cNvPr id="2" name="제목 1">
             <a:extLst>
               <a:ext uri="{FF2B5EF4-FFF2-40B4-BE49-F238E27FC236}">
-                <a16:creationId xmlns:a16="http://schemas.microsoft.com/office/drawing/2014/main" xmlns="" id="{89796A6F-C947-4A64-8183-2BC5BEF14D1D}"/>
+                <a16:creationId xmlns="" xmlns:a16="http://schemas.microsoft.com/office/drawing/2014/main" id="{89796A6F-C947-4A64-8183-2BC5BEF14D1D}"/>
               </a:ext>
             </a:extLst>
           </p:cNvPr>
@@ -8676,7 +8724,7 @@
           <p:cNvPr id="5" name="그림 4">
             <a:extLst>
               <a:ext uri="{FF2B5EF4-FFF2-40B4-BE49-F238E27FC236}">
-                <a16:creationId xmlns:a16="http://schemas.microsoft.com/office/drawing/2014/main" xmlns="" id="{2EFF57D1-F584-4C84-8136-514092AD6494}"/>
+                <a16:creationId xmlns="" xmlns:a16="http://schemas.microsoft.com/office/drawing/2014/main" id="{2EFF57D1-F584-4C84-8136-514092AD6494}"/>
               </a:ext>
             </a:extLst>
           </p:cNvPr>
@@ -8706,7 +8754,7 @@
           <p:cNvPr id="11" name="텍스트 개체 틀 2">
             <a:extLst>
               <a:ext uri="{FF2B5EF4-FFF2-40B4-BE49-F238E27FC236}">
-                <a16:creationId xmlns:a16="http://schemas.microsoft.com/office/drawing/2014/main" xmlns="" id="{83C1248A-7127-4EE5-A98C-D37750A4202B}"/>
+                <a16:creationId xmlns="" xmlns:a16="http://schemas.microsoft.com/office/drawing/2014/main" id="{83C1248A-7127-4EE5-A98C-D37750A4202B}"/>
               </a:ext>
             </a:extLst>
           </p:cNvPr>
@@ -9126,7 +9174,7 @@
           <p:cNvPr id="2" name="제목 1">
             <a:extLst>
               <a:ext uri="{FF2B5EF4-FFF2-40B4-BE49-F238E27FC236}">
-                <a16:creationId xmlns:a16="http://schemas.microsoft.com/office/drawing/2014/main" xmlns="" id="{5B280C3E-2AAB-42D1-8BCD-60E4ACEAD2AB}"/>
+                <a16:creationId xmlns="" xmlns:a16="http://schemas.microsoft.com/office/drawing/2014/main" id="{5B280C3E-2AAB-42D1-8BCD-60E4ACEAD2AB}"/>
               </a:ext>
             </a:extLst>
           </p:cNvPr>
@@ -9159,7 +9207,7 @@
           <p:cNvPr id="5" name="그림 4">
             <a:extLst>
               <a:ext uri="{FF2B5EF4-FFF2-40B4-BE49-F238E27FC236}">
-                <a16:creationId xmlns:a16="http://schemas.microsoft.com/office/drawing/2014/main" xmlns="" id="{6C453F45-8733-400D-9E79-5FB14F0CC955}"/>
+                <a16:creationId xmlns="" xmlns:a16="http://schemas.microsoft.com/office/drawing/2014/main" id="{6C453F45-8733-400D-9E79-5FB14F0CC955}"/>
               </a:ext>
             </a:extLst>
           </p:cNvPr>
@@ -9189,7 +9237,7 @@
           <p:cNvPr id="8" name="텍스트 개체 틀 2">
             <a:extLst>
               <a:ext uri="{FF2B5EF4-FFF2-40B4-BE49-F238E27FC236}">
-                <a16:creationId xmlns:a16="http://schemas.microsoft.com/office/drawing/2014/main" xmlns="" id="{E14A1B88-5FCF-42DF-AD5B-B92A0FC1DF7B}"/>
+                <a16:creationId xmlns="" xmlns:a16="http://schemas.microsoft.com/office/drawing/2014/main" id="{E14A1B88-5FCF-42DF-AD5B-B92A0FC1DF7B}"/>
               </a:ext>
             </a:extLst>
           </p:cNvPr>
@@ -9306,7 +9354,7 @@
           <p:cNvPr id="2" name="제목 1">
             <a:extLst>
               <a:ext uri="{FF2B5EF4-FFF2-40B4-BE49-F238E27FC236}">
-                <a16:creationId xmlns:a16="http://schemas.microsoft.com/office/drawing/2014/main" xmlns="" id="{267F36B7-AC36-439D-A7B5-165220856369}"/>
+                <a16:creationId xmlns="" xmlns:a16="http://schemas.microsoft.com/office/drawing/2014/main" id="{267F36B7-AC36-439D-A7B5-165220856369}"/>
               </a:ext>
             </a:extLst>
           </p:cNvPr>
@@ -9338,7 +9386,7 @@
           <p:cNvPr id="5" name="그림 4">
             <a:extLst>
               <a:ext uri="{FF2B5EF4-FFF2-40B4-BE49-F238E27FC236}">
-                <a16:creationId xmlns:a16="http://schemas.microsoft.com/office/drawing/2014/main" xmlns="" id="{00B25D7C-0E7C-482B-A4FF-12F2EE91DB39}"/>
+                <a16:creationId xmlns="" xmlns:a16="http://schemas.microsoft.com/office/drawing/2014/main" id="{00B25D7C-0E7C-482B-A4FF-12F2EE91DB39}"/>
               </a:ext>
             </a:extLst>
           </p:cNvPr>
@@ -9368,7 +9416,7 @@
           <p:cNvPr id="6" name="텍스트 개체 틀 2">
             <a:extLst>
               <a:ext uri="{FF2B5EF4-FFF2-40B4-BE49-F238E27FC236}">
-                <a16:creationId xmlns:a16="http://schemas.microsoft.com/office/drawing/2014/main" xmlns="" id="{0313ACD3-B8BC-4DF4-9758-0CD791594910}"/>
+                <a16:creationId xmlns="" xmlns:a16="http://schemas.microsoft.com/office/drawing/2014/main" id="{0313ACD3-B8BC-4DF4-9758-0CD791594910}"/>
               </a:ext>
             </a:extLst>
           </p:cNvPr>
@@ -9561,7 +9609,7 @@
           <p:cNvPr id="2" name="제목 1">
             <a:extLst>
               <a:ext uri="{FF2B5EF4-FFF2-40B4-BE49-F238E27FC236}">
-                <a16:creationId xmlns:a16="http://schemas.microsoft.com/office/drawing/2014/main" xmlns="" id="{21F1613A-904A-4305-95A6-AEA9393517D9}"/>
+                <a16:creationId xmlns="" xmlns:a16="http://schemas.microsoft.com/office/drawing/2014/main" id="{21F1613A-904A-4305-95A6-AEA9393517D9}"/>
               </a:ext>
             </a:extLst>
           </p:cNvPr>
@@ -9594,7 +9642,7 @@
           <p:cNvPr id="5" name="그림 4">
             <a:extLst>
               <a:ext uri="{FF2B5EF4-FFF2-40B4-BE49-F238E27FC236}">
-                <a16:creationId xmlns:a16="http://schemas.microsoft.com/office/drawing/2014/main" xmlns="" id="{0670F964-A544-405F-9E3A-F7D8A6A42B0D}"/>
+                <a16:creationId xmlns="" xmlns:a16="http://schemas.microsoft.com/office/drawing/2014/main" id="{0670F964-A544-405F-9E3A-F7D8A6A42B0D}"/>
               </a:ext>
             </a:extLst>
           </p:cNvPr>
@@ -9624,7 +9672,7 @@
           <p:cNvPr id="6" name="텍스트 개체 틀 2">
             <a:extLst>
               <a:ext uri="{FF2B5EF4-FFF2-40B4-BE49-F238E27FC236}">
-                <a16:creationId xmlns:a16="http://schemas.microsoft.com/office/drawing/2014/main" xmlns="" id="{86D19284-A7D4-4E73-99CD-875532A34645}"/>
+                <a16:creationId xmlns="" xmlns:a16="http://schemas.microsoft.com/office/drawing/2014/main" id="{86D19284-A7D4-4E73-99CD-875532A34645}"/>
               </a:ext>
             </a:extLst>
           </p:cNvPr>
@@ -9803,7 +9851,7 @@
           <p:cNvPr id="2" name="제목 1">
             <a:extLst>
               <a:ext uri="{FF2B5EF4-FFF2-40B4-BE49-F238E27FC236}">
-                <a16:creationId xmlns:a16="http://schemas.microsoft.com/office/drawing/2014/main" xmlns="" id="{03C71206-850F-4394-862A-26519730AE1D}"/>
+                <a16:creationId xmlns="" xmlns:a16="http://schemas.microsoft.com/office/drawing/2014/main" id="{03C71206-850F-4394-862A-26519730AE1D}"/>
               </a:ext>
             </a:extLst>
           </p:cNvPr>
@@ -9836,7 +9884,7 @@
           <p:cNvPr id="5" name="그림 4">
             <a:extLst>
               <a:ext uri="{FF2B5EF4-FFF2-40B4-BE49-F238E27FC236}">
-                <a16:creationId xmlns:a16="http://schemas.microsoft.com/office/drawing/2014/main" xmlns="" id="{1183C6B4-1C25-4222-B69B-541EC4EEED41}"/>
+                <a16:creationId xmlns="" xmlns:a16="http://schemas.microsoft.com/office/drawing/2014/main" id="{1183C6B4-1C25-4222-B69B-541EC4EEED41}"/>
               </a:ext>
             </a:extLst>
           </p:cNvPr>
@@ -9866,7 +9914,7 @@
           <p:cNvPr id="6" name="텍스트 개체 틀 2">
             <a:extLst>
               <a:ext uri="{FF2B5EF4-FFF2-40B4-BE49-F238E27FC236}">
-                <a16:creationId xmlns:a16="http://schemas.microsoft.com/office/drawing/2014/main" xmlns="" id="{5532DBA0-A376-4BC1-9645-3E225536B6CF}"/>
+                <a16:creationId xmlns="" xmlns:a16="http://schemas.microsoft.com/office/drawing/2014/main" id="{5532DBA0-A376-4BC1-9645-3E225536B6CF}"/>
               </a:ext>
             </a:extLst>
           </p:cNvPr>
@@ -10045,7 +10093,7 @@
           <p:cNvPr id="2" name="제목 1">
             <a:extLst>
               <a:ext uri="{FF2B5EF4-FFF2-40B4-BE49-F238E27FC236}">
-                <a16:creationId xmlns:a16="http://schemas.microsoft.com/office/drawing/2014/main" xmlns="" id="{5C47CB45-705A-4EA5-995E-0C3EA1533542}"/>
+                <a16:creationId xmlns="" xmlns:a16="http://schemas.microsoft.com/office/drawing/2014/main" id="{5C47CB45-705A-4EA5-995E-0C3EA1533542}"/>
               </a:ext>
             </a:extLst>
           </p:cNvPr>
@@ -10078,7 +10126,7 @@
           <p:cNvPr id="5" name="그림 4">
             <a:extLst>
               <a:ext uri="{FF2B5EF4-FFF2-40B4-BE49-F238E27FC236}">
-                <a16:creationId xmlns:a16="http://schemas.microsoft.com/office/drawing/2014/main" xmlns="" id="{3B92F080-CDDC-40B3-96B7-77EDEFCDC1EA}"/>
+                <a16:creationId xmlns="" xmlns:a16="http://schemas.microsoft.com/office/drawing/2014/main" id="{3B92F080-CDDC-40B3-96B7-77EDEFCDC1EA}"/>
               </a:ext>
             </a:extLst>
           </p:cNvPr>
@@ -10108,7 +10156,7 @@
           <p:cNvPr id="6" name="텍스트 개체 틀 2">
             <a:extLst>
               <a:ext uri="{FF2B5EF4-FFF2-40B4-BE49-F238E27FC236}">
-                <a16:creationId xmlns:a16="http://schemas.microsoft.com/office/drawing/2014/main" xmlns="" id="{93C3C7FB-1951-4584-839F-143B43E323B4}"/>
+                <a16:creationId xmlns="" xmlns:a16="http://schemas.microsoft.com/office/drawing/2014/main" id="{93C3C7FB-1951-4584-839F-143B43E323B4}"/>
               </a:ext>
             </a:extLst>
           </p:cNvPr>
@@ -11335,29 +11383,33 @@
 
 <file path=customXml/item1.xml><?xml version="1.0" encoding="utf-8"?>
 <p4ppTags>
+  <Name>Title fullscreen (big bar down)</Name>
+  <PpLayout>1</PpLayout>
+  <Index>3</Index>
+</p4ppTags>
+</file>
+
+<file path=customXml/item2.xml><?xml version="1.0" encoding="utf-8"?>
+<p4ppTags>
   <Name>Chapter title (big bar down)</Name>
   <PpLayout>1</PpLayout>
   <Index>5</Index>
 </p4ppTags>
 </file>
 
-<file path=customXml/item2.xml><?xml version="1.0" encoding="utf-8"?>
-<p4ppTags>
-  <Name>Title fullscreen (big bar down)</Name>
-  <PpLayout>1</PpLayout>
-  <Index>3</Index>
-</p4ppTags>
-</file>
-
 <file path=customXml/item3.xml><?xml version="1.0" encoding="utf-8"?>
 <p4ppTags>
-  <Name>Chapter title (big bar up)</Name>
+  <Name>Title fullscreen (big bar up)</Name>
   <PpLayout>1</PpLayout>
-  <Index>6</Index>
+  <Index>4</Index>
 </p4ppTags>
 </file>
 
 <file path=customXml/item4.xml><?xml version="1.0" encoding="utf-8"?>
+<p4ppTags/>
+</file>
+
+<file path=customXml/item5.xml><?xml version="1.0" encoding="utf-8"?>
 <p4ppTags>
   <Name>Title (big bar down)</Name>
   <PpLayout>1</PpLayout>
@@ -11365,15 +11417,11 @@
 </p4ppTags>
 </file>
 
-<file path=customXml/item5.xml><?xml version="1.0" encoding="utf-8"?>
-<p4ppTags/>
-</file>
-
 <file path=customXml/item6.xml><?xml version="1.0" encoding="utf-8"?>
 <p4ppTags>
-  <Name>Title fullscreen (big bar up)</Name>
+  <Name>Chapter title (big bar up)</Name>
   <PpLayout>1</PpLayout>
-  <Index>4</Index>
+  <Index>6</Index>
 </p4ppTags>
 </file>
 
@@ -11386,37 +11434,37 @@
 </file>
 
 <file path=customXml/itemProps1.xml><?xml version="1.0" encoding="utf-8"?>
+<ds:datastoreItem xmlns:ds="http://schemas.openxmlformats.org/officeDocument/2006/customXml" ds:itemID="{3C3C200F-7A0F-43B4-89A2-7EAC51E146B8}">
+  <ds:schemaRefs/>
+</ds:datastoreItem>
+</file>
+
+<file path=customXml/itemProps2.xml><?xml version="1.0" encoding="utf-8"?>
 <ds:datastoreItem xmlns:ds="http://schemas.openxmlformats.org/officeDocument/2006/customXml" ds:itemID="{B842808A-63C4-4809-A3FE-CB9BAEDB5518}">
   <ds:schemaRefs/>
 </ds:datastoreItem>
 </file>
 
-<file path=customXml/itemProps2.xml><?xml version="1.0" encoding="utf-8"?>
-<ds:datastoreItem xmlns:ds="http://schemas.openxmlformats.org/officeDocument/2006/customXml" ds:itemID="{3C3C200F-7A0F-43B4-89A2-7EAC51E146B8}">
-  <ds:schemaRefs/>
-</ds:datastoreItem>
-</file>
-
 <file path=customXml/itemProps3.xml><?xml version="1.0" encoding="utf-8"?>
-<ds:datastoreItem xmlns:ds="http://schemas.openxmlformats.org/officeDocument/2006/customXml" ds:itemID="{EFCAE600-FA5F-4AE5-B732-F9AB03D51820}">
+<ds:datastoreItem xmlns:ds="http://schemas.openxmlformats.org/officeDocument/2006/customXml" ds:itemID="{B3B1D281-6C65-4D54-B219-770FC4DAB8FD}">
   <ds:schemaRefs/>
 </ds:datastoreItem>
 </file>
 
 <file path=customXml/itemProps4.xml><?xml version="1.0" encoding="utf-8"?>
+<ds:datastoreItem xmlns:ds="http://schemas.openxmlformats.org/officeDocument/2006/customXml" ds:itemID="{EB8A4E2E-2B8F-4B71-A368-F18362B0C85F}">
+  <ds:schemaRefs/>
+</ds:datastoreItem>
+</file>
+
+<file path=customXml/itemProps5.xml><?xml version="1.0" encoding="utf-8"?>
 <ds:datastoreItem xmlns:ds="http://schemas.openxmlformats.org/officeDocument/2006/customXml" ds:itemID="{A5111100-98EE-4A20-AE7B-BF136EFD1435}">
   <ds:schemaRefs/>
 </ds:datastoreItem>
 </file>
 
-<file path=customXml/itemProps5.xml><?xml version="1.0" encoding="utf-8"?>
-<ds:datastoreItem xmlns:ds="http://schemas.openxmlformats.org/officeDocument/2006/customXml" ds:itemID="{EB8A4E2E-2B8F-4B71-A368-F18362B0C85F}">
-  <ds:schemaRefs/>
-</ds:datastoreItem>
-</file>
-
 <file path=customXml/itemProps6.xml><?xml version="1.0" encoding="utf-8"?>
-<ds:datastoreItem xmlns:ds="http://schemas.openxmlformats.org/officeDocument/2006/customXml" ds:itemID="{B3B1D281-6C65-4D54-B219-770FC4DAB8FD}">
+<ds:datastoreItem xmlns:ds="http://schemas.openxmlformats.org/officeDocument/2006/customXml" ds:itemID="{EFCAE600-FA5F-4AE5-B732-F9AB03D51820}">
   <ds:schemaRefs/>
 </ds:datastoreItem>
 </file>

--- a/documents/React_FTP_화면설계서.pptx
+++ b/documents/React_FTP_화면설계서.pptx
@@ -1319,7 +1319,7 @@
           <p:cNvPr id="2" name="제목 1">
             <a:extLst>
               <a:ext uri="{FF2B5EF4-FFF2-40B4-BE49-F238E27FC236}">
-                <a16:creationId xmlns:a16="http://schemas.microsoft.com/office/drawing/2014/main" xmlns="" id="{762B5D8A-DF49-4468-821F-C0B5E4ACA993}"/>
+                <a16:creationId xmlns:a16="http://schemas.microsoft.com/office/drawing/2014/main" id="{762B5D8A-DF49-4468-821F-C0B5E4ACA993}"/>
               </a:ext>
             </a:extLst>
           </p:cNvPr>
@@ -1347,7 +1347,7 @@
           <p:cNvPr id="3" name="텍스트 개체 틀 2">
             <a:extLst>
               <a:ext uri="{FF2B5EF4-FFF2-40B4-BE49-F238E27FC236}">
-                <a16:creationId xmlns:a16="http://schemas.microsoft.com/office/drawing/2014/main" xmlns="" id="{62C7F23F-76FC-401D-9805-2C94A67FDF5F}"/>
+                <a16:creationId xmlns:a16="http://schemas.microsoft.com/office/drawing/2014/main" id="{62C7F23F-76FC-401D-9805-2C94A67FDF5F}"/>
               </a:ext>
             </a:extLst>
           </p:cNvPr>
@@ -1454,14 +1454,14 @@
                 <a:gridCol w="5972175">
                   <a:extLst>
                     <a:ext uri="{9D8B030D-6E8A-4147-A177-3AD203B41FA5}">
-                      <a16:colId xmlns:a16="http://schemas.microsoft.com/office/drawing/2014/main" xmlns="" val="20000"/>
+                      <a16:colId xmlns:a16="http://schemas.microsoft.com/office/drawing/2014/main" val="20000"/>
                     </a:ext>
                   </a:extLst>
                 </a:gridCol>
                 <a:gridCol w="2670175">
                   <a:extLst>
                     <a:ext uri="{9D8B030D-6E8A-4147-A177-3AD203B41FA5}">
-                      <a16:colId xmlns:a16="http://schemas.microsoft.com/office/drawing/2014/main" xmlns="" val="20001"/>
+                      <a16:colId xmlns:a16="http://schemas.microsoft.com/office/drawing/2014/main" val="20001"/>
                     </a:ext>
                   </a:extLst>
                 </a:gridCol>
@@ -1603,7 +1603,7 @@
                 </a:tc>
                 <a:extLst>
                   <a:ext uri="{0D108BD9-81ED-4DB2-BD59-A6C34878D82A}">
-                    <a16:rowId xmlns:a16="http://schemas.microsoft.com/office/drawing/2014/main" xmlns="" val="10000"/>
+                    <a16:rowId xmlns:a16="http://schemas.microsoft.com/office/drawing/2014/main" val="10000"/>
                   </a:ext>
                 </a:extLst>
               </a:tr>
@@ -1726,7 +1726,7 @@
                 </a:tc>
                 <a:extLst>
                   <a:ext uri="{0D108BD9-81ED-4DB2-BD59-A6C34878D82A}">
-                    <a16:rowId xmlns:a16="http://schemas.microsoft.com/office/drawing/2014/main" xmlns="" val="10001"/>
+                    <a16:rowId xmlns:a16="http://schemas.microsoft.com/office/drawing/2014/main" val="10001"/>
                   </a:ext>
                 </a:extLst>
               </a:tr>
@@ -3105,7 +3105,7 @@
           <p:cNvPr id="36" name="cdtPicture 10 Id11">
             <a:extLst>
               <a:ext uri="{FF2B5EF4-FFF2-40B4-BE49-F238E27FC236}">
-                <a16:creationId xmlns:a16="http://schemas.microsoft.com/office/drawing/2014/main" xmlns="" id="{D1FABDAD-B259-4985-9510-7D97531DFC09}"/>
+                <a16:creationId xmlns:a16="http://schemas.microsoft.com/office/drawing/2014/main" id="{D1FABDAD-B259-4985-9510-7D97531DFC09}"/>
               </a:ext>
             </a:extLst>
           </p:cNvPr>
@@ -3139,7 +3139,7 @@
           <p:cNvPr id="42" name="cdtTextBox 12 Id13">
             <a:extLst>
               <a:ext uri="{FF2B5EF4-FFF2-40B4-BE49-F238E27FC236}">
-                <a16:creationId xmlns:a16="http://schemas.microsoft.com/office/drawing/2014/main" xmlns="" id="{D15DEFC4-A2DB-4155-94E2-F28944F8C7CB}"/>
+                <a16:creationId xmlns:a16="http://schemas.microsoft.com/office/drawing/2014/main" id="{D15DEFC4-A2DB-4155-94E2-F28944F8C7CB}"/>
               </a:ext>
             </a:extLst>
           </p:cNvPr>
@@ -3197,7 +3197,7 @@
           <p:cNvPr id="43" name="cdtTextBox 11 Id12">
             <a:extLst>
               <a:ext uri="{FF2B5EF4-FFF2-40B4-BE49-F238E27FC236}">
-                <a16:creationId xmlns:a16="http://schemas.microsoft.com/office/drawing/2014/main" xmlns="" id="{81ACEC07-D7AF-4275-9F71-CEFEC474269C}"/>
+                <a16:creationId xmlns:a16="http://schemas.microsoft.com/office/drawing/2014/main" id="{81ACEC07-D7AF-4275-9F71-CEFEC474269C}"/>
               </a:ext>
             </a:extLst>
           </p:cNvPr>
@@ -3269,7 +3269,7 @@
           <p:cNvPr id="44" name="cdtTextBox 13 Id14">
             <a:extLst>
               <a:ext uri="{FF2B5EF4-FFF2-40B4-BE49-F238E27FC236}">
-                <a16:creationId xmlns:a16="http://schemas.microsoft.com/office/drawing/2014/main" xmlns="" id="{D889A85A-BD9F-406F-A9F9-F06ABABCE172}"/>
+                <a16:creationId xmlns:a16="http://schemas.microsoft.com/office/drawing/2014/main" id="{D889A85A-BD9F-406F-A9F9-F06ABABCE172}"/>
               </a:ext>
             </a:extLst>
           </p:cNvPr>
@@ -3320,7 +3320,7 @@
           <p:cNvPr id="45" name="직사각형 44">
             <a:extLst>
               <a:ext uri="{FF2B5EF4-FFF2-40B4-BE49-F238E27FC236}">
-                <a16:creationId xmlns:a16="http://schemas.microsoft.com/office/drawing/2014/main" xmlns="" id="{F345304B-53CB-4870-A4EE-9300E34E77F6}"/>
+                <a16:creationId xmlns:a16="http://schemas.microsoft.com/office/drawing/2014/main" id="{F345304B-53CB-4870-A4EE-9300E34E77F6}"/>
               </a:ext>
             </a:extLst>
           </p:cNvPr>
@@ -3375,7 +3375,7 @@
           <p:cNvPr id="46" name="그림 45">
             <a:extLst>
               <a:ext uri="{FF2B5EF4-FFF2-40B4-BE49-F238E27FC236}">
-                <a16:creationId xmlns:a16="http://schemas.microsoft.com/office/drawing/2014/main" xmlns="" id="{0542956A-9451-4BCA-BD2C-6844B3675E1A}"/>
+                <a16:creationId xmlns:a16="http://schemas.microsoft.com/office/drawing/2014/main" id="{0542956A-9451-4BCA-BD2C-6844B3675E1A}"/>
               </a:ext>
             </a:extLst>
           </p:cNvPr>
@@ -3942,16 +3942,6 @@
               </a:rPr>
               <a:t>화면설계서</a:t>
             </a:r>
-            <a:r>
-              <a:rPr lang="en-US" altLang="ko-KR" sz="1000" b="0" strike="noStrike" cap="none" dirty="0">
-                <a:solidFill>
-                  <a:srgbClr val="FFFFFF"/>
-                </a:solidFill>
-                <a:latin typeface="Arial" charset="0"/>
-                <a:ea typeface="Arial" charset="0"/>
-              </a:rPr>
-              <a:t/>
-            </a:r>
             <a:br>
               <a:rPr lang="en-US" altLang="ko-KR" sz="1000" b="0" strike="noStrike" cap="none" dirty="0">
                 <a:solidFill>
@@ -4024,7 +4014,7 @@
           <p:cNvPr id="2" name="제목 1">
             <a:extLst>
               <a:ext uri="{FF2B5EF4-FFF2-40B4-BE49-F238E27FC236}">
-                <a16:creationId xmlns:a16="http://schemas.microsoft.com/office/drawing/2014/main" xmlns="" id="{5DD2DB19-3D36-4B7F-BA0A-E14876695B67}"/>
+                <a16:creationId xmlns:a16="http://schemas.microsoft.com/office/drawing/2014/main" id="{5DD2DB19-3D36-4B7F-BA0A-E14876695B67}"/>
               </a:ext>
             </a:extLst>
           </p:cNvPr>
@@ -4052,7 +4042,7 @@
           <p:cNvPr id="5" name="그림 4">
             <a:extLst>
               <a:ext uri="{FF2B5EF4-FFF2-40B4-BE49-F238E27FC236}">
-                <a16:creationId xmlns:a16="http://schemas.microsoft.com/office/drawing/2014/main" xmlns="" id="{A0A2F071-8E36-4478-B3DB-1D509837AC09}"/>
+                <a16:creationId xmlns:a16="http://schemas.microsoft.com/office/drawing/2014/main" id="{A0A2F071-8E36-4478-B3DB-1D509837AC09}"/>
               </a:ext>
             </a:extLst>
           </p:cNvPr>
@@ -4082,7 +4072,7 @@
           <p:cNvPr id="7" name="그림 6">
             <a:extLst>
               <a:ext uri="{FF2B5EF4-FFF2-40B4-BE49-F238E27FC236}">
-                <a16:creationId xmlns:a16="http://schemas.microsoft.com/office/drawing/2014/main" xmlns="" id="{1291279B-582B-4DD8-A56E-E722B436B016}"/>
+                <a16:creationId xmlns:a16="http://schemas.microsoft.com/office/drawing/2014/main" id="{1291279B-582B-4DD8-A56E-E722B436B016}"/>
               </a:ext>
             </a:extLst>
           </p:cNvPr>
@@ -4112,7 +4102,7 @@
           <p:cNvPr id="9" name="그림 8">
             <a:extLst>
               <a:ext uri="{FF2B5EF4-FFF2-40B4-BE49-F238E27FC236}">
-                <a16:creationId xmlns:a16="http://schemas.microsoft.com/office/drawing/2014/main" xmlns="" id="{BEA3BFA8-8B2D-42EB-B457-8AF35AD7C4A0}"/>
+                <a16:creationId xmlns:a16="http://schemas.microsoft.com/office/drawing/2014/main" id="{BEA3BFA8-8B2D-42EB-B457-8AF35AD7C4A0}"/>
               </a:ext>
             </a:extLst>
           </p:cNvPr>
@@ -4142,7 +4132,7 @@
           <p:cNvPr id="11" name="그림 10">
             <a:extLst>
               <a:ext uri="{FF2B5EF4-FFF2-40B4-BE49-F238E27FC236}">
-                <a16:creationId xmlns:a16="http://schemas.microsoft.com/office/drawing/2014/main" xmlns="" id="{9C5F3BA5-223C-427D-930C-162DC40B342C}"/>
+                <a16:creationId xmlns:a16="http://schemas.microsoft.com/office/drawing/2014/main" id="{9C5F3BA5-223C-427D-930C-162DC40B342C}"/>
               </a:ext>
             </a:extLst>
           </p:cNvPr>
@@ -4172,7 +4162,7 @@
           <p:cNvPr id="12" name="순서도: 연결자 11">
             <a:extLst>
               <a:ext uri="{FF2B5EF4-FFF2-40B4-BE49-F238E27FC236}">
-                <a16:creationId xmlns:a16="http://schemas.microsoft.com/office/drawing/2014/main" xmlns="" id="{041A6F25-1AB8-4F06-83EA-2AA09BE38741}"/>
+                <a16:creationId xmlns:a16="http://schemas.microsoft.com/office/drawing/2014/main" id="{041A6F25-1AB8-4F06-83EA-2AA09BE38741}"/>
               </a:ext>
             </a:extLst>
           </p:cNvPr>
@@ -4225,7 +4215,7 @@
           <p:cNvPr id="13" name="순서도: 연결자 12">
             <a:extLst>
               <a:ext uri="{FF2B5EF4-FFF2-40B4-BE49-F238E27FC236}">
-                <a16:creationId xmlns:a16="http://schemas.microsoft.com/office/drawing/2014/main" xmlns="" id="{E9B742AE-0B5D-497F-B108-43C6C90A57BE}"/>
+                <a16:creationId xmlns:a16="http://schemas.microsoft.com/office/drawing/2014/main" id="{E9B742AE-0B5D-497F-B108-43C6C90A57BE}"/>
               </a:ext>
             </a:extLst>
           </p:cNvPr>
@@ -4278,7 +4268,7 @@
           <p:cNvPr id="14" name="순서도: 연결자 13">
             <a:extLst>
               <a:ext uri="{FF2B5EF4-FFF2-40B4-BE49-F238E27FC236}">
-                <a16:creationId xmlns:a16="http://schemas.microsoft.com/office/drawing/2014/main" xmlns="" id="{AE0986E1-27FF-4148-88F9-9A1DE0F19953}"/>
+                <a16:creationId xmlns:a16="http://schemas.microsoft.com/office/drawing/2014/main" id="{AE0986E1-27FF-4148-88F9-9A1DE0F19953}"/>
               </a:ext>
             </a:extLst>
           </p:cNvPr>
@@ -4331,7 +4321,7 @@
           <p:cNvPr id="16" name="직선 화살표 연결선 15">
             <a:extLst>
               <a:ext uri="{FF2B5EF4-FFF2-40B4-BE49-F238E27FC236}">
-                <a16:creationId xmlns:a16="http://schemas.microsoft.com/office/drawing/2014/main" xmlns="" id="{A024F654-5343-416D-9478-DE32B63B6D0E}"/>
+                <a16:creationId xmlns:a16="http://schemas.microsoft.com/office/drawing/2014/main" id="{A024F654-5343-416D-9478-DE32B63B6D0E}"/>
               </a:ext>
             </a:extLst>
           </p:cNvPr>
@@ -4377,7 +4367,7 @@
           <p:cNvPr id="19" name="직선 화살표 연결선 18">
             <a:extLst>
               <a:ext uri="{FF2B5EF4-FFF2-40B4-BE49-F238E27FC236}">
-                <a16:creationId xmlns:a16="http://schemas.microsoft.com/office/drawing/2014/main" xmlns="" id="{D609A05D-CD91-4C5E-B7C6-F34DC534CC54}"/>
+                <a16:creationId xmlns:a16="http://schemas.microsoft.com/office/drawing/2014/main" id="{D609A05D-CD91-4C5E-B7C6-F34DC534CC54}"/>
               </a:ext>
             </a:extLst>
           </p:cNvPr>
@@ -4423,7 +4413,7 @@
           <p:cNvPr id="24" name="직선 화살표 연결선 23">
             <a:extLst>
               <a:ext uri="{FF2B5EF4-FFF2-40B4-BE49-F238E27FC236}">
-                <a16:creationId xmlns:a16="http://schemas.microsoft.com/office/drawing/2014/main" xmlns="" id="{ED504124-5143-4380-9CA6-F6B7A6F2EC6E}"/>
+                <a16:creationId xmlns:a16="http://schemas.microsoft.com/office/drawing/2014/main" id="{ED504124-5143-4380-9CA6-F6B7A6F2EC6E}"/>
               </a:ext>
             </a:extLst>
           </p:cNvPr>
@@ -4469,7 +4459,7 @@
           <p:cNvPr id="26" name="텍스트 개체 틀 2">
             <a:extLst>
               <a:ext uri="{FF2B5EF4-FFF2-40B4-BE49-F238E27FC236}">
-                <a16:creationId xmlns:a16="http://schemas.microsoft.com/office/drawing/2014/main" xmlns="" id="{59EC2A41-1034-4A99-8F44-D1F8FAECF46D}"/>
+                <a16:creationId xmlns:a16="http://schemas.microsoft.com/office/drawing/2014/main" id="{59EC2A41-1034-4A99-8F44-D1F8FAECF46D}"/>
               </a:ext>
             </a:extLst>
           </p:cNvPr>
@@ -4618,7 +4608,7 @@
           <p:cNvPr id="2" name="제목 1">
             <a:extLst>
               <a:ext uri="{FF2B5EF4-FFF2-40B4-BE49-F238E27FC236}">
-                <a16:creationId xmlns:a16="http://schemas.microsoft.com/office/drawing/2014/main" xmlns="" id="{D2325EAF-CC32-4DFD-9B7C-EC5ECE9C1934}"/>
+                <a16:creationId xmlns:a16="http://schemas.microsoft.com/office/drawing/2014/main" id="{D2325EAF-CC32-4DFD-9B7C-EC5ECE9C1934}"/>
               </a:ext>
             </a:extLst>
           </p:cNvPr>
@@ -4646,7 +4636,7 @@
           <p:cNvPr id="5" name="그림 4">
             <a:extLst>
               <a:ext uri="{FF2B5EF4-FFF2-40B4-BE49-F238E27FC236}">
-                <a16:creationId xmlns:a16="http://schemas.microsoft.com/office/drawing/2014/main" xmlns="" id="{397FD9E0-62AA-4898-9C67-39EDEE0A7611}"/>
+                <a16:creationId xmlns:a16="http://schemas.microsoft.com/office/drawing/2014/main" id="{397FD9E0-62AA-4898-9C67-39EDEE0A7611}"/>
               </a:ext>
             </a:extLst>
           </p:cNvPr>
@@ -4676,7 +4666,7 @@
           <p:cNvPr id="7" name="그림 6">
             <a:extLst>
               <a:ext uri="{FF2B5EF4-FFF2-40B4-BE49-F238E27FC236}">
-                <a16:creationId xmlns:a16="http://schemas.microsoft.com/office/drawing/2014/main" xmlns="" id="{172C8FC6-01BE-4F58-8AD7-74509EA7B302}"/>
+                <a16:creationId xmlns:a16="http://schemas.microsoft.com/office/drawing/2014/main" id="{172C8FC6-01BE-4F58-8AD7-74509EA7B302}"/>
               </a:ext>
             </a:extLst>
           </p:cNvPr>
@@ -4706,7 +4696,7 @@
           <p:cNvPr id="9" name="그림 8">
             <a:extLst>
               <a:ext uri="{FF2B5EF4-FFF2-40B4-BE49-F238E27FC236}">
-                <a16:creationId xmlns:a16="http://schemas.microsoft.com/office/drawing/2014/main" xmlns="" id="{25E34900-5A02-43C1-A39F-9ECD0EBE418F}"/>
+                <a16:creationId xmlns:a16="http://schemas.microsoft.com/office/drawing/2014/main" id="{25E34900-5A02-43C1-A39F-9ECD0EBE418F}"/>
               </a:ext>
             </a:extLst>
           </p:cNvPr>
@@ -4736,7 +4726,7 @@
           <p:cNvPr id="11" name="직선 화살표 연결선 10">
             <a:extLst>
               <a:ext uri="{FF2B5EF4-FFF2-40B4-BE49-F238E27FC236}">
-                <a16:creationId xmlns:a16="http://schemas.microsoft.com/office/drawing/2014/main" xmlns="" id="{82FA703F-05C5-4EB1-B680-BE9CA9F0B881}"/>
+                <a16:creationId xmlns:a16="http://schemas.microsoft.com/office/drawing/2014/main" id="{82FA703F-05C5-4EB1-B680-BE9CA9F0B881}"/>
               </a:ext>
             </a:extLst>
           </p:cNvPr>
@@ -4784,7 +4774,7 @@
           <p:cNvPr id="13" name="직선 화살표 연결선 12">
             <a:extLst>
               <a:ext uri="{FF2B5EF4-FFF2-40B4-BE49-F238E27FC236}">
-                <a16:creationId xmlns:a16="http://schemas.microsoft.com/office/drawing/2014/main" xmlns="" id="{E8385E36-6D18-47D8-821C-C993EF80B7BF}"/>
+                <a16:creationId xmlns:a16="http://schemas.microsoft.com/office/drawing/2014/main" id="{E8385E36-6D18-47D8-821C-C993EF80B7BF}"/>
               </a:ext>
             </a:extLst>
           </p:cNvPr>
@@ -4830,7 +4820,7 @@
           <p:cNvPr id="14" name="텍스트 개체 틀 2">
             <a:extLst>
               <a:ext uri="{FF2B5EF4-FFF2-40B4-BE49-F238E27FC236}">
-                <a16:creationId xmlns:a16="http://schemas.microsoft.com/office/drawing/2014/main" xmlns="" id="{CD5DF9FD-BF31-41FA-9A5F-585E79073DB6}"/>
+                <a16:creationId xmlns:a16="http://schemas.microsoft.com/office/drawing/2014/main" id="{CD5DF9FD-BF31-41FA-9A5F-585E79073DB6}"/>
               </a:ext>
             </a:extLst>
           </p:cNvPr>
@@ -4942,7 +4932,7 @@
           <p:cNvPr id="18" name="순서도: 연결자 17">
             <a:extLst>
               <a:ext uri="{FF2B5EF4-FFF2-40B4-BE49-F238E27FC236}">
-                <a16:creationId xmlns:a16="http://schemas.microsoft.com/office/drawing/2014/main" xmlns="" id="{24A03933-98DB-42AD-B57B-371395D2D900}"/>
+                <a16:creationId xmlns:a16="http://schemas.microsoft.com/office/drawing/2014/main" id="{24A03933-98DB-42AD-B57B-371395D2D900}"/>
               </a:ext>
             </a:extLst>
           </p:cNvPr>
@@ -4995,7 +4985,7 @@
           <p:cNvPr id="19" name="순서도: 연결자 18">
             <a:extLst>
               <a:ext uri="{FF2B5EF4-FFF2-40B4-BE49-F238E27FC236}">
-                <a16:creationId xmlns:a16="http://schemas.microsoft.com/office/drawing/2014/main" xmlns="" id="{42802FC0-8336-4514-AE84-C4DA90D6939E}"/>
+                <a16:creationId xmlns:a16="http://schemas.microsoft.com/office/drawing/2014/main" id="{42802FC0-8336-4514-AE84-C4DA90D6939E}"/>
               </a:ext>
             </a:extLst>
           </p:cNvPr>
@@ -5072,7 +5062,7 @@
           <p:cNvPr id="20" name="순서도: 연결자 19">
             <a:extLst>
               <a:ext uri="{FF2B5EF4-FFF2-40B4-BE49-F238E27FC236}">
-                <a16:creationId xmlns:a16="http://schemas.microsoft.com/office/drawing/2014/main" xmlns="" id="{16F9C893-4D18-4229-8957-CF27F27F49E3}"/>
+                <a16:creationId xmlns:a16="http://schemas.microsoft.com/office/drawing/2014/main" id="{16F9C893-4D18-4229-8957-CF27F27F49E3}"/>
               </a:ext>
             </a:extLst>
           </p:cNvPr>
@@ -5120,6 +5110,52 @@
           </a:p>
         </p:txBody>
       </p:sp>
+      <p:cxnSp>
+        <p:nvCxnSpPr>
+          <p:cNvPr id="15" name="직선 화살표 연결선 14">
+            <a:extLst>
+              <a:ext uri="{FF2B5EF4-FFF2-40B4-BE49-F238E27FC236}">
+                <a16:creationId xmlns:a16="http://schemas.microsoft.com/office/drawing/2014/main" id="{7971CD3F-F355-4186-BDE6-CCC75EE34B0D}"/>
+              </a:ext>
+            </a:extLst>
+          </p:cNvPr>
+          <p:cNvCxnSpPr/>
+          <p:nvPr/>
+        </p:nvCxnSpPr>
+        <p:spPr bwMode="auto">
+          <a:xfrm>
+            <a:off x="2282237" y="4545124"/>
+            <a:ext cx="1000192" cy="1152128"/>
+          </a:xfrm>
+          <a:prstGeom prst="straightConnector1">
+            <a:avLst/>
+          </a:prstGeom>
+          <a:solidFill>
+            <a:schemeClr val="tx2"/>
+          </a:solidFill>
+          <a:ln w="9525" cap="flat" cmpd="sng" algn="ctr">
+            <a:solidFill>
+              <a:schemeClr val="tx1"/>
+            </a:solidFill>
+            <a:prstDash val="solid"/>
+            <a:round/>
+            <a:headEnd type="none" w="med" len="med"/>
+            <a:tailEnd type="triangle"/>
+          </a:ln>
+          <a:effectLst/>
+          <a:extLst>
+            <a:ext uri="{AF507438-7753-43E0-B8FC-AC1667EBCBE1}">
+              <a14:hiddenEffects xmlns:a14="http://schemas.microsoft.com/office/drawing/2010/main">
+                <a:effectLst>
+                  <a:outerShdw blurRad="63500" dist="35921" dir="2700000" algn="ctr" rotWithShape="0">
+                    <a:schemeClr val="bg2"/>
+                  </a:outerShdw>
+                </a:effectLst>
+              </a14:hiddenEffects>
+            </a:ext>
+          </a:extLst>
+        </p:spPr>
+      </p:cxnSp>
     </p:spTree>
     <p:extLst>
       <p:ext uri="{BB962C8B-B14F-4D97-AF65-F5344CB8AC3E}">
@@ -5155,7 +5191,7 @@
           <p:cNvPr id="2" name="제목 1">
             <a:extLst>
               <a:ext uri="{FF2B5EF4-FFF2-40B4-BE49-F238E27FC236}">
-                <a16:creationId xmlns:a16="http://schemas.microsoft.com/office/drawing/2014/main" xmlns="" id="{47F7F48A-4547-43A7-B87D-FCE0E23AC8D0}"/>
+                <a16:creationId xmlns:a16="http://schemas.microsoft.com/office/drawing/2014/main" id="{47F7F48A-4547-43A7-B87D-FCE0E23AC8D0}"/>
               </a:ext>
             </a:extLst>
           </p:cNvPr>
@@ -5183,7 +5219,7 @@
           <p:cNvPr id="5" name="그림 4">
             <a:extLst>
               <a:ext uri="{FF2B5EF4-FFF2-40B4-BE49-F238E27FC236}">
-                <a16:creationId xmlns:a16="http://schemas.microsoft.com/office/drawing/2014/main" xmlns="" id="{0272123D-3C20-4B5C-9A9C-2CEE173C80EC}"/>
+                <a16:creationId xmlns:a16="http://schemas.microsoft.com/office/drawing/2014/main" id="{0272123D-3C20-4B5C-9A9C-2CEE173C80EC}"/>
               </a:ext>
             </a:extLst>
           </p:cNvPr>
@@ -5213,7 +5249,7 @@
           <p:cNvPr id="6" name="텍스트 개체 틀 2">
             <a:extLst>
               <a:ext uri="{FF2B5EF4-FFF2-40B4-BE49-F238E27FC236}">
-                <a16:creationId xmlns:a16="http://schemas.microsoft.com/office/drawing/2014/main" xmlns="" id="{986A7DC2-9492-4CE9-A61B-8DCA00C0BE10}"/>
+                <a16:creationId xmlns:a16="http://schemas.microsoft.com/office/drawing/2014/main" id="{986A7DC2-9492-4CE9-A61B-8DCA00C0BE10}"/>
               </a:ext>
             </a:extLst>
           </p:cNvPr>
@@ -5348,7 +5384,7 @@
           <p:cNvPr id="2" name="제목 1">
             <a:extLst>
               <a:ext uri="{FF2B5EF4-FFF2-40B4-BE49-F238E27FC236}">
-                <a16:creationId xmlns:a16="http://schemas.microsoft.com/office/drawing/2014/main" xmlns="" id="{769E0E3B-C104-4F34-BCB7-5D64627B970E}"/>
+                <a16:creationId xmlns:a16="http://schemas.microsoft.com/office/drawing/2014/main" id="{769E0E3B-C104-4F34-BCB7-5D64627B970E}"/>
               </a:ext>
             </a:extLst>
           </p:cNvPr>
@@ -5376,7 +5412,7 @@
           <p:cNvPr id="5" name="그림 4">
             <a:extLst>
               <a:ext uri="{FF2B5EF4-FFF2-40B4-BE49-F238E27FC236}">
-                <a16:creationId xmlns:a16="http://schemas.microsoft.com/office/drawing/2014/main" xmlns="" id="{8A840B19-B216-4618-82F3-3028925F4A73}"/>
+                <a16:creationId xmlns:a16="http://schemas.microsoft.com/office/drawing/2014/main" id="{8A840B19-B216-4618-82F3-3028925F4A73}"/>
               </a:ext>
             </a:extLst>
           </p:cNvPr>
@@ -5406,7 +5442,7 @@
           <p:cNvPr id="8" name="순서도: 연결자 7">
             <a:extLst>
               <a:ext uri="{FF2B5EF4-FFF2-40B4-BE49-F238E27FC236}">
-                <a16:creationId xmlns:a16="http://schemas.microsoft.com/office/drawing/2014/main" xmlns="" id="{43199052-4926-4454-BAA3-5FF46813C03A}"/>
+                <a16:creationId xmlns:a16="http://schemas.microsoft.com/office/drawing/2014/main" id="{43199052-4926-4454-BAA3-5FF46813C03A}"/>
               </a:ext>
             </a:extLst>
           </p:cNvPr>
@@ -5459,7 +5495,7 @@
           <p:cNvPr id="9" name="순서도: 연결자 8">
             <a:extLst>
               <a:ext uri="{FF2B5EF4-FFF2-40B4-BE49-F238E27FC236}">
-                <a16:creationId xmlns:a16="http://schemas.microsoft.com/office/drawing/2014/main" xmlns="" id="{6200760B-10EF-4176-ABAD-9EB450AE1E5C}"/>
+                <a16:creationId xmlns:a16="http://schemas.microsoft.com/office/drawing/2014/main" id="{6200760B-10EF-4176-ABAD-9EB450AE1E5C}"/>
               </a:ext>
             </a:extLst>
           </p:cNvPr>
@@ -5512,7 +5548,7 @@
           <p:cNvPr id="10" name="순서도: 연결자 9">
             <a:extLst>
               <a:ext uri="{FF2B5EF4-FFF2-40B4-BE49-F238E27FC236}">
-                <a16:creationId xmlns:a16="http://schemas.microsoft.com/office/drawing/2014/main" xmlns="" id="{643D1E85-F4C0-4286-A2FE-AFFF5FE8818D}"/>
+                <a16:creationId xmlns:a16="http://schemas.microsoft.com/office/drawing/2014/main" id="{643D1E85-F4C0-4286-A2FE-AFFF5FE8818D}"/>
               </a:ext>
             </a:extLst>
           </p:cNvPr>
@@ -5565,7 +5601,7 @@
           <p:cNvPr id="11" name="순서도: 연결자 10">
             <a:extLst>
               <a:ext uri="{FF2B5EF4-FFF2-40B4-BE49-F238E27FC236}">
-                <a16:creationId xmlns:a16="http://schemas.microsoft.com/office/drawing/2014/main" xmlns="" id="{4616F926-29C8-4050-A948-8B11C18E406B}"/>
+                <a16:creationId xmlns:a16="http://schemas.microsoft.com/office/drawing/2014/main" id="{4616F926-29C8-4050-A948-8B11C18E406B}"/>
               </a:ext>
             </a:extLst>
           </p:cNvPr>
@@ -5618,7 +5654,7 @@
           <p:cNvPr id="12" name="순서도: 연결자 11">
             <a:extLst>
               <a:ext uri="{FF2B5EF4-FFF2-40B4-BE49-F238E27FC236}">
-                <a16:creationId xmlns:a16="http://schemas.microsoft.com/office/drawing/2014/main" xmlns="" id="{8674368E-F8E0-4AC4-9DF8-A3CB72AE581E}"/>
+                <a16:creationId xmlns:a16="http://schemas.microsoft.com/office/drawing/2014/main" id="{8674368E-F8E0-4AC4-9DF8-A3CB72AE581E}"/>
               </a:ext>
             </a:extLst>
           </p:cNvPr>
@@ -5671,7 +5707,7 @@
           <p:cNvPr id="13" name="순서도: 연결자 12">
             <a:extLst>
               <a:ext uri="{FF2B5EF4-FFF2-40B4-BE49-F238E27FC236}">
-                <a16:creationId xmlns:a16="http://schemas.microsoft.com/office/drawing/2014/main" xmlns="" id="{3D68D3A4-8152-472E-8FBB-6C6F9196DC8F}"/>
+                <a16:creationId xmlns:a16="http://schemas.microsoft.com/office/drawing/2014/main" id="{3D68D3A4-8152-472E-8FBB-6C6F9196DC8F}"/>
               </a:ext>
             </a:extLst>
           </p:cNvPr>
@@ -5724,7 +5760,7 @@
           <p:cNvPr id="14" name="텍스트 개체 틀 2">
             <a:extLst>
               <a:ext uri="{FF2B5EF4-FFF2-40B4-BE49-F238E27FC236}">
-                <a16:creationId xmlns:a16="http://schemas.microsoft.com/office/drawing/2014/main" xmlns="" id="{2F8B85A0-FC71-40FE-AB44-D316BF37BE20}"/>
+                <a16:creationId xmlns:a16="http://schemas.microsoft.com/office/drawing/2014/main" id="{2F8B85A0-FC71-40FE-AB44-D316BF37BE20}"/>
               </a:ext>
             </a:extLst>
           </p:cNvPr>
@@ -5919,7 +5955,7 @@
           <p:cNvPr id="2" name="제목 1">
             <a:extLst>
               <a:ext uri="{FF2B5EF4-FFF2-40B4-BE49-F238E27FC236}">
-                <a16:creationId xmlns:a16="http://schemas.microsoft.com/office/drawing/2014/main" xmlns="" id="{DEDE6F3A-EC3E-4E85-B0A9-23324CF07607}"/>
+                <a16:creationId xmlns:a16="http://schemas.microsoft.com/office/drawing/2014/main" id="{DEDE6F3A-EC3E-4E85-B0A9-23324CF07607}"/>
               </a:ext>
             </a:extLst>
           </p:cNvPr>
@@ -5952,7 +5988,7 @@
           <p:cNvPr id="5" name="그림 4">
             <a:extLst>
               <a:ext uri="{FF2B5EF4-FFF2-40B4-BE49-F238E27FC236}">
-                <a16:creationId xmlns:a16="http://schemas.microsoft.com/office/drawing/2014/main" xmlns="" id="{3292FAC1-6119-4914-82DF-9D9EC514B330}"/>
+                <a16:creationId xmlns:a16="http://schemas.microsoft.com/office/drawing/2014/main" id="{3292FAC1-6119-4914-82DF-9D9EC514B330}"/>
               </a:ext>
             </a:extLst>
           </p:cNvPr>
@@ -5982,7 +6018,7 @@
           <p:cNvPr id="6" name="텍스트 개체 틀 2">
             <a:extLst>
               <a:ext uri="{FF2B5EF4-FFF2-40B4-BE49-F238E27FC236}">
-                <a16:creationId xmlns:a16="http://schemas.microsoft.com/office/drawing/2014/main" xmlns="" id="{9E7CAA9C-F383-4ECA-8DC6-E54BB719A587}"/>
+                <a16:creationId xmlns:a16="http://schemas.microsoft.com/office/drawing/2014/main" id="{9E7CAA9C-F383-4ECA-8DC6-E54BB719A587}"/>
               </a:ext>
             </a:extLst>
           </p:cNvPr>
@@ -6116,7 +6152,7 @@
           <p:cNvPr id="8" name="순서도: 연결자 7">
             <a:extLst>
               <a:ext uri="{FF2B5EF4-FFF2-40B4-BE49-F238E27FC236}">
-                <a16:creationId xmlns:a16="http://schemas.microsoft.com/office/drawing/2014/main" xmlns="" id="{8AA96327-9488-4A41-83FD-28E271C2DE66}"/>
+                <a16:creationId xmlns:a16="http://schemas.microsoft.com/office/drawing/2014/main" id="{8AA96327-9488-4A41-83FD-28E271C2DE66}"/>
               </a:ext>
             </a:extLst>
           </p:cNvPr>
@@ -6169,7 +6205,7 @@
           <p:cNvPr id="9" name="순서도: 연결자 8">
             <a:extLst>
               <a:ext uri="{FF2B5EF4-FFF2-40B4-BE49-F238E27FC236}">
-                <a16:creationId xmlns:a16="http://schemas.microsoft.com/office/drawing/2014/main" xmlns="" id="{63045C65-9C32-4CE0-A4E0-AA3B276B634C}"/>
+                <a16:creationId xmlns:a16="http://schemas.microsoft.com/office/drawing/2014/main" id="{63045C65-9C32-4CE0-A4E0-AA3B276B634C}"/>
               </a:ext>
             </a:extLst>
           </p:cNvPr>
@@ -6222,7 +6258,7 @@
           <p:cNvPr id="10" name="순서도: 연결자 9">
             <a:extLst>
               <a:ext uri="{FF2B5EF4-FFF2-40B4-BE49-F238E27FC236}">
-                <a16:creationId xmlns:a16="http://schemas.microsoft.com/office/drawing/2014/main" xmlns="" id="{7D00F83C-34FB-4028-A6BF-364406F4EF97}"/>
+                <a16:creationId xmlns:a16="http://schemas.microsoft.com/office/drawing/2014/main" id="{7D00F83C-34FB-4028-A6BF-364406F4EF97}"/>
               </a:ext>
             </a:extLst>
           </p:cNvPr>
@@ -6275,7 +6311,7 @@
           <p:cNvPr id="11" name="순서도: 연결자 10">
             <a:extLst>
               <a:ext uri="{FF2B5EF4-FFF2-40B4-BE49-F238E27FC236}">
-                <a16:creationId xmlns:a16="http://schemas.microsoft.com/office/drawing/2014/main" xmlns="" id="{CB08A760-485F-4264-8949-95B3F4C8171F}"/>
+                <a16:creationId xmlns:a16="http://schemas.microsoft.com/office/drawing/2014/main" id="{CB08A760-485F-4264-8949-95B3F4C8171F}"/>
               </a:ext>
             </a:extLst>
           </p:cNvPr>
@@ -6358,7 +6394,7 @@
           <p:cNvPr id="12" name="Picture 3">
             <a:extLst>
               <a:ext uri="{FF2B5EF4-FFF2-40B4-BE49-F238E27FC236}">
-                <a16:creationId xmlns:a16="http://schemas.microsoft.com/office/drawing/2014/main" xmlns="" id="{C85968B7-8C1B-497F-AF3E-E3D7C80E4F92}"/>
+                <a16:creationId xmlns:a16="http://schemas.microsoft.com/office/drawing/2014/main" id="{C85968B7-8C1B-497F-AF3E-E3D7C80E4F92}"/>
               </a:ext>
             </a:extLst>
           </p:cNvPr>
@@ -6428,7 +6464,7 @@
           <p:cNvPr id="2" name="제목 1">
             <a:extLst>
               <a:ext uri="{FF2B5EF4-FFF2-40B4-BE49-F238E27FC236}">
-                <a16:creationId xmlns:a16="http://schemas.microsoft.com/office/drawing/2014/main" xmlns="" id="{DEDE6F3A-EC3E-4E85-B0A9-23324CF07607}"/>
+                <a16:creationId xmlns:a16="http://schemas.microsoft.com/office/drawing/2014/main" id="{DEDE6F3A-EC3E-4E85-B0A9-23324CF07607}"/>
               </a:ext>
             </a:extLst>
           </p:cNvPr>
@@ -6461,7 +6497,7 @@
           <p:cNvPr id="6" name="텍스트 개체 틀 2">
             <a:extLst>
               <a:ext uri="{FF2B5EF4-FFF2-40B4-BE49-F238E27FC236}">
-                <a16:creationId xmlns:a16="http://schemas.microsoft.com/office/drawing/2014/main" xmlns="" id="{9E7CAA9C-F383-4ECA-8DC6-E54BB719A587}"/>
+                <a16:creationId xmlns:a16="http://schemas.microsoft.com/office/drawing/2014/main" id="{9E7CAA9C-F383-4ECA-8DC6-E54BB719A587}"/>
               </a:ext>
             </a:extLst>
           </p:cNvPr>
@@ -6576,7 +6612,7 @@
           <p:cNvPr id="8" name="순서도: 연결자 7">
             <a:extLst>
               <a:ext uri="{FF2B5EF4-FFF2-40B4-BE49-F238E27FC236}">
-                <a16:creationId xmlns:a16="http://schemas.microsoft.com/office/drawing/2014/main" xmlns="" id="{8AA96327-9488-4A41-83FD-28E271C2DE66}"/>
+                <a16:creationId xmlns:a16="http://schemas.microsoft.com/office/drawing/2014/main" id="{8AA96327-9488-4A41-83FD-28E271C2DE66}"/>
               </a:ext>
             </a:extLst>
           </p:cNvPr>
@@ -6629,7 +6665,7 @@
           <p:cNvPr id="10" name="순서도: 연결자 9">
             <a:extLst>
               <a:ext uri="{FF2B5EF4-FFF2-40B4-BE49-F238E27FC236}">
-                <a16:creationId xmlns:a16="http://schemas.microsoft.com/office/drawing/2014/main" xmlns="" id="{7D00F83C-34FB-4028-A6BF-364406F4EF97}"/>
+                <a16:creationId xmlns:a16="http://schemas.microsoft.com/office/drawing/2014/main" id="{7D00F83C-34FB-4028-A6BF-364406F4EF97}"/>
               </a:ext>
             </a:extLst>
           </p:cNvPr>
@@ -6682,7 +6718,7 @@
           <p:cNvPr id="11" name="순서도: 연결자 10">
             <a:extLst>
               <a:ext uri="{FF2B5EF4-FFF2-40B4-BE49-F238E27FC236}">
-                <a16:creationId xmlns:a16="http://schemas.microsoft.com/office/drawing/2014/main" xmlns="" id="{CB08A760-485F-4264-8949-95B3F4C8171F}"/>
+                <a16:creationId xmlns:a16="http://schemas.microsoft.com/office/drawing/2014/main" id="{CB08A760-485F-4264-8949-95B3F4C8171F}"/>
               </a:ext>
             </a:extLst>
           </p:cNvPr>
@@ -6765,7 +6801,7 @@
           <p:cNvPr id="2" name="제목 1">
             <a:extLst>
               <a:ext uri="{FF2B5EF4-FFF2-40B4-BE49-F238E27FC236}">
-                <a16:creationId xmlns:a16="http://schemas.microsoft.com/office/drawing/2014/main" xmlns="" id="{0904BB74-7F77-4EB7-ACC6-C108D9EEADD1}"/>
+                <a16:creationId xmlns:a16="http://schemas.microsoft.com/office/drawing/2014/main" id="{0904BB74-7F77-4EB7-ACC6-C108D9EEADD1}"/>
               </a:ext>
             </a:extLst>
           </p:cNvPr>
@@ -6793,7 +6829,7 @@
           <p:cNvPr id="5" name="그림 4">
             <a:extLst>
               <a:ext uri="{FF2B5EF4-FFF2-40B4-BE49-F238E27FC236}">
-                <a16:creationId xmlns:a16="http://schemas.microsoft.com/office/drawing/2014/main" xmlns="" id="{24A1D106-4726-4F94-A41D-4DE1758A2376}"/>
+                <a16:creationId xmlns:a16="http://schemas.microsoft.com/office/drawing/2014/main" id="{24A1D106-4726-4F94-A41D-4DE1758A2376}"/>
               </a:ext>
             </a:extLst>
           </p:cNvPr>
@@ -6823,7 +6859,7 @@
           <p:cNvPr id="6" name="텍스트 개체 틀 2">
             <a:extLst>
               <a:ext uri="{FF2B5EF4-FFF2-40B4-BE49-F238E27FC236}">
-                <a16:creationId xmlns:a16="http://schemas.microsoft.com/office/drawing/2014/main" xmlns="" id="{24154AAF-576D-4757-AE49-5310334BE705}"/>
+                <a16:creationId xmlns:a16="http://schemas.microsoft.com/office/drawing/2014/main" id="{24154AAF-576D-4757-AE49-5310334BE705}"/>
               </a:ext>
             </a:extLst>
           </p:cNvPr>
@@ -6914,7 +6950,7 @@
           <p:cNvPr id="8" name="그림 7">
             <a:extLst>
               <a:ext uri="{FF2B5EF4-FFF2-40B4-BE49-F238E27FC236}">
-                <a16:creationId xmlns:a16="http://schemas.microsoft.com/office/drawing/2014/main" xmlns="" id="{7A092B99-F286-4A09-B6A8-90828DA7B277}"/>
+                <a16:creationId xmlns:a16="http://schemas.microsoft.com/office/drawing/2014/main" id="{7A092B99-F286-4A09-B6A8-90828DA7B277}"/>
               </a:ext>
             </a:extLst>
           </p:cNvPr>
@@ -6944,7 +6980,7 @@
           <p:cNvPr id="9" name="순서도: 연결자 8">
             <a:extLst>
               <a:ext uri="{FF2B5EF4-FFF2-40B4-BE49-F238E27FC236}">
-                <a16:creationId xmlns:a16="http://schemas.microsoft.com/office/drawing/2014/main" xmlns="" id="{54932116-685C-48B8-9B4F-4B3BD62A25F2}"/>
+                <a16:creationId xmlns:a16="http://schemas.microsoft.com/office/drawing/2014/main" id="{54932116-685C-48B8-9B4F-4B3BD62A25F2}"/>
               </a:ext>
             </a:extLst>
           </p:cNvPr>
@@ -6997,7 +7033,7 @@
           <p:cNvPr id="10" name="직사각형 9">
             <a:extLst>
               <a:ext uri="{FF2B5EF4-FFF2-40B4-BE49-F238E27FC236}">
-                <a16:creationId xmlns:a16="http://schemas.microsoft.com/office/drawing/2014/main" xmlns="" id="{6FF81515-F4A6-405F-A2E4-DA84F75E5E98}"/>
+                <a16:creationId xmlns:a16="http://schemas.microsoft.com/office/drawing/2014/main" id="{6FF81515-F4A6-405F-A2E4-DA84F75E5E98}"/>
               </a:ext>
             </a:extLst>
           </p:cNvPr>
@@ -7088,7 +7124,7 @@
           <p:cNvPr id="2" name="제목 1">
             <a:extLst>
               <a:ext uri="{FF2B5EF4-FFF2-40B4-BE49-F238E27FC236}">
-                <a16:creationId xmlns:a16="http://schemas.microsoft.com/office/drawing/2014/main" xmlns="" id="{016A7DE5-DA7A-4220-97ED-01CB86317746}"/>
+                <a16:creationId xmlns:a16="http://schemas.microsoft.com/office/drawing/2014/main" id="{016A7DE5-DA7A-4220-97ED-01CB86317746}"/>
               </a:ext>
             </a:extLst>
           </p:cNvPr>
@@ -7116,7 +7152,7 @@
           <p:cNvPr id="5" name="그림 4">
             <a:extLst>
               <a:ext uri="{FF2B5EF4-FFF2-40B4-BE49-F238E27FC236}">
-                <a16:creationId xmlns:a16="http://schemas.microsoft.com/office/drawing/2014/main" xmlns="" id="{9C36C8B4-3A15-4EB2-BBA3-36D8B87F63A7}"/>
+                <a16:creationId xmlns:a16="http://schemas.microsoft.com/office/drawing/2014/main" id="{9C36C8B4-3A15-4EB2-BBA3-36D8B87F63A7}"/>
               </a:ext>
             </a:extLst>
           </p:cNvPr>
@@ -7146,7 +7182,7 @@
           <p:cNvPr id="6" name="텍스트 개체 틀 2">
             <a:extLst>
               <a:ext uri="{FF2B5EF4-FFF2-40B4-BE49-F238E27FC236}">
-                <a16:creationId xmlns:a16="http://schemas.microsoft.com/office/drawing/2014/main" xmlns="" id="{41D84B3F-2802-478A-8200-FF98C899B3A9}"/>
+                <a16:creationId xmlns:a16="http://schemas.microsoft.com/office/drawing/2014/main" id="{41D84B3F-2802-478A-8200-FF98C899B3A9}"/>
               </a:ext>
             </a:extLst>
           </p:cNvPr>
@@ -7296,7 +7332,7 @@
           <p:cNvPr id="2" name="제목 1">
             <a:extLst>
               <a:ext uri="{FF2B5EF4-FFF2-40B4-BE49-F238E27FC236}">
-                <a16:creationId xmlns:a16="http://schemas.microsoft.com/office/drawing/2014/main" xmlns="" id="{B985675C-853F-4B2E-AA5E-32E8A9C27C8F}"/>
+                <a16:creationId xmlns:a16="http://schemas.microsoft.com/office/drawing/2014/main" id="{B985675C-853F-4B2E-AA5E-32E8A9C27C8F}"/>
               </a:ext>
             </a:extLst>
           </p:cNvPr>
@@ -7324,7 +7360,7 @@
           <p:cNvPr id="5" name="그림 4">
             <a:extLst>
               <a:ext uri="{FF2B5EF4-FFF2-40B4-BE49-F238E27FC236}">
-                <a16:creationId xmlns:a16="http://schemas.microsoft.com/office/drawing/2014/main" xmlns="" id="{B1DA5CDF-374F-4739-94C5-0FF6425E91C3}"/>
+                <a16:creationId xmlns:a16="http://schemas.microsoft.com/office/drawing/2014/main" id="{B1DA5CDF-374F-4739-94C5-0FF6425E91C3}"/>
               </a:ext>
             </a:extLst>
           </p:cNvPr>
@@ -7354,7 +7390,7 @@
           <p:cNvPr id="6" name="텍스트 개체 틀 2">
             <a:extLst>
               <a:ext uri="{FF2B5EF4-FFF2-40B4-BE49-F238E27FC236}">
-                <a16:creationId xmlns:a16="http://schemas.microsoft.com/office/drawing/2014/main" xmlns="" id="{71CAEE6B-92C1-48E7-970B-6C2F7EF83946}"/>
+                <a16:creationId xmlns:a16="http://schemas.microsoft.com/office/drawing/2014/main" id="{71CAEE6B-92C1-48E7-970B-6C2F7EF83946}"/>
               </a:ext>
             </a:extLst>
           </p:cNvPr>
@@ -7447,7 +7483,7 @@
           <p:cNvPr id="2" name="제목 1">
             <a:extLst>
               <a:ext uri="{FF2B5EF4-FFF2-40B4-BE49-F238E27FC236}">
-                <a16:creationId xmlns:a16="http://schemas.microsoft.com/office/drawing/2014/main" xmlns="" id="{EA41EEEF-CA99-4B73-BC4E-76F3F55BC592}"/>
+                <a16:creationId xmlns:a16="http://schemas.microsoft.com/office/drawing/2014/main" id="{EA41EEEF-CA99-4B73-BC4E-76F3F55BC592}"/>
               </a:ext>
             </a:extLst>
           </p:cNvPr>
@@ -7480,7 +7516,7 @@
           <p:cNvPr id="5" name="그림 4">
             <a:extLst>
               <a:ext uri="{FF2B5EF4-FFF2-40B4-BE49-F238E27FC236}">
-                <a16:creationId xmlns:a16="http://schemas.microsoft.com/office/drawing/2014/main" xmlns="" id="{3A34AB33-B010-4006-845A-EC27B0C4A044}"/>
+                <a16:creationId xmlns:a16="http://schemas.microsoft.com/office/drawing/2014/main" id="{3A34AB33-B010-4006-845A-EC27B0C4A044}"/>
               </a:ext>
             </a:extLst>
           </p:cNvPr>
@@ -7510,7 +7546,7 @@
           <p:cNvPr id="6" name="텍스트 개체 틀 2">
             <a:extLst>
               <a:ext uri="{FF2B5EF4-FFF2-40B4-BE49-F238E27FC236}">
-                <a16:creationId xmlns:a16="http://schemas.microsoft.com/office/drawing/2014/main" xmlns="" id="{CCA34DB5-2DBE-4BFB-B2F9-6059BA59D730}"/>
+                <a16:creationId xmlns:a16="http://schemas.microsoft.com/office/drawing/2014/main" id="{CCA34DB5-2DBE-4BFB-B2F9-6059BA59D730}"/>
               </a:ext>
             </a:extLst>
           </p:cNvPr>
@@ -7816,7 +7852,7 @@
           <p:cNvPr id="18" name="그림 17">
             <a:extLst>
               <a:ext uri="{FF2B5EF4-FFF2-40B4-BE49-F238E27FC236}">
-                <a16:creationId xmlns:a16="http://schemas.microsoft.com/office/drawing/2014/main" xmlns="" id="{CB35D70A-25EC-4D6B-93D3-115A53D33F3D}"/>
+                <a16:creationId xmlns:a16="http://schemas.microsoft.com/office/drawing/2014/main" id="{CB35D70A-25EC-4D6B-93D3-115A53D33F3D}"/>
               </a:ext>
             </a:extLst>
           </p:cNvPr>
@@ -7876,7 +7912,7 @@
           <p:cNvPr id="2" name="제목 1">
             <a:extLst>
               <a:ext uri="{FF2B5EF4-FFF2-40B4-BE49-F238E27FC236}">
-                <a16:creationId xmlns:a16="http://schemas.microsoft.com/office/drawing/2014/main" xmlns="" id="{F33065C2-2C39-479C-90DD-25BF1F51C095}"/>
+                <a16:creationId xmlns:a16="http://schemas.microsoft.com/office/drawing/2014/main" id="{F33065C2-2C39-479C-90DD-25BF1F51C095}"/>
               </a:ext>
             </a:extLst>
           </p:cNvPr>
@@ -7904,7 +7940,7 @@
           <p:cNvPr id="5" name="그림 4">
             <a:extLst>
               <a:ext uri="{FF2B5EF4-FFF2-40B4-BE49-F238E27FC236}">
-                <a16:creationId xmlns:a16="http://schemas.microsoft.com/office/drawing/2014/main" xmlns="" id="{546D8AF1-7F9C-489F-92EE-1B05EC3DCEC5}"/>
+                <a16:creationId xmlns:a16="http://schemas.microsoft.com/office/drawing/2014/main" id="{546D8AF1-7F9C-489F-92EE-1B05EC3DCEC5}"/>
               </a:ext>
             </a:extLst>
           </p:cNvPr>
@@ -7934,7 +7970,7 @@
           <p:cNvPr id="10" name="순서도: 연결자 9">
             <a:extLst>
               <a:ext uri="{FF2B5EF4-FFF2-40B4-BE49-F238E27FC236}">
-                <a16:creationId xmlns:a16="http://schemas.microsoft.com/office/drawing/2014/main" xmlns="" id="{6168439A-90E9-475E-B396-D68764698F8C}"/>
+                <a16:creationId xmlns:a16="http://schemas.microsoft.com/office/drawing/2014/main" id="{6168439A-90E9-475E-B396-D68764698F8C}"/>
               </a:ext>
             </a:extLst>
           </p:cNvPr>
@@ -7987,7 +8023,7 @@
           <p:cNvPr id="11" name="순서도: 연결자 10">
             <a:extLst>
               <a:ext uri="{FF2B5EF4-FFF2-40B4-BE49-F238E27FC236}">
-                <a16:creationId xmlns:a16="http://schemas.microsoft.com/office/drawing/2014/main" xmlns="" id="{3DE847BB-8416-4EB1-A51C-BC9C1951DA23}"/>
+                <a16:creationId xmlns:a16="http://schemas.microsoft.com/office/drawing/2014/main" id="{3DE847BB-8416-4EB1-A51C-BC9C1951DA23}"/>
               </a:ext>
             </a:extLst>
           </p:cNvPr>
@@ -8040,7 +8076,7 @@
           <p:cNvPr id="12" name="순서도: 연결자 11">
             <a:extLst>
               <a:ext uri="{FF2B5EF4-FFF2-40B4-BE49-F238E27FC236}">
-                <a16:creationId xmlns:a16="http://schemas.microsoft.com/office/drawing/2014/main" xmlns="" id="{A405BE6D-1190-4040-8422-9841374BBA8A}"/>
+                <a16:creationId xmlns:a16="http://schemas.microsoft.com/office/drawing/2014/main" id="{A405BE6D-1190-4040-8422-9841374BBA8A}"/>
               </a:ext>
             </a:extLst>
           </p:cNvPr>
@@ -8093,7 +8129,7 @@
           <p:cNvPr id="13" name="순서도: 연결자 12">
             <a:extLst>
               <a:ext uri="{FF2B5EF4-FFF2-40B4-BE49-F238E27FC236}">
-                <a16:creationId xmlns:a16="http://schemas.microsoft.com/office/drawing/2014/main" xmlns="" id="{A3B58A2D-0133-4EA9-B17F-9399E7AA0BE4}"/>
+                <a16:creationId xmlns:a16="http://schemas.microsoft.com/office/drawing/2014/main" id="{A3B58A2D-0133-4EA9-B17F-9399E7AA0BE4}"/>
               </a:ext>
             </a:extLst>
           </p:cNvPr>
@@ -8146,7 +8182,7 @@
           <p:cNvPr id="14" name="순서도: 연결자 13">
             <a:extLst>
               <a:ext uri="{FF2B5EF4-FFF2-40B4-BE49-F238E27FC236}">
-                <a16:creationId xmlns:a16="http://schemas.microsoft.com/office/drawing/2014/main" xmlns="" id="{ACA524FF-2857-4F02-8F7B-130EBE7CCA55}"/>
+                <a16:creationId xmlns:a16="http://schemas.microsoft.com/office/drawing/2014/main" id="{ACA524FF-2857-4F02-8F7B-130EBE7CCA55}"/>
               </a:ext>
             </a:extLst>
           </p:cNvPr>
@@ -8199,7 +8235,7 @@
           <p:cNvPr id="15" name="순서도: 연결자 14">
             <a:extLst>
               <a:ext uri="{FF2B5EF4-FFF2-40B4-BE49-F238E27FC236}">
-                <a16:creationId xmlns:a16="http://schemas.microsoft.com/office/drawing/2014/main" xmlns="" id="{AE79903B-9E4E-40DC-85E9-FB29BBAF7121}"/>
+                <a16:creationId xmlns:a16="http://schemas.microsoft.com/office/drawing/2014/main" id="{AE79903B-9E4E-40DC-85E9-FB29BBAF7121}"/>
               </a:ext>
             </a:extLst>
           </p:cNvPr>
@@ -8252,7 +8288,7 @@
           <p:cNvPr id="16" name="텍스트 개체 틀 2">
             <a:extLst>
               <a:ext uri="{FF2B5EF4-FFF2-40B4-BE49-F238E27FC236}">
-                <a16:creationId xmlns:a16="http://schemas.microsoft.com/office/drawing/2014/main" xmlns="" id="{4B152EA8-C8AF-4AA8-8EE6-9F49786D9B4B}"/>
+                <a16:creationId xmlns:a16="http://schemas.microsoft.com/office/drawing/2014/main" id="{4B152EA8-C8AF-4AA8-8EE6-9F49786D9B4B}"/>
               </a:ext>
             </a:extLst>
           </p:cNvPr>
@@ -8343,7 +8379,7 @@
           <p:cNvPr id="2" name="제목 1">
             <a:extLst>
               <a:ext uri="{FF2B5EF4-FFF2-40B4-BE49-F238E27FC236}">
-                <a16:creationId xmlns:a16="http://schemas.microsoft.com/office/drawing/2014/main" xmlns="" id="{B8C21604-0C89-4597-AA34-B1036F3887D4}"/>
+                <a16:creationId xmlns:a16="http://schemas.microsoft.com/office/drawing/2014/main" id="{B8C21604-0C89-4597-AA34-B1036F3887D4}"/>
               </a:ext>
             </a:extLst>
           </p:cNvPr>
@@ -8371,7 +8407,7 @@
           <p:cNvPr id="7" name="그림 6">
             <a:extLst>
               <a:ext uri="{FF2B5EF4-FFF2-40B4-BE49-F238E27FC236}">
-                <a16:creationId xmlns:a16="http://schemas.microsoft.com/office/drawing/2014/main" xmlns="" id="{B7132451-88F5-4375-A80E-ED561B64C793}"/>
+                <a16:creationId xmlns:a16="http://schemas.microsoft.com/office/drawing/2014/main" id="{B7132451-88F5-4375-A80E-ED561B64C793}"/>
               </a:ext>
             </a:extLst>
           </p:cNvPr>
@@ -8401,7 +8437,7 @@
           <p:cNvPr id="5" name="그림 4">
             <a:extLst>
               <a:ext uri="{FF2B5EF4-FFF2-40B4-BE49-F238E27FC236}">
-                <a16:creationId xmlns:a16="http://schemas.microsoft.com/office/drawing/2014/main" xmlns="" id="{67498541-AAA2-4F72-848D-06BBD933880D}"/>
+                <a16:creationId xmlns:a16="http://schemas.microsoft.com/office/drawing/2014/main" id="{67498541-AAA2-4F72-848D-06BBD933880D}"/>
               </a:ext>
             </a:extLst>
           </p:cNvPr>
@@ -8431,7 +8467,7 @@
           <p:cNvPr id="9" name="순서도: 연결자 8">
             <a:extLst>
               <a:ext uri="{FF2B5EF4-FFF2-40B4-BE49-F238E27FC236}">
-                <a16:creationId xmlns:a16="http://schemas.microsoft.com/office/drawing/2014/main" xmlns="" id="{872563E9-ADAC-40DA-BAB1-4FBE1DBDDFAD}"/>
+                <a16:creationId xmlns:a16="http://schemas.microsoft.com/office/drawing/2014/main" id="{872563E9-ADAC-40DA-BAB1-4FBE1DBDDFAD}"/>
               </a:ext>
             </a:extLst>
           </p:cNvPr>
@@ -8484,7 +8520,7 @@
           <p:cNvPr id="10" name="순서도: 연결자 9">
             <a:extLst>
               <a:ext uri="{FF2B5EF4-FFF2-40B4-BE49-F238E27FC236}">
-                <a16:creationId xmlns:a16="http://schemas.microsoft.com/office/drawing/2014/main" xmlns="" id="{9461BFC5-912E-40B7-9F41-737F3D7770BE}"/>
+                <a16:creationId xmlns:a16="http://schemas.microsoft.com/office/drawing/2014/main" id="{9461BFC5-912E-40B7-9F41-737F3D7770BE}"/>
               </a:ext>
             </a:extLst>
           </p:cNvPr>
@@ -8537,7 +8573,7 @@
           <p:cNvPr id="14" name="텍스트 개체 틀 2">
             <a:extLst>
               <a:ext uri="{FF2B5EF4-FFF2-40B4-BE49-F238E27FC236}">
-                <a16:creationId xmlns:a16="http://schemas.microsoft.com/office/drawing/2014/main" xmlns="" id="{B7EDE290-1E4D-411A-8C3A-1668B3DCF240}"/>
+                <a16:creationId xmlns:a16="http://schemas.microsoft.com/office/drawing/2014/main" id="{B7EDE290-1E4D-411A-8C3A-1668B3DCF240}"/>
               </a:ext>
             </a:extLst>
           </p:cNvPr>
@@ -8648,7 +8684,7 @@
           <p:cNvPr id="2" name="제목 1">
             <a:extLst>
               <a:ext uri="{FF2B5EF4-FFF2-40B4-BE49-F238E27FC236}">
-                <a16:creationId xmlns:a16="http://schemas.microsoft.com/office/drawing/2014/main" xmlns="" id="{89796A6F-C947-4A64-8183-2BC5BEF14D1D}"/>
+                <a16:creationId xmlns:a16="http://schemas.microsoft.com/office/drawing/2014/main" id="{89796A6F-C947-4A64-8183-2BC5BEF14D1D}"/>
               </a:ext>
             </a:extLst>
           </p:cNvPr>
@@ -8676,7 +8712,7 @@
           <p:cNvPr id="5" name="그림 4">
             <a:extLst>
               <a:ext uri="{FF2B5EF4-FFF2-40B4-BE49-F238E27FC236}">
-                <a16:creationId xmlns:a16="http://schemas.microsoft.com/office/drawing/2014/main" xmlns="" id="{2EFF57D1-F584-4C84-8136-514092AD6494}"/>
+                <a16:creationId xmlns:a16="http://schemas.microsoft.com/office/drawing/2014/main" id="{2EFF57D1-F584-4C84-8136-514092AD6494}"/>
               </a:ext>
             </a:extLst>
           </p:cNvPr>
@@ -8706,7 +8742,7 @@
           <p:cNvPr id="11" name="텍스트 개체 틀 2">
             <a:extLst>
               <a:ext uri="{FF2B5EF4-FFF2-40B4-BE49-F238E27FC236}">
-                <a16:creationId xmlns:a16="http://schemas.microsoft.com/office/drawing/2014/main" xmlns="" id="{83C1248A-7127-4EE5-A98C-D37750A4202B}"/>
+                <a16:creationId xmlns:a16="http://schemas.microsoft.com/office/drawing/2014/main" id="{83C1248A-7127-4EE5-A98C-D37750A4202B}"/>
               </a:ext>
             </a:extLst>
           </p:cNvPr>
@@ -9126,7 +9162,7 @@
           <p:cNvPr id="2" name="제목 1">
             <a:extLst>
               <a:ext uri="{FF2B5EF4-FFF2-40B4-BE49-F238E27FC236}">
-                <a16:creationId xmlns:a16="http://schemas.microsoft.com/office/drawing/2014/main" xmlns="" id="{5B280C3E-2AAB-42D1-8BCD-60E4ACEAD2AB}"/>
+                <a16:creationId xmlns:a16="http://schemas.microsoft.com/office/drawing/2014/main" id="{5B280C3E-2AAB-42D1-8BCD-60E4ACEAD2AB}"/>
               </a:ext>
             </a:extLst>
           </p:cNvPr>
@@ -9159,7 +9195,7 @@
           <p:cNvPr id="5" name="그림 4">
             <a:extLst>
               <a:ext uri="{FF2B5EF4-FFF2-40B4-BE49-F238E27FC236}">
-                <a16:creationId xmlns:a16="http://schemas.microsoft.com/office/drawing/2014/main" xmlns="" id="{6C453F45-8733-400D-9E79-5FB14F0CC955}"/>
+                <a16:creationId xmlns:a16="http://schemas.microsoft.com/office/drawing/2014/main" id="{6C453F45-8733-400D-9E79-5FB14F0CC955}"/>
               </a:ext>
             </a:extLst>
           </p:cNvPr>
@@ -9189,7 +9225,7 @@
           <p:cNvPr id="8" name="텍스트 개체 틀 2">
             <a:extLst>
               <a:ext uri="{FF2B5EF4-FFF2-40B4-BE49-F238E27FC236}">
-                <a16:creationId xmlns:a16="http://schemas.microsoft.com/office/drawing/2014/main" xmlns="" id="{E14A1B88-5FCF-42DF-AD5B-B92A0FC1DF7B}"/>
+                <a16:creationId xmlns:a16="http://schemas.microsoft.com/office/drawing/2014/main" id="{E14A1B88-5FCF-42DF-AD5B-B92A0FC1DF7B}"/>
               </a:ext>
             </a:extLst>
           </p:cNvPr>
@@ -9306,7 +9342,7 @@
           <p:cNvPr id="2" name="제목 1">
             <a:extLst>
               <a:ext uri="{FF2B5EF4-FFF2-40B4-BE49-F238E27FC236}">
-                <a16:creationId xmlns:a16="http://schemas.microsoft.com/office/drawing/2014/main" xmlns="" id="{267F36B7-AC36-439D-A7B5-165220856369}"/>
+                <a16:creationId xmlns:a16="http://schemas.microsoft.com/office/drawing/2014/main" id="{267F36B7-AC36-439D-A7B5-165220856369}"/>
               </a:ext>
             </a:extLst>
           </p:cNvPr>
@@ -9338,7 +9374,7 @@
           <p:cNvPr id="5" name="그림 4">
             <a:extLst>
               <a:ext uri="{FF2B5EF4-FFF2-40B4-BE49-F238E27FC236}">
-                <a16:creationId xmlns:a16="http://schemas.microsoft.com/office/drawing/2014/main" xmlns="" id="{00B25D7C-0E7C-482B-A4FF-12F2EE91DB39}"/>
+                <a16:creationId xmlns:a16="http://schemas.microsoft.com/office/drawing/2014/main" id="{00B25D7C-0E7C-482B-A4FF-12F2EE91DB39}"/>
               </a:ext>
             </a:extLst>
           </p:cNvPr>
@@ -9368,7 +9404,7 @@
           <p:cNvPr id="6" name="텍스트 개체 틀 2">
             <a:extLst>
               <a:ext uri="{FF2B5EF4-FFF2-40B4-BE49-F238E27FC236}">
-                <a16:creationId xmlns:a16="http://schemas.microsoft.com/office/drawing/2014/main" xmlns="" id="{0313ACD3-B8BC-4DF4-9758-0CD791594910}"/>
+                <a16:creationId xmlns:a16="http://schemas.microsoft.com/office/drawing/2014/main" id="{0313ACD3-B8BC-4DF4-9758-0CD791594910}"/>
               </a:ext>
             </a:extLst>
           </p:cNvPr>
@@ -9561,7 +9597,7 @@
           <p:cNvPr id="2" name="제목 1">
             <a:extLst>
               <a:ext uri="{FF2B5EF4-FFF2-40B4-BE49-F238E27FC236}">
-                <a16:creationId xmlns:a16="http://schemas.microsoft.com/office/drawing/2014/main" xmlns="" id="{21F1613A-904A-4305-95A6-AEA9393517D9}"/>
+                <a16:creationId xmlns:a16="http://schemas.microsoft.com/office/drawing/2014/main" id="{21F1613A-904A-4305-95A6-AEA9393517D9}"/>
               </a:ext>
             </a:extLst>
           </p:cNvPr>
@@ -9594,7 +9630,7 @@
           <p:cNvPr id="5" name="그림 4">
             <a:extLst>
               <a:ext uri="{FF2B5EF4-FFF2-40B4-BE49-F238E27FC236}">
-                <a16:creationId xmlns:a16="http://schemas.microsoft.com/office/drawing/2014/main" xmlns="" id="{0670F964-A544-405F-9E3A-F7D8A6A42B0D}"/>
+                <a16:creationId xmlns:a16="http://schemas.microsoft.com/office/drawing/2014/main" id="{0670F964-A544-405F-9E3A-F7D8A6A42B0D}"/>
               </a:ext>
             </a:extLst>
           </p:cNvPr>
@@ -9624,7 +9660,7 @@
           <p:cNvPr id="6" name="텍스트 개체 틀 2">
             <a:extLst>
               <a:ext uri="{FF2B5EF4-FFF2-40B4-BE49-F238E27FC236}">
-                <a16:creationId xmlns:a16="http://schemas.microsoft.com/office/drawing/2014/main" xmlns="" id="{86D19284-A7D4-4E73-99CD-875532A34645}"/>
+                <a16:creationId xmlns:a16="http://schemas.microsoft.com/office/drawing/2014/main" id="{86D19284-A7D4-4E73-99CD-875532A34645}"/>
               </a:ext>
             </a:extLst>
           </p:cNvPr>
@@ -9803,7 +9839,7 @@
           <p:cNvPr id="2" name="제목 1">
             <a:extLst>
               <a:ext uri="{FF2B5EF4-FFF2-40B4-BE49-F238E27FC236}">
-                <a16:creationId xmlns:a16="http://schemas.microsoft.com/office/drawing/2014/main" xmlns="" id="{03C71206-850F-4394-862A-26519730AE1D}"/>
+                <a16:creationId xmlns:a16="http://schemas.microsoft.com/office/drawing/2014/main" id="{03C71206-850F-4394-862A-26519730AE1D}"/>
               </a:ext>
             </a:extLst>
           </p:cNvPr>
@@ -9836,7 +9872,7 @@
           <p:cNvPr id="5" name="그림 4">
             <a:extLst>
               <a:ext uri="{FF2B5EF4-FFF2-40B4-BE49-F238E27FC236}">
-                <a16:creationId xmlns:a16="http://schemas.microsoft.com/office/drawing/2014/main" xmlns="" id="{1183C6B4-1C25-4222-B69B-541EC4EEED41}"/>
+                <a16:creationId xmlns:a16="http://schemas.microsoft.com/office/drawing/2014/main" id="{1183C6B4-1C25-4222-B69B-541EC4EEED41}"/>
               </a:ext>
             </a:extLst>
           </p:cNvPr>
@@ -9866,7 +9902,7 @@
           <p:cNvPr id="6" name="텍스트 개체 틀 2">
             <a:extLst>
               <a:ext uri="{FF2B5EF4-FFF2-40B4-BE49-F238E27FC236}">
-                <a16:creationId xmlns:a16="http://schemas.microsoft.com/office/drawing/2014/main" xmlns="" id="{5532DBA0-A376-4BC1-9645-3E225536B6CF}"/>
+                <a16:creationId xmlns:a16="http://schemas.microsoft.com/office/drawing/2014/main" id="{5532DBA0-A376-4BC1-9645-3E225536B6CF}"/>
               </a:ext>
             </a:extLst>
           </p:cNvPr>
@@ -10045,7 +10081,7 @@
           <p:cNvPr id="2" name="제목 1">
             <a:extLst>
               <a:ext uri="{FF2B5EF4-FFF2-40B4-BE49-F238E27FC236}">
-                <a16:creationId xmlns:a16="http://schemas.microsoft.com/office/drawing/2014/main" xmlns="" id="{5C47CB45-705A-4EA5-995E-0C3EA1533542}"/>
+                <a16:creationId xmlns:a16="http://schemas.microsoft.com/office/drawing/2014/main" id="{5C47CB45-705A-4EA5-995E-0C3EA1533542}"/>
               </a:ext>
             </a:extLst>
           </p:cNvPr>
@@ -10078,7 +10114,7 @@
           <p:cNvPr id="5" name="그림 4">
             <a:extLst>
               <a:ext uri="{FF2B5EF4-FFF2-40B4-BE49-F238E27FC236}">
-                <a16:creationId xmlns:a16="http://schemas.microsoft.com/office/drawing/2014/main" xmlns="" id="{3B92F080-CDDC-40B3-96B7-77EDEFCDC1EA}"/>
+                <a16:creationId xmlns:a16="http://schemas.microsoft.com/office/drawing/2014/main" id="{3B92F080-CDDC-40B3-96B7-77EDEFCDC1EA}"/>
               </a:ext>
             </a:extLst>
           </p:cNvPr>
@@ -10108,7 +10144,7 @@
           <p:cNvPr id="6" name="텍스트 개체 틀 2">
             <a:extLst>
               <a:ext uri="{FF2B5EF4-FFF2-40B4-BE49-F238E27FC236}">
-                <a16:creationId xmlns:a16="http://schemas.microsoft.com/office/drawing/2014/main" xmlns="" id="{93C3C7FB-1951-4584-839F-143B43E323B4}"/>
+                <a16:creationId xmlns:a16="http://schemas.microsoft.com/office/drawing/2014/main" id="{93C3C7FB-1951-4584-839F-143B43E323B4}"/>
               </a:ext>
             </a:extLst>
           </p:cNvPr>
@@ -11335,29 +11371,33 @@
 
 <file path=customXml/item1.xml><?xml version="1.0" encoding="utf-8"?>
 <p4ppTags>
+  <Name>Title fullscreen (big bar down)</Name>
+  <PpLayout>1</PpLayout>
+  <Index>3</Index>
+</p4ppTags>
+</file>
+
+<file path=customXml/item2.xml><?xml version="1.0" encoding="utf-8"?>
+<p4ppTags>
   <Name>Chapter title (big bar down)</Name>
   <PpLayout>1</PpLayout>
   <Index>5</Index>
 </p4ppTags>
 </file>
 
-<file path=customXml/item2.xml><?xml version="1.0" encoding="utf-8"?>
-<p4ppTags>
-  <Name>Title fullscreen (big bar down)</Name>
-  <PpLayout>1</PpLayout>
-  <Index>3</Index>
-</p4ppTags>
-</file>
-
 <file path=customXml/item3.xml><?xml version="1.0" encoding="utf-8"?>
 <p4ppTags>
-  <Name>Chapter title (big bar up)</Name>
+  <Name>Title fullscreen (big bar up)</Name>
   <PpLayout>1</PpLayout>
-  <Index>6</Index>
+  <Index>4</Index>
 </p4ppTags>
 </file>
 
 <file path=customXml/item4.xml><?xml version="1.0" encoding="utf-8"?>
+<p4ppTags/>
+</file>
+
+<file path=customXml/item5.xml><?xml version="1.0" encoding="utf-8"?>
 <p4ppTags>
   <Name>Title (big bar down)</Name>
   <PpLayout>1</PpLayout>
@@ -11365,15 +11405,11 @@
 </p4ppTags>
 </file>
 
-<file path=customXml/item5.xml><?xml version="1.0" encoding="utf-8"?>
-<p4ppTags/>
-</file>
-
 <file path=customXml/item6.xml><?xml version="1.0" encoding="utf-8"?>
 <p4ppTags>
-  <Name>Title fullscreen (big bar up)</Name>
+  <Name>Chapter title (big bar up)</Name>
   <PpLayout>1</PpLayout>
-  <Index>4</Index>
+  <Index>6</Index>
 </p4ppTags>
 </file>
 
@@ -11386,37 +11422,37 @@
 </file>
 
 <file path=customXml/itemProps1.xml><?xml version="1.0" encoding="utf-8"?>
+<ds:datastoreItem xmlns:ds="http://schemas.openxmlformats.org/officeDocument/2006/customXml" ds:itemID="{3C3C200F-7A0F-43B4-89A2-7EAC51E146B8}">
+  <ds:schemaRefs/>
+</ds:datastoreItem>
+</file>
+
+<file path=customXml/itemProps2.xml><?xml version="1.0" encoding="utf-8"?>
 <ds:datastoreItem xmlns:ds="http://schemas.openxmlformats.org/officeDocument/2006/customXml" ds:itemID="{B842808A-63C4-4809-A3FE-CB9BAEDB5518}">
   <ds:schemaRefs/>
 </ds:datastoreItem>
 </file>
 
-<file path=customXml/itemProps2.xml><?xml version="1.0" encoding="utf-8"?>
-<ds:datastoreItem xmlns:ds="http://schemas.openxmlformats.org/officeDocument/2006/customXml" ds:itemID="{3C3C200F-7A0F-43B4-89A2-7EAC51E146B8}">
-  <ds:schemaRefs/>
-</ds:datastoreItem>
-</file>
-
 <file path=customXml/itemProps3.xml><?xml version="1.0" encoding="utf-8"?>
-<ds:datastoreItem xmlns:ds="http://schemas.openxmlformats.org/officeDocument/2006/customXml" ds:itemID="{EFCAE600-FA5F-4AE5-B732-F9AB03D51820}">
+<ds:datastoreItem xmlns:ds="http://schemas.openxmlformats.org/officeDocument/2006/customXml" ds:itemID="{B3B1D281-6C65-4D54-B219-770FC4DAB8FD}">
   <ds:schemaRefs/>
 </ds:datastoreItem>
 </file>
 
 <file path=customXml/itemProps4.xml><?xml version="1.0" encoding="utf-8"?>
+<ds:datastoreItem xmlns:ds="http://schemas.openxmlformats.org/officeDocument/2006/customXml" ds:itemID="{EB8A4E2E-2B8F-4B71-A368-F18362B0C85F}">
+  <ds:schemaRefs/>
+</ds:datastoreItem>
+</file>
+
+<file path=customXml/itemProps5.xml><?xml version="1.0" encoding="utf-8"?>
 <ds:datastoreItem xmlns:ds="http://schemas.openxmlformats.org/officeDocument/2006/customXml" ds:itemID="{A5111100-98EE-4A20-AE7B-BF136EFD1435}">
   <ds:schemaRefs/>
 </ds:datastoreItem>
 </file>
 
-<file path=customXml/itemProps5.xml><?xml version="1.0" encoding="utf-8"?>
-<ds:datastoreItem xmlns:ds="http://schemas.openxmlformats.org/officeDocument/2006/customXml" ds:itemID="{EB8A4E2E-2B8F-4B71-A368-F18362B0C85F}">
-  <ds:schemaRefs/>
-</ds:datastoreItem>
-</file>
-
 <file path=customXml/itemProps6.xml><?xml version="1.0" encoding="utf-8"?>
-<ds:datastoreItem xmlns:ds="http://schemas.openxmlformats.org/officeDocument/2006/customXml" ds:itemID="{B3B1D281-6C65-4D54-B219-770FC4DAB8FD}">
+<ds:datastoreItem xmlns:ds="http://schemas.openxmlformats.org/officeDocument/2006/customXml" ds:itemID="{EFCAE600-FA5F-4AE5-B732-F9AB03D51820}">
   <ds:schemaRefs/>
 </ds:datastoreItem>
 </file>
